--- a/Status report.pptx
+++ b/Status report.pptx
@@ -5,57 +5,61 @@
     <p:sldMasterId id="2147483659" r:id="rId1"/>
   </p:sldMasterIdLst>
   <p:notesMasterIdLst>
-    <p:notesMasterId r:id="rId11"/>
+    <p:notesMasterId r:id="rId10"/>
   </p:notesMasterIdLst>
   <p:sldIdLst>
     <p:sldId id="256" r:id="rId2"/>
     <p:sldId id="269" r:id="rId3"/>
     <p:sldId id="257" r:id="rId4"/>
-    <p:sldId id="258" r:id="rId5"/>
-    <p:sldId id="260" r:id="rId6"/>
-    <p:sldId id="261" r:id="rId7"/>
-    <p:sldId id="262" r:id="rId8"/>
-    <p:sldId id="270" r:id="rId9"/>
-    <p:sldId id="271" r:id="rId10"/>
+    <p:sldId id="260" r:id="rId5"/>
+    <p:sldId id="261" r:id="rId6"/>
+    <p:sldId id="272" r:id="rId7"/>
+    <p:sldId id="270" r:id="rId8"/>
+    <p:sldId id="271" r:id="rId9"/>
   </p:sldIdLst>
   <p:sldSz cx="9144000" cy="5143500" type="screen16x9"/>
   <p:notesSz cx="6858000" cy="9144000"/>
   <p:embeddedFontLst>
     <p:embeddedFont>
+      <p:font typeface="Comfortaa" panose="020B0604020202020204" charset="0"/>
+      <p:regular r:id="rId11"/>
+      <p:bold r:id="rId12"/>
+    </p:embeddedFont>
+    <p:embeddedFont>
+      <p:font typeface="Oswald"/>
+      <p:regular r:id="rId13"/>
+      <p:bold r:id="rId14"/>
+    </p:embeddedFont>
+    <p:embeddedFont>
+      <p:font typeface="Trebuchet MS" panose="020B0603020202020204" pitchFamily="34" charset="0"/>
+      <p:regular r:id="rId15"/>
+      <p:bold r:id="rId16"/>
+      <p:italic r:id="rId17"/>
+      <p:boldItalic r:id="rId18"/>
+    </p:embeddedFont>
+    <p:embeddedFont>
       <p:font typeface="Candara" panose="020E0502030303020204" pitchFamily="34" charset="0"/>
-      <p:regular r:id="rId12"/>
-      <p:bold r:id="rId13"/>
-      <p:italic r:id="rId14"/>
-      <p:boldItalic r:id="rId15"/>
+      <p:regular r:id="rId19"/>
+      <p:bold r:id="rId20"/>
+      <p:italic r:id="rId21"/>
+      <p:boldItalic r:id="rId22"/>
     </p:embeddedFont>
     <p:embeddedFont>
       <p:font typeface="Lato" panose="020B0604020202020204" charset="0"/>
-      <p:regular r:id="rId16"/>
-      <p:bold r:id="rId17"/>
-      <p:italic r:id="rId18"/>
-      <p:boldItalic r:id="rId19"/>
-    </p:embeddedFont>
-    <p:embeddedFont>
-      <p:font typeface="Comfortaa"/>
-      <p:regular r:id="rId20"/>
-      <p:bold r:id="rId21"/>
+      <p:regular r:id="rId23"/>
+      <p:bold r:id="rId24"/>
+      <p:italic r:id="rId25"/>
+      <p:boldItalic r:id="rId26"/>
     </p:embeddedFont>
     <p:embeddedFont>
       <p:font typeface="Lato Black" panose="020B0604020202020204" charset="0"/>
-      <p:bold r:id="rId22"/>
-      <p:boldItalic r:id="rId23"/>
+      <p:bold r:id="rId27"/>
+      <p:boldItalic r:id="rId28"/>
     </p:embeddedFont>
     <p:embeddedFont>
-      <p:font typeface="Trebuchet MS" panose="020B0603020202020204" pitchFamily="34" charset="0"/>
-      <p:regular r:id="rId24"/>
-      <p:bold r:id="rId25"/>
-      <p:italic r:id="rId26"/>
-      <p:boldItalic r:id="rId27"/>
-    </p:embeddedFont>
-    <p:embeddedFont>
-      <p:font typeface="Oswald"/>
-      <p:regular r:id="rId28"/>
-      <p:bold r:id="rId29"/>
+      <p:font typeface="Levenim MT" panose="02010502060101010101" pitchFamily="2" charset="-79"/>
+      <p:regular r:id="rId29"/>
+      <p:bold r:id="rId30"/>
     </p:embeddedFont>
   </p:embeddedFontLst>
   <p:defaultTextStyle>
@@ -260,6 +264,11 @@
       </a:defRPr>
     </a:lvl9pPr>
   </p:defaultTextStyle>
+  <p:extLst>
+    <p:ext uri="{EFAFB233-063F-42B5-8137-9DF3F51BA10A}">
+      <p15:sldGuideLst xmlns:p15="http://schemas.microsoft.com/office/powerpoint/2012/main"/>
+    </p:ext>
+  </p:extLst>
 </p:presentation>
 </file>
 
@@ -472,6 +481,11 @@
         </p:txBody>
       </p:sp>
     </p:spTree>
+    <p:extLst>
+      <p:ext uri="{BB962C8B-B14F-4D97-AF65-F5344CB8AC3E}">
+        <p14:creationId xmlns:p14="http://schemas.microsoft.com/office/powerpoint/2010/main" val="2937086851"/>
+      </p:ext>
+    </p:extLst>
   </p:cSld>
   <p:clrMap bg1="lt1" tx1="dk1" bg2="dk2" tx2="lt2" accent1="accent1" accent2="accent2" accent3="accent3" accent4="accent4" accent5="accent5" accent6="accent6" hlink="hlink" folHlink="folHlink"/>
   <p:notesStyle>
@@ -666,6 +680,11 @@
         </p:txBody>
       </p:sp>
     </p:spTree>
+    <p:extLst>
+      <p:ext uri="{BB962C8B-B14F-4D97-AF65-F5344CB8AC3E}">
+        <p14:creationId xmlns:p14="http://schemas.microsoft.com/office/powerpoint/2010/main" val="1985634994"/>
+      </p:ext>
+    </p:extLst>
   </p:cSld>
   <p:clrMapOvr>
     <a:masterClrMapping/>
@@ -770,6 +789,11 @@
         </p:txBody>
       </p:sp>
     </p:spTree>
+    <p:extLst>
+      <p:ext uri="{BB962C8B-B14F-4D97-AF65-F5344CB8AC3E}">
+        <p14:creationId xmlns:p14="http://schemas.microsoft.com/office/powerpoint/2010/main" val="3734422515"/>
+      </p:ext>
+    </p:extLst>
   </p:cSld>
   <p:clrMapOvr>
     <a:masterClrMapping/>
@@ -778,110 +802,6 @@
 </file>
 
 <file path=ppt/notesSlides/notesSlide3.xml><?xml version="1.0" encoding="utf-8"?>
-<p:notes xmlns:a="http://schemas.openxmlformats.org/drawingml/2006/main" xmlns:r="http://schemas.openxmlformats.org/officeDocument/2006/relationships" xmlns:p="http://schemas.openxmlformats.org/presentationml/2006/main" showMasterSp="0" showMasterPhAnim="0">
-  <p:cSld>
-    <p:spTree>
-      <p:nvGrpSpPr>
-        <p:cNvPr id="1" name="Shape 64"/>
-        <p:cNvGrpSpPr/>
-        <p:nvPr/>
-      </p:nvGrpSpPr>
-      <p:grpSpPr>
-        <a:xfrm>
-          <a:off x="0" y="0"/>
-          <a:ext cx="0" cy="0"/>
-          <a:chOff x="0" y="0"/>
-          <a:chExt cx="0" cy="0"/>
-        </a:xfrm>
-      </p:grpSpPr>
-      <p:sp>
-        <p:nvSpPr>
-          <p:cNvPr id="65" name="Shape 65"/>
-          <p:cNvSpPr>
-            <a:spLocks noGrp="1" noRot="1" noChangeAspect="1"/>
-          </p:cNvSpPr>
-          <p:nvPr>
-            <p:ph type="sldImg" idx="2"/>
-          </p:nvPr>
-        </p:nvSpPr>
-        <p:spPr>
-          <a:xfrm>
-            <a:off x="381000" y="685800"/>
-            <a:ext cx="6096000" cy="3429000"/>
-          </a:xfrm>
-          <a:custGeom>
-            <a:avLst/>
-            <a:gdLst/>
-            <a:ahLst/>
-            <a:cxnLst/>
-            <a:rect l="0" t="0" r="0" b="0"/>
-            <a:pathLst>
-              <a:path w="120000" h="120000" extrusionOk="0">
-                <a:moveTo>
-                  <a:pt x="0" y="0"/>
-                </a:moveTo>
-                <a:lnTo>
-                  <a:pt x="120000" y="0"/>
-                </a:lnTo>
-                <a:lnTo>
-                  <a:pt x="120000" y="120000"/>
-                </a:lnTo>
-                <a:lnTo>
-                  <a:pt x="0" y="120000"/>
-                </a:lnTo>
-                <a:close/>
-              </a:path>
-            </a:pathLst>
-          </a:custGeom>
-        </p:spPr>
-      </p:sp>
-      <p:sp>
-        <p:nvSpPr>
-          <p:cNvPr id="66" name="Shape 66"/>
-          <p:cNvSpPr txBox="1">
-            <a:spLocks noGrp="1"/>
-          </p:cNvSpPr>
-          <p:nvPr>
-            <p:ph type="body" idx="1"/>
-          </p:nvPr>
-        </p:nvSpPr>
-        <p:spPr>
-          <a:xfrm>
-            <a:off x="685800" y="4343400"/>
-            <a:ext cx="5486400" cy="4114800"/>
-          </a:xfrm>
-          <a:prstGeom prst="rect">
-            <a:avLst/>
-          </a:prstGeom>
-        </p:spPr>
-        <p:txBody>
-          <a:bodyPr wrap="square" lIns="91425" tIns="91425" rIns="91425" bIns="91425" anchor="t" anchorCtr="0">
-            <a:noAutofit/>
-          </a:bodyPr>
-          <a:lstStyle/>
-          <a:p>
-            <a:pPr marL="0" lvl="0" indent="0">
-              <a:spcBef>
-                <a:spcPts val="0"/>
-              </a:spcBef>
-              <a:spcAft>
-                <a:spcPts val="0"/>
-              </a:spcAft>
-              <a:buNone/>
-            </a:pPr>
-            <a:endParaRPr/>
-          </a:p>
-        </p:txBody>
-      </p:sp>
-    </p:spTree>
-  </p:cSld>
-  <p:clrMapOvr>
-    <a:masterClrMapping/>
-  </p:clrMapOvr>
-</p:notes>
-</file>
-
-<file path=ppt/notesSlides/notesSlide4.xml><?xml version="1.0" encoding="utf-8"?>
 <p:notes xmlns:a="http://schemas.openxmlformats.org/drawingml/2006/main" xmlns:r="http://schemas.openxmlformats.org/officeDocument/2006/relationships" xmlns:p="http://schemas.openxmlformats.org/presentationml/2006/main" showMasterSp="0" showMasterPhAnim="0">
   <p:cSld>
     <p:spTree>
@@ -978,6 +898,11 @@
         </p:txBody>
       </p:sp>
     </p:spTree>
+    <p:extLst>
+      <p:ext uri="{BB962C8B-B14F-4D97-AF65-F5344CB8AC3E}">
+        <p14:creationId xmlns:p14="http://schemas.microsoft.com/office/powerpoint/2010/main" val="848466967"/>
+      </p:ext>
+    </p:extLst>
   </p:cSld>
   <p:clrMapOvr>
     <a:masterClrMapping/>
@@ -985,7 +910,7 @@
 </p:notes>
 </file>
 
-<file path=ppt/notesSlides/notesSlide5.xml><?xml version="1.0" encoding="utf-8"?>
+<file path=ppt/notesSlides/notesSlide4.xml><?xml version="1.0" encoding="utf-8"?>
 <p:notes xmlns:a="http://schemas.openxmlformats.org/drawingml/2006/main" xmlns:r="http://schemas.openxmlformats.org/officeDocument/2006/relationships" xmlns:p="http://schemas.openxmlformats.org/presentationml/2006/main" showMasterSp="0" showMasterPhAnim="0">
   <p:cSld>
     <p:spTree>
@@ -1082,110 +1007,11 @@
         </p:txBody>
       </p:sp>
     </p:spTree>
-  </p:cSld>
-  <p:clrMapOvr>
-    <a:masterClrMapping/>
-  </p:clrMapOvr>
-</p:notes>
-</file>
-
-<file path=ppt/notesSlides/notesSlide6.xml><?xml version="1.0" encoding="utf-8"?>
-<p:notes xmlns:a="http://schemas.openxmlformats.org/drawingml/2006/main" xmlns:r="http://schemas.openxmlformats.org/officeDocument/2006/relationships" xmlns:p="http://schemas.openxmlformats.org/presentationml/2006/main" showMasterSp="0" showMasterPhAnim="0">
-  <p:cSld>
-    <p:spTree>
-      <p:nvGrpSpPr>
-        <p:cNvPr id="1" name="Shape 101"/>
-        <p:cNvGrpSpPr/>
-        <p:nvPr/>
-      </p:nvGrpSpPr>
-      <p:grpSpPr>
-        <a:xfrm>
-          <a:off x="0" y="0"/>
-          <a:ext cx="0" cy="0"/>
-          <a:chOff x="0" y="0"/>
-          <a:chExt cx="0" cy="0"/>
-        </a:xfrm>
-      </p:grpSpPr>
-      <p:sp>
-        <p:nvSpPr>
-          <p:cNvPr id="102" name="Shape 102"/>
-          <p:cNvSpPr>
-            <a:spLocks noGrp="1" noRot="1" noChangeAspect="1"/>
-          </p:cNvSpPr>
-          <p:nvPr>
-            <p:ph type="sldImg" idx="2"/>
-          </p:nvPr>
-        </p:nvSpPr>
-        <p:spPr>
-          <a:xfrm>
-            <a:off x="381000" y="685800"/>
-            <a:ext cx="6096000" cy="3429000"/>
-          </a:xfrm>
-          <a:custGeom>
-            <a:avLst/>
-            <a:gdLst/>
-            <a:ahLst/>
-            <a:cxnLst/>
-            <a:rect l="0" t="0" r="0" b="0"/>
-            <a:pathLst>
-              <a:path w="120000" h="120000" extrusionOk="0">
-                <a:moveTo>
-                  <a:pt x="0" y="0"/>
-                </a:moveTo>
-                <a:lnTo>
-                  <a:pt x="120000" y="0"/>
-                </a:lnTo>
-                <a:lnTo>
-                  <a:pt x="120000" y="120000"/>
-                </a:lnTo>
-                <a:lnTo>
-                  <a:pt x="0" y="120000"/>
-                </a:lnTo>
-                <a:close/>
-              </a:path>
-            </a:pathLst>
-          </a:custGeom>
-        </p:spPr>
-      </p:sp>
-      <p:sp>
-        <p:nvSpPr>
-          <p:cNvPr id="103" name="Shape 103"/>
-          <p:cNvSpPr txBox="1">
-            <a:spLocks noGrp="1"/>
-          </p:cNvSpPr>
-          <p:nvPr>
-            <p:ph type="body" idx="1"/>
-          </p:nvPr>
-        </p:nvSpPr>
-        <p:spPr>
-          <a:xfrm>
-            <a:off x="685800" y="4343400"/>
-            <a:ext cx="5486400" cy="4114800"/>
-          </a:xfrm>
-          <a:prstGeom prst="rect">
-            <a:avLst/>
-          </a:prstGeom>
-        </p:spPr>
-        <p:txBody>
-          <a:bodyPr wrap="square" lIns="91425" tIns="91425" rIns="91425" bIns="91425" anchor="t" anchorCtr="0">
-            <a:noAutofit/>
-          </a:bodyPr>
-          <a:lstStyle/>
-          <a:p>
-            <a:pPr marL="0" lvl="0" indent="0">
-              <a:spcBef>
-                <a:spcPts val="0"/>
-              </a:spcBef>
-              <a:spcAft>
-                <a:spcPts val="0"/>
-              </a:spcAft>
-              <a:buNone/>
-            </a:pPr>
-            <a:endParaRPr/>
-          </a:p>
-        </p:txBody>
-      </p:sp>
-    </p:spTree>
+    <p:extLst>
+      <p:ext uri="{BB962C8B-B14F-4D97-AF65-F5344CB8AC3E}">
+        <p14:creationId xmlns:p14="http://schemas.microsoft.com/office/powerpoint/2010/main" val="2958938558"/>
+      </p:ext>
+    </p:extLst>
   </p:cSld>
   <p:clrMapOvr>
     <a:masterClrMapping/>
@@ -1541,522 +1367,7 @@
 </p:sldLayout>
 </file>
 
-<file path=ppt/slideLayouts/slideLayout10.xml><?xml version="1.0" encoding="utf-8"?>
-<p:sldLayout xmlns:a="http://schemas.openxmlformats.org/drawingml/2006/main" xmlns:r="http://schemas.openxmlformats.org/officeDocument/2006/relationships" xmlns:p="http://schemas.openxmlformats.org/presentationml/2006/main">
-  <p:cSld name="Big number">
-    <p:spTree>
-      <p:nvGrpSpPr>
-        <p:cNvPr id="1" name="Shape 44"/>
-        <p:cNvGrpSpPr/>
-        <p:nvPr/>
-      </p:nvGrpSpPr>
-      <p:grpSpPr>
-        <a:xfrm>
-          <a:off x="0" y="0"/>
-          <a:ext cx="0" cy="0"/>
-          <a:chOff x="0" y="0"/>
-          <a:chExt cx="0" cy="0"/>
-        </a:xfrm>
-      </p:grpSpPr>
-      <p:sp>
-        <p:nvSpPr>
-          <p:cNvPr id="45" name="Shape 45"/>
-          <p:cNvSpPr txBox="1">
-            <a:spLocks noGrp="1"/>
-          </p:cNvSpPr>
-          <p:nvPr>
-            <p:ph type="title"/>
-          </p:nvPr>
-        </p:nvSpPr>
-        <p:spPr>
-          <a:xfrm>
-            <a:off x="311700" y="1106125"/>
-            <a:ext cx="8520600" cy="1963500"/>
-          </a:xfrm>
-          <a:prstGeom prst="rect">
-            <a:avLst/>
-          </a:prstGeom>
-        </p:spPr>
-        <p:txBody>
-          <a:bodyPr wrap="square" lIns="91425" tIns="91425" rIns="91425" bIns="91425" anchor="b" anchorCtr="0"/>
-          <a:lstStyle>
-            <a:lvl1pPr lvl="0" algn="ctr">
-              <a:spcBef>
-                <a:spcPts val="0"/>
-              </a:spcBef>
-              <a:spcAft>
-                <a:spcPts val="0"/>
-              </a:spcAft>
-              <a:buSzPts val="12000"/>
-              <a:buNone/>
-              <a:defRPr sz="12000"/>
-            </a:lvl1pPr>
-            <a:lvl2pPr lvl="1" algn="ctr">
-              <a:spcBef>
-                <a:spcPts val="0"/>
-              </a:spcBef>
-              <a:spcAft>
-                <a:spcPts val="0"/>
-              </a:spcAft>
-              <a:buSzPts val="12000"/>
-              <a:buNone/>
-              <a:defRPr sz="12000"/>
-            </a:lvl2pPr>
-            <a:lvl3pPr lvl="2" algn="ctr">
-              <a:spcBef>
-                <a:spcPts val="0"/>
-              </a:spcBef>
-              <a:spcAft>
-                <a:spcPts val="0"/>
-              </a:spcAft>
-              <a:buSzPts val="12000"/>
-              <a:buNone/>
-              <a:defRPr sz="12000"/>
-            </a:lvl3pPr>
-            <a:lvl4pPr lvl="3" algn="ctr">
-              <a:spcBef>
-                <a:spcPts val="0"/>
-              </a:spcBef>
-              <a:spcAft>
-                <a:spcPts val="0"/>
-              </a:spcAft>
-              <a:buSzPts val="12000"/>
-              <a:buNone/>
-              <a:defRPr sz="12000"/>
-            </a:lvl4pPr>
-            <a:lvl5pPr lvl="4" algn="ctr">
-              <a:spcBef>
-                <a:spcPts val="0"/>
-              </a:spcBef>
-              <a:spcAft>
-                <a:spcPts val="0"/>
-              </a:spcAft>
-              <a:buSzPts val="12000"/>
-              <a:buNone/>
-              <a:defRPr sz="12000"/>
-            </a:lvl5pPr>
-            <a:lvl6pPr lvl="5" algn="ctr">
-              <a:spcBef>
-                <a:spcPts val="0"/>
-              </a:spcBef>
-              <a:spcAft>
-                <a:spcPts val="0"/>
-              </a:spcAft>
-              <a:buSzPts val="12000"/>
-              <a:buNone/>
-              <a:defRPr sz="12000"/>
-            </a:lvl6pPr>
-            <a:lvl7pPr lvl="6" algn="ctr">
-              <a:spcBef>
-                <a:spcPts val="0"/>
-              </a:spcBef>
-              <a:spcAft>
-                <a:spcPts val="0"/>
-              </a:spcAft>
-              <a:buSzPts val="12000"/>
-              <a:buNone/>
-              <a:defRPr sz="12000"/>
-            </a:lvl7pPr>
-            <a:lvl8pPr lvl="7" algn="ctr">
-              <a:spcBef>
-                <a:spcPts val="0"/>
-              </a:spcBef>
-              <a:spcAft>
-                <a:spcPts val="0"/>
-              </a:spcAft>
-              <a:buSzPts val="12000"/>
-              <a:buNone/>
-              <a:defRPr sz="12000"/>
-            </a:lvl8pPr>
-            <a:lvl9pPr lvl="8" algn="ctr">
-              <a:spcBef>
-                <a:spcPts val="0"/>
-              </a:spcBef>
-              <a:spcAft>
-                <a:spcPts val="0"/>
-              </a:spcAft>
-              <a:buSzPts val="12000"/>
-              <a:buNone/>
-              <a:defRPr sz="12000"/>
-            </a:lvl9pPr>
-          </a:lstStyle>
-          <a:p>
-            <a:endParaRPr/>
-          </a:p>
-        </p:txBody>
-      </p:sp>
-      <p:sp>
-        <p:nvSpPr>
-          <p:cNvPr id="46" name="Shape 46"/>
-          <p:cNvSpPr txBox="1">
-            <a:spLocks noGrp="1"/>
-          </p:cNvSpPr>
-          <p:nvPr>
-            <p:ph type="body" idx="1"/>
-          </p:nvPr>
-        </p:nvSpPr>
-        <p:spPr>
-          <a:xfrm>
-            <a:off x="311700" y="3152225"/>
-            <a:ext cx="8520600" cy="1300800"/>
-          </a:xfrm>
-          <a:prstGeom prst="rect">
-            <a:avLst/>
-          </a:prstGeom>
-        </p:spPr>
-        <p:txBody>
-          <a:bodyPr wrap="square" lIns="91425" tIns="91425" rIns="91425" bIns="91425" anchor="t" anchorCtr="0"/>
-          <a:lstStyle>
-            <a:lvl1pPr marL="457200" lvl="0" indent="-342900" algn="ctr">
-              <a:spcBef>
-                <a:spcPts val="0"/>
-              </a:spcBef>
-              <a:spcAft>
-                <a:spcPts val="0"/>
-              </a:spcAft>
-              <a:buSzPts val="1800"/>
-              <a:buChar char="●"/>
-              <a:defRPr/>
-            </a:lvl1pPr>
-            <a:lvl2pPr marL="914400" lvl="1" indent="-317500" algn="ctr">
-              <a:spcBef>
-                <a:spcPts val="1600"/>
-              </a:spcBef>
-              <a:spcAft>
-                <a:spcPts val="0"/>
-              </a:spcAft>
-              <a:buSzPts val="1400"/>
-              <a:buChar char="○"/>
-              <a:defRPr/>
-            </a:lvl2pPr>
-            <a:lvl3pPr marL="1371600" lvl="2" indent="-317500" algn="ctr">
-              <a:spcBef>
-                <a:spcPts val="1600"/>
-              </a:spcBef>
-              <a:spcAft>
-                <a:spcPts val="0"/>
-              </a:spcAft>
-              <a:buSzPts val="1400"/>
-              <a:buChar char="■"/>
-              <a:defRPr/>
-            </a:lvl3pPr>
-            <a:lvl4pPr marL="1828800" lvl="3" indent="-317500" algn="ctr">
-              <a:spcBef>
-                <a:spcPts val="1600"/>
-              </a:spcBef>
-              <a:spcAft>
-                <a:spcPts val="0"/>
-              </a:spcAft>
-              <a:buSzPts val="1400"/>
-              <a:buChar char="●"/>
-              <a:defRPr/>
-            </a:lvl4pPr>
-            <a:lvl5pPr marL="2286000" lvl="4" indent="-317500" algn="ctr">
-              <a:spcBef>
-                <a:spcPts val="1600"/>
-              </a:spcBef>
-              <a:spcAft>
-                <a:spcPts val="0"/>
-              </a:spcAft>
-              <a:buSzPts val="1400"/>
-              <a:buChar char="○"/>
-              <a:defRPr/>
-            </a:lvl5pPr>
-            <a:lvl6pPr marL="2743200" lvl="5" indent="-317500" algn="ctr">
-              <a:spcBef>
-                <a:spcPts val="1600"/>
-              </a:spcBef>
-              <a:spcAft>
-                <a:spcPts val="0"/>
-              </a:spcAft>
-              <a:buSzPts val="1400"/>
-              <a:buChar char="■"/>
-              <a:defRPr/>
-            </a:lvl6pPr>
-            <a:lvl7pPr marL="3200400" lvl="6" indent="-317500" algn="ctr">
-              <a:spcBef>
-                <a:spcPts val="1600"/>
-              </a:spcBef>
-              <a:spcAft>
-                <a:spcPts val="0"/>
-              </a:spcAft>
-              <a:buSzPts val="1400"/>
-              <a:buChar char="●"/>
-              <a:defRPr/>
-            </a:lvl7pPr>
-            <a:lvl8pPr marL="3657600" lvl="7" indent="-317500" algn="ctr">
-              <a:spcBef>
-                <a:spcPts val="1600"/>
-              </a:spcBef>
-              <a:spcAft>
-                <a:spcPts val="0"/>
-              </a:spcAft>
-              <a:buSzPts val="1400"/>
-              <a:buChar char="○"/>
-              <a:defRPr/>
-            </a:lvl8pPr>
-            <a:lvl9pPr marL="4114800" lvl="8" indent="-317500" algn="ctr">
-              <a:spcBef>
-                <a:spcPts val="1600"/>
-              </a:spcBef>
-              <a:spcAft>
-                <a:spcPts val="1600"/>
-              </a:spcAft>
-              <a:buSzPts val="1400"/>
-              <a:buChar char="■"/>
-              <a:defRPr/>
-            </a:lvl9pPr>
-          </a:lstStyle>
-          <a:p>
-            <a:endParaRPr/>
-          </a:p>
-        </p:txBody>
-      </p:sp>
-      <p:sp>
-        <p:nvSpPr>
-          <p:cNvPr id="47" name="Shape 47"/>
-          <p:cNvSpPr txBox="1">
-            <a:spLocks noGrp="1"/>
-          </p:cNvSpPr>
-          <p:nvPr>
-            <p:ph type="sldNum" idx="12"/>
-          </p:nvPr>
-        </p:nvSpPr>
-        <p:spPr>
-          <a:xfrm>
-            <a:off x="8472458" y="4663217"/>
-            <a:ext cx="548700" cy="393600"/>
-          </a:xfrm>
-          <a:prstGeom prst="rect">
-            <a:avLst/>
-          </a:prstGeom>
-        </p:spPr>
-        <p:txBody>
-          <a:bodyPr wrap="square" lIns="91425" tIns="91425" rIns="91425" bIns="91425" anchor="ctr" anchorCtr="0">
-            <a:noAutofit/>
-          </a:bodyPr>
-          <a:lstStyle/>
-          <a:p>
-            <a:pPr marL="0" lvl="0" indent="0">
-              <a:spcBef>
-                <a:spcPts val="0"/>
-              </a:spcBef>
-              <a:spcAft>
-                <a:spcPts val="0"/>
-              </a:spcAft>
-              <a:buNone/>
-            </a:pPr>
-            <a:fld id="{00000000-1234-1234-1234-123412341234}" type="slidenum">
-              <a:rPr lang="en"/>
-              <a:t>‹#›</a:t>
-            </a:fld>
-            <a:endParaRPr/>
-          </a:p>
-        </p:txBody>
-      </p:sp>
-    </p:spTree>
-  </p:cSld>
-  <p:clrMapOvr>
-    <a:masterClrMapping/>
-  </p:clrMapOvr>
-</p:sldLayout>
-</file>
-
 <file path=ppt/slideLayouts/slideLayout2.xml><?xml version="1.0" encoding="utf-8"?>
-<p:sldLayout xmlns:a="http://schemas.openxmlformats.org/drawingml/2006/main" xmlns:r="http://schemas.openxmlformats.org/officeDocument/2006/relationships" xmlns:p="http://schemas.openxmlformats.org/presentationml/2006/main" type="secHead">
-  <p:cSld name="Section header">
-    <p:spTree>
-      <p:nvGrpSpPr>
-        <p:cNvPr id="1" name="Shape 13"/>
-        <p:cNvGrpSpPr/>
-        <p:nvPr/>
-      </p:nvGrpSpPr>
-      <p:grpSpPr>
-        <a:xfrm>
-          <a:off x="0" y="0"/>
-          <a:ext cx="0" cy="0"/>
-          <a:chOff x="0" y="0"/>
-          <a:chExt cx="0" cy="0"/>
-        </a:xfrm>
-      </p:grpSpPr>
-      <p:sp>
-        <p:nvSpPr>
-          <p:cNvPr id="14" name="Shape 14"/>
-          <p:cNvSpPr txBox="1">
-            <a:spLocks noGrp="1"/>
-          </p:cNvSpPr>
-          <p:nvPr>
-            <p:ph type="title"/>
-          </p:nvPr>
-        </p:nvSpPr>
-        <p:spPr>
-          <a:xfrm>
-            <a:off x="311700" y="2150850"/>
-            <a:ext cx="8520600" cy="841800"/>
-          </a:xfrm>
-          <a:prstGeom prst="rect">
-            <a:avLst/>
-          </a:prstGeom>
-        </p:spPr>
-        <p:txBody>
-          <a:bodyPr wrap="square" lIns="91425" tIns="91425" rIns="91425" bIns="91425" anchor="ctr" anchorCtr="0"/>
-          <a:lstStyle>
-            <a:lvl1pPr lvl="0" algn="ctr">
-              <a:spcBef>
-                <a:spcPts val="0"/>
-              </a:spcBef>
-              <a:spcAft>
-                <a:spcPts val="0"/>
-              </a:spcAft>
-              <a:buSzPts val="3600"/>
-              <a:buNone/>
-              <a:defRPr sz="3600"/>
-            </a:lvl1pPr>
-            <a:lvl2pPr lvl="1" algn="ctr">
-              <a:spcBef>
-                <a:spcPts val="0"/>
-              </a:spcBef>
-              <a:spcAft>
-                <a:spcPts val="0"/>
-              </a:spcAft>
-              <a:buSzPts val="3600"/>
-              <a:buNone/>
-              <a:defRPr sz="3600"/>
-            </a:lvl2pPr>
-            <a:lvl3pPr lvl="2" algn="ctr">
-              <a:spcBef>
-                <a:spcPts val="0"/>
-              </a:spcBef>
-              <a:spcAft>
-                <a:spcPts val="0"/>
-              </a:spcAft>
-              <a:buSzPts val="3600"/>
-              <a:buNone/>
-              <a:defRPr sz="3600"/>
-            </a:lvl3pPr>
-            <a:lvl4pPr lvl="3" algn="ctr">
-              <a:spcBef>
-                <a:spcPts val="0"/>
-              </a:spcBef>
-              <a:spcAft>
-                <a:spcPts val="0"/>
-              </a:spcAft>
-              <a:buSzPts val="3600"/>
-              <a:buNone/>
-              <a:defRPr sz="3600"/>
-            </a:lvl4pPr>
-            <a:lvl5pPr lvl="4" algn="ctr">
-              <a:spcBef>
-                <a:spcPts val="0"/>
-              </a:spcBef>
-              <a:spcAft>
-                <a:spcPts val="0"/>
-              </a:spcAft>
-              <a:buSzPts val="3600"/>
-              <a:buNone/>
-              <a:defRPr sz="3600"/>
-            </a:lvl5pPr>
-            <a:lvl6pPr lvl="5" algn="ctr">
-              <a:spcBef>
-                <a:spcPts val="0"/>
-              </a:spcBef>
-              <a:spcAft>
-                <a:spcPts val="0"/>
-              </a:spcAft>
-              <a:buSzPts val="3600"/>
-              <a:buNone/>
-              <a:defRPr sz="3600"/>
-            </a:lvl6pPr>
-            <a:lvl7pPr lvl="6" algn="ctr">
-              <a:spcBef>
-                <a:spcPts val="0"/>
-              </a:spcBef>
-              <a:spcAft>
-                <a:spcPts val="0"/>
-              </a:spcAft>
-              <a:buSzPts val="3600"/>
-              <a:buNone/>
-              <a:defRPr sz="3600"/>
-            </a:lvl7pPr>
-            <a:lvl8pPr lvl="7" algn="ctr">
-              <a:spcBef>
-                <a:spcPts val="0"/>
-              </a:spcBef>
-              <a:spcAft>
-                <a:spcPts val="0"/>
-              </a:spcAft>
-              <a:buSzPts val="3600"/>
-              <a:buNone/>
-              <a:defRPr sz="3600"/>
-            </a:lvl8pPr>
-            <a:lvl9pPr lvl="8" algn="ctr">
-              <a:spcBef>
-                <a:spcPts val="0"/>
-              </a:spcBef>
-              <a:spcAft>
-                <a:spcPts val="0"/>
-              </a:spcAft>
-              <a:buSzPts val="3600"/>
-              <a:buNone/>
-              <a:defRPr sz="3600"/>
-            </a:lvl9pPr>
-          </a:lstStyle>
-          <a:p>
-            <a:endParaRPr/>
-          </a:p>
-        </p:txBody>
-      </p:sp>
-      <p:sp>
-        <p:nvSpPr>
-          <p:cNvPr id="15" name="Shape 15"/>
-          <p:cNvSpPr txBox="1">
-            <a:spLocks noGrp="1"/>
-          </p:cNvSpPr>
-          <p:nvPr>
-            <p:ph type="sldNum" idx="12"/>
-          </p:nvPr>
-        </p:nvSpPr>
-        <p:spPr>
-          <a:xfrm>
-            <a:off x="8472458" y="4663217"/>
-            <a:ext cx="548700" cy="393600"/>
-          </a:xfrm>
-          <a:prstGeom prst="rect">
-            <a:avLst/>
-          </a:prstGeom>
-        </p:spPr>
-        <p:txBody>
-          <a:bodyPr wrap="square" lIns="91425" tIns="91425" rIns="91425" bIns="91425" anchor="ctr" anchorCtr="0">
-            <a:noAutofit/>
-          </a:bodyPr>
-          <a:lstStyle/>
-          <a:p>
-            <a:pPr marL="0" lvl="0" indent="0">
-              <a:spcBef>
-                <a:spcPts val="0"/>
-              </a:spcBef>
-              <a:spcAft>
-                <a:spcPts val="0"/>
-              </a:spcAft>
-              <a:buNone/>
-            </a:pPr>
-            <a:fld id="{00000000-1234-1234-1234-123412341234}" type="slidenum">
-              <a:rPr lang="en"/>
-              <a:t>‹#›</a:t>
-            </a:fld>
-            <a:endParaRPr/>
-          </a:p>
-        </p:txBody>
-      </p:sp>
-    </p:spTree>
-  </p:cSld>
-  <p:clrMapOvr>
-    <a:masterClrMapping/>
-  </p:clrMapOvr>
-</p:sldLayout>
-</file>
-
-<file path=ppt/slideLayouts/slideLayout3.xml><?xml version="1.0" encoding="utf-8"?>
 <p:sldLayout xmlns:a="http://schemas.openxmlformats.org/drawingml/2006/main" xmlns:r="http://schemas.openxmlformats.org/officeDocument/2006/relationships" xmlns:p="http://schemas.openxmlformats.org/presentationml/2006/main" type="tx">
   <p:cSld name="Title and body">
     <p:spTree>
@@ -2377,7 +1688,7 @@
 </p:sldLayout>
 </file>
 
-<file path=ppt/slideLayouts/slideLayout4.xml><?xml version="1.0" encoding="utf-8"?>
+<file path=ppt/slideLayouts/slideLayout3.xml><?xml version="1.0" encoding="utf-8"?>
 <p:sldLayout xmlns:a="http://schemas.openxmlformats.org/drawingml/2006/main" xmlns:r="http://schemas.openxmlformats.org/officeDocument/2006/relationships" xmlns:p="http://schemas.openxmlformats.org/presentationml/2006/main" type="twoColTx">
   <p:cSld name="Title and two columns">
     <p:spTree>
@@ -2825,7 +2136,7 @@
 </p:sldLayout>
 </file>
 
-<file path=ppt/slideLayouts/slideLayout5.xml><?xml version="1.0" encoding="utf-8"?>
+<file path=ppt/slideLayouts/slideLayout4.xml><?xml version="1.0" encoding="utf-8"?>
 <p:sldLayout xmlns:a="http://schemas.openxmlformats.org/drawingml/2006/main" xmlns:r="http://schemas.openxmlformats.org/officeDocument/2006/relationships" xmlns:p="http://schemas.openxmlformats.org/presentationml/2006/main" type="titleOnly">
   <p:cSld name="Title only">
     <p:spTree>
@@ -3019,7 +2330,7 @@
 </p:sldLayout>
 </file>
 
-<file path=ppt/slideLayouts/slideLayout6.xml><?xml version="1.0" encoding="utf-8"?>
+<file path=ppt/slideLayouts/slideLayout5.xml><?xml version="1.0" encoding="utf-8"?>
 <p:sldLayout xmlns:a="http://schemas.openxmlformats.org/drawingml/2006/main" xmlns:r="http://schemas.openxmlformats.org/officeDocument/2006/relationships" xmlns:p="http://schemas.openxmlformats.org/presentationml/2006/main">
   <p:cSld name="One column text">
     <p:spTree>
@@ -3340,7 +2651,7 @@
 </p:sldLayout>
 </file>
 
-<file path=ppt/slideLayouts/slideLayout7.xml><?xml version="1.0" encoding="utf-8"?>
+<file path=ppt/slideLayouts/slideLayout6.xml><?xml version="1.0" encoding="utf-8"?>
 <p:sldLayout xmlns:a="http://schemas.openxmlformats.org/drawingml/2006/main" xmlns:r="http://schemas.openxmlformats.org/officeDocument/2006/relationships" xmlns:p="http://schemas.openxmlformats.org/presentationml/2006/main">
   <p:cSld name="Main point">
     <p:spTree>
@@ -3534,7 +2845,7 @@
 </p:sldLayout>
 </file>
 
-<file path=ppt/slideLayouts/slideLayout8.xml><?xml version="1.0" encoding="utf-8"?>
+<file path=ppt/slideLayouts/slideLayout7.xml><?xml version="1.0" encoding="utf-8"?>
 <p:sldLayout xmlns:a="http://schemas.openxmlformats.org/drawingml/2006/main" xmlns:r="http://schemas.openxmlformats.org/officeDocument/2006/relationships" xmlns:p="http://schemas.openxmlformats.org/presentationml/2006/main">
   <p:cSld name="Section title and description">
     <p:spTree>
@@ -4049,7 +3360,7 @@
 </p:sldLayout>
 </file>
 
-<file path=ppt/slideLayouts/slideLayout9.xml><?xml version="1.0" encoding="utf-8"?>
+<file path=ppt/slideLayouts/slideLayout8.xml><?xml version="1.0" encoding="utf-8"?>
 <p:sldLayout xmlns:a="http://schemas.openxmlformats.org/drawingml/2006/main" xmlns:r="http://schemas.openxmlformats.org/officeDocument/2006/relationships" xmlns:p="http://schemas.openxmlformats.org/presentationml/2006/main">
   <p:cSld name="Caption">
     <p:spTree>
@@ -4111,6 +3422,327 @@
       <p:sp>
         <p:nvSpPr>
           <p:cNvPr id="43" name="Shape 43"/>
+          <p:cNvSpPr txBox="1">
+            <a:spLocks noGrp="1"/>
+          </p:cNvSpPr>
+          <p:nvPr>
+            <p:ph type="sldNum" idx="12"/>
+          </p:nvPr>
+        </p:nvSpPr>
+        <p:spPr>
+          <a:xfrm>
+            <a:off x="8472458" y="4663217"/>
+            <a:ext cx="548700" cy="393600"/>
+          </a:xfrm>
+          <a:prstGeom prst="rect">
+            <a:avLst/>
+          </a:prstGeom>
+        </p:spPr>
+        <p:txBody>
+          <a:bodyPr wrap="square" lIns="91425" tIns="91425" rIns="91425" bIns="91425" anchor="ctr" anchorCtr="0">
+            <a:noAutofit/>
+          </a:bodyPr>
+          <a:lstStyle/>
+          <a:p>
+            <a:pPr marL="0" lvl="0" indent="0">
+              <a:spcBef>
+                <a:spcPts val="0"/>
+              </a:spcBef>
+              <a:spcAft>
+                <a:spcPts val="0"/>
+              </a:spcAft>
+              <a:buNone/>
+            </a:pPr>
+            <a:fld id="{00000000-1234-1234-1234-123412341234}" type="slidenum">
+              <a:rPr lang="en"/>
+              <a:t>‹#›</a:t>
+            </a:fld>
+            <a:endParaRPr/>
+          </a:p>
+        </p:txBody>
+      </p:sp>
+    </p:spTree>
+  </p:cSld>
+  <p:clrMapOvr>
+    <a:masterClrMapping/>
+  </p:clrMapOvr>
+</p:sldLayout>
+</file>
+
+<file path=ppt/slideLayouts/slideLayout9.xml><?xml version="1.0" encoding="utf-8"?>
+<p:sldLayout xmlns:a="http://schemas.openxmlformats.org/drawingml/2006/main" xmlns:r="http://schemas.openxmlformats.org/officeDocument/2006/relationships" xmlns:p="http://schemas.openxmlformats.org/presentationml/2006/main">
+  <p:cSld name="Big number">
+    <p:spTree>
+      <p:nvGrpSpPr>
+        <p:cNvPr id="1" name="Shape 44"/>
+        <p:cNvGrpSpPr/>
+        <p:nvPr/>
+      </p:nvGrpSpPr>
+      <p:grpSpPr>
+        <a:xfrm>
+          <a:off x="0" y="0"/>
+          <a:ext cx="0" cy="0"/>
+          <a:chOff x="0" y="0"/>
+          <a:chExt cx="0" cy="0"/>
+        </a:xfrm>
+      </p:grpSpPr>
+      <p:sp>
+        <p:nvSpPr>
+          <p:cNvPr id="45" name="Shape 45"/>
+          <p:cNvSpPr txBox="1">
+            <a:spLocks noGrp="1"/>
+          </p:cNvSpPr>
+          <p:nvPr>
+            <p:ph type="title"/>
+          </p:nvPr>
+        </p:nvSpPr>
+        <p:spPr>
+          <a:xfrm>
+            <a:off x="311700" y="1106125"/>
+            <a:ext cx="8520600" cy="1963500"/>
+          </a:xfrm>
+          <a:prstGeom prst="rect">
+            <a:avLst/>
+          </a:prstGeom>
+        </p:spPr>
+        <p:txBody>
+          <a:bodyPr wrap="square" lIns="91425" tIns="91425" rIns="91425" bIns="91425" anchor="b" anchorCtr="0"/>
+          <a:lstStyle>
+            <a:lvl1pPr lvl="0" algn="ctr">
+              <a:spcBef>
+                <a:spcPts val="0"/>
+              </a:spcBef>
+              <a:spcAft>
+                <a:spcPts val="0"/>
+              </a:spcAft>
+              <a:buSzPts val="12000"/>
+              <a:buNone/>
+              <a:defRPr sz="12000"/>
+            </a:lvl1pPr>
+            <a:lvl2pPr lvl="1" algn="ctr">
+              <a:spcBef>
+                <a:spcPts val="0"/>
+              </a:spcBef>
+              <a:spcAft>
+                <a:spcPts val="0"/>
+              </a:spcAft>
+              <a:buSzPts val="12000"/>
+              <a:buNone/>
+              <a:defRPr sz="12000"/>
+            </a:lvl2pPr>
+            <a:lvl3pPr lvl="2" algn="ctr">
+              <a:spcBef>
+                <a:spcPts val="0"/>
+              </a:spcBef>
+              <a:spcAft>
+                <a:spcPts val="0"/>
+              </a:spcAft>
+              <a:buSzPts val="12000"/>
+              <a:buNone/>
+              <a:defRPr sz="12000"/>
+            </a:lvl3pPr>
+            <a:lvl4pPr lvl="3" algn="ctr">
+              <a:spcBef>
+                <a:spcPts val="0"/>
+              </a:spcBef>
+              <a:spcAft>
+                <a:spcPts val="0"/>
+              </a:spcAft>
+              <a:buSzPts val="12000"/>
+              <a:buNone/>
+              <a:defRPr sz="12000"/>
+            </a:lvl4pPr>
+            <a:lvl5pPr lvl="4" algn="ctr">
+              <a:spcBef>
+                <a:spcPts val="0"/>
+              </a:spcBef>
+              <a:spcAft>
+                <a:spcPts val="0"/>
+              </a:spcAft>
+              <a:buSzPts val="12000"/>
+              <a:buNone/>
+              <a:defRPr sz="12000"/>
+            </a:lvl5pPr>
+            <a:lvl6pPr lvl="5" algn="ctr">
+              <a:spcBef>
+                <a:spcPts val="0"/>
+              </a:spcBef>
+              <a:spcAft>
+                <a:spcPts val="0"/>
+              </a:spcAft>
+              <a:buSzPts val="12000"/>
+              <a:buNone/>
+              <a:defRPr sz="12000"/>
+            </a:lvl6pPr>
+            <a:lvl7pPr lvl="6" algn="ctr">
+              <a:spcBef>
+                <a:spcPts val="0"/>
+              </a:spcBef>
+              <a:spcAft>
+                <a:spcPts val="0"/>
+              </a:spcAft>
+              <a:buSzPts val="12000"/>
+              <a:buNone/>
+              <a:defRPr sz="12000"/>
+            </a:lvl7pPr>
+            <a:lvl8pPr lvl="7" algn="ctr">
+              <a:spcBef>
+                <a:spcPts val="0"/>
+              </a:spcBef>
+              <a:spcAft>
+                <a:spcPts val="0"/>
+              </a:spcAft>
+              <a:buSzPts val="12000"/>
+              <a:buNone/>
+              <a:defRPr sz="12000"/>
+            </a:lvl8pPr>
+            <a:lvl9pPr lvl="8" algn="ctr">
+              <a:spcBef>
+                <a:spcPts val="0"/>
+              </a:spcBef>
+              <a:spcAft>
+                <a:spcPts val="0"/>
+              </a:spcAft>
+              <a:buSzPts val="12000"/>
+              <a:buNone/>
+              <a:defRPr sz="12000"/>
+            </a:lvl9pPr>
+          </a:lstStyle>
+          <a:p>
+            <a:endParaRPr/>
+          </a:p>
+        </p:txBody>
+      </p:sp>
+      <p:sp>
+        <p:nvSpPr>
+          <p:cNvPr id="46" name="Shape 46"/>
+          <p:cNvSpPr txBox="1">
+            <a:spLocks noGrp="1"/>
+          </p:cNvSpPr>
+          <p:nvPr>
+            <p:ph type="body" idx="1"/>
+          </p:nvPr>
+        </p:nvSpPr>
+        <p:spPr>
+          <a:xfrm>
+            <a:off x="311700" y="3152225"/>
+            <a:ext cx="8520600" cy="1300800"/>
+          </a:xfrm>
+          <a:prstGeom prst="rect">
+            <a:avLst/>
+          </a:prstGeom>
+        </p:spPr>
+        <p:txBody>
+          <a:bodyPr wrap="square" lIns="91425" tIns="91425" rIns="91425" bIns="91425" anchor="t" anchorCtr="0"/>
+          <a:lstStyle>
+            <a:lvl1pPr marL="457200" lvl="0" indent="-342900" algn="ctr">
+              <a:spcBef>
+                <a:spcPts val="0"/>
+              </a:spcBef>
+              <a:spcAft>
+                <a:spcPts val="0"/>
+              </a:spcAft>
+              <a:buSzPts val="1800"/>
+              <a:buChar char="●"/>
+              <a:defRPr/>
+            </a:lvl1pPr>
+            <a:lvl2pPr marL="914400" lvl="1" indent="-317500" algn="ctr">
+              <a:spcBef>
+                <a:spcPts val="1600"/>
+              </a:spcBef>
+              <a:spcAft>
+                <a:spcPts val="0"/>
+              </a:spcAft>
+              <a:buSzPts val="1400"/>
+              <a:buChar char="○"/>
+              <a:defRPr/>
+            </a:lvl2pPr>
+            <a:lvl3pPr marL="1371600" lvl="2" indent="-317500" algn="ctr">
+              <a:spcBef>
+                <a:spcPts val="1600"/>
+              </a:spcBef>
+              <a:spcAft>
+                <a:spcPts val="0"/>
+              </a:spcAft>
+              <a:buSzPts val="1400"/>
+              <a:buChar char="■"/>
+              <a:defRPr/>
+            </a:lvl3pPr>
+            <a:lvl4pPr marL="1828800" lvl="3" indent="-317500" algn="ctr">
+              <a:spcBef>
+                <a:spcPts val="1600"/>
+              </a:spcBef>
+              <a:spcAft>
+                <a:spcPts val="0"/>
+              </a:spcAft>
+              <a:buSzPts val="1400"/>
+              <a:buChar char="●"/>
+              <a:defRPr/>
+            </a:lvl4pPr>
+            <a:lvl5pPr marL="2286000" lvl="4" indent="-317500" algn="ctr">
+              <a:spcBef>
+                <a:spcPts val="1600"/>
+              </a:spcBef>
+              <a:spcAft>
+                <a:spcPts val="0"/>
+              </a:spcAft>
+              <a:buSzPts val="1400"/>
+              <a:buChar char="○"/>
+              <a:defRPr/>
+            </a:lvl5pPr>
+            <a:lvl6pPr marL="2743200" lvl="5" indent="-317500" algn="ctr">
+              <a:spcBef>
+                <a:spcPts val="1600"/>
+              </a:spcBef>
+              <a:spcAft>
+                <a:spcPts val="0"/>
+              </a:spcAft>
+              <a:buSzPts val="1400"/>
+              <a:buChar char="■"/>
+              <a:defRPr/>
+            </a:lvl6pPr>
+            <a:lvl7pPr marL="3200400" lvl="6" indent="-317500" algn="ctr">
+              <a:spcBef>
+                <a:spcPts val="1600"/>
+              </a:spcBef>
+              <a:spcAft>
+                <a:spcPts val="0"/>
+              </a:spcAft>
+              <a:buSzPts val="1400"/>
+              <a:buChar char="●"/>
+              <a:defRPr/>
+            </a:lvl7pPr>
+            <a:lvl8pPr marL="3657600" lvl="7" indent="-317500" algn="ctr">
+              <a:spcBef>
+                <a:spcPts val="1600"/>
+              </a:spcBef>
+              <a:spcAft>
+                <a:spcPts val="0"/>
+              </a:spcAft>
+              <a:buSzPts val="1400"/>
+              <a:buChar char="○"/>
+              <a:defRPr/>
+            </a:lvl8pPr>
+            <a:lvl9pPr marL="4114800" lvl="8" indent="-317500" algn="ctr">
+              <a:spcBef>
+                <a:spcPts val="1600"/>
+              </a:spcBef>
+              <a:spcAft>
+                <a:spcPts val="1600"/>
+              </a:spcAft>
+              <a:buSzPts val="1400"/>
+              <a:buChar char="■"/>
+              <a:defRPr/>
+            </a:lvl9pPr>
+          </a:lstStyle>
+          <a:p>
+            <a:endParaRPr/>
+          </a:p>
+        </p:txBody>
+      </p:sp>
+      <p:sp>
+        <p:nvSpPr>
+          <p:cNvPr id="47" name="Shape 47"/>
           <p:cNvSpPr txBox="1">
             <a:spLocks noGrp="1"/>
           </p:cNvSpPr>
@@ -4657,15 +4289,14 @@
   <p:clrMap bg1="lt1" tx1="dk1" bg2="dk2" tx2="lt2" accent1="accent1" accent2="accent2" accent3="accent3" accent4="accent4" accent5="accent5" accent6="accent6" hlink="hlink" folHlink="folHlink"/>
   <p:sldLayoutIdLst>
     <p:sldLayoutId id="2147483648" r:id="rId1"/>
-    <p:sldLayoutId id="2147483649" r:id="rId2"/>
-    <p:sldLayoutId id="2147483650" r:id="rId3"/>
-    <p:sldLayoutId id="2147483651" r:id="rId4"/>
-    <p:sldLayoutId id="2147483652" r:id="rId5"/>
-    <p:sldLayoutId id="2147483653" r:id="rId6"/>
-    <p:sldLayoutId id="2147483654" r:id="rId7"/>
-    <p:sldLayoutId id="2147483655" r:id="rId8"/>
-    <p:sldLayoutId id="2147483656" r:id="rId9"/>
-    <p:sldLayoutId id="2147483657" r:id="rId10"/>
+    <p:sldLayoutId id="2147483650" r:id="rId2"/>
+    <p:sldLayoutId id="2147483651" r:id="rId3"/>
+    <p:sldLayoutId id="2147483652" r:id="rId4"/>
+    <p:sldLayoutId id="2147483653" r:id="rId5"/>
+    <p:sldLayoutId id="2147483654" r:id="rId6"/>
+    <p:sldLayoutId id="2147483655" r:id="rId7"/>
+    <p:sldLayoutId id="2147483656" r:id="rId8"/>
+    <p:sldLayoutId id="2147483657" r:id="rId9"/>
   </p:sldLayoutIdLst>
   <p:hf sldNum="0" hdr="0" ftr="0" dt="0"/>
   <p:txStyles>
@@ -5268,6 +4899,13 @@
   <p:clrMapOvr>
     <a:masterClrMapping/>
   </p:clrMapOvr>
+  <p:timing>
+    <p:tnLst>
+      <p:par>
+        <p:cTn id="1" dur="indefinite" restart="never" nodeType="tmRoot"/>
+      </p:par>
+    </p:tnLst>
+  </p:timing>
 </p:sld>
 </file>
 
@@ -5293,7 +4931,7 @@
           <p:cNvPr id="4" name="Shape 61" descr="Picture2.png">
             <a:extLst>
               <a:ext uri="{FF2B5EF4-FFF2-40B4-BE49-F238E27FC236}">
-                <a16:creationId xmlns:a16="http://schemas.microsoft.com/office/drawing/2014/main" id="{A5105089-A6E5-4395-A467-BFB968BAD241}"/>
+                <a16:creationId xmlns:a16="http://schemas.microsoft.com/office/drawing/2014/main" xmlns="" id="{A5105089-A6E5-4395-A467-BFB968BAD241}"/>
               </a:ext>
             </a:extLst>
           </p:cNvPr>
@@ -5327,7 +4965,7 @@
           <p:cNvPr id="2" name="Title 1">
             <a:extLst>
               <a:ext uri="{FF2B5EF4-FFF2-40B4-BE49-F238E27FC236}">
-                <a16:creationId xmlns:a16="http://schemas.microsoft.com/office/drawing/2014/main" id="{999A27E0-6358-43E5-8FF1-B5CB0224D78A}"/>
+                <a16:creationId xmlns:a16="http://schemas.microsoft.com/office/drawing/2014/main" xmlns="" id="{999A27E0-6358-43E5-8FF1-B5CB0224D78A}"/>
               </a:ext>
             </a:extLst>
           </p:cNvPr>
@@ -5340,7 +4978,7 @@
         </p:nvSpPr>
         <p:spPr>
           <a:xfrm>
-            <a:off x="311700" y="0"/>
+            <a:off x="311699" y="152400"/>
             <a:ext cx="8520600" cy="1543263"/>
           </a:xfrm>
         </p:spPr>
@@ -5350,11 +4988,16 @@
           <a:p>
             <a:pPr algn="ctr"/>
             <a:r>
-              <a:rPr lang="en-IN" sz="5400" b="1" u="sng" dirty="0">
-                <a:latin typeface="Candara" panose="020E0502030303020204" pitchFamily="34" charset="0"/>
+              <a:rPr lang="en-IN" sz="5400" b="1" u="sng" dirty="0" smtClean="0">
+                <a:latin typeface="Levenim MT" panose="02010502060101010101" pitchFamily="2" charset="-79"/>
+                <a:cs typeface="Levenim MT" panose="02010502060101010101" pitchFamily="2" charset="-79"/>
               </a:rPr>
-              <a:t>Project Insight</a:t>
+              <a:t>PROJECT INSIGHT</a:t>
             </a:r>
+            <a:endParaRPr lang="en-IN" sz="5400" b="1" u="sng" dirty="0">
+              <a:latin typeface="Levenim MT" panose="02010502060101010101" pitchFamily="2" charset="-79"/>
+              <a:cs typeface="Levenim MT" panose="02010502060101010101" pitchFamily="2" charset="-79"/>
+            </a:endParaRPr>
           </a:p>
         </p:txBody>
       </p:sp>
@@ -5363,7 +5006,7 @@
           <p:cNvPr id="3" name="Text Placeholder 2">
             <a:extLst>
               <a:ext uri="{FF2B5EF4-FFF2-40B4-BE49-F238E27FC236}">
-                <a16:creationId xmlns:a16="http://schemas.microsoft.com/office/drawing/2014/main" id="{CF11F7B7-B398-49A8-9E5F-6F9688063A7F}"/>
+                <a16:creationId xmlns:a16="http://schemas.microsoft.com/office/drawing/2014/main" xmlns="" id="{CF11F7B7-B398-49A8-9E5F-6F9688063A7F}"/>
               </a:ext>
             </a:extLst>
           </p:cNvPr>
@@ -5376,7 +5019,7 @@
         </p:nvSpPr>
         <p:spPr>
           <a:xfrm>
-            <a:off x="420166" y="1238092"/>
+            <a:off x="311699" y="1346949"/>
             <a:ext cx="8520600" cy="3416400"/>
           </a:xfrm>
         </p:spPr>
@@ -5385,83 +5028,218 @@
           <a:lstStyle/>
           <a:p>
             <a:r>
-              <a:rPr lang="en-IN" sz="2800" b="1" u="sng" dirty="0">
-                <a:latin typeface="Candara" panose="020E0502030303020204" pitchFamily="34" charset="0"/>
+              <a:rPr lang="en-IN" sz="2400" b="1" u="sng" dirty="0" smtClean="0">
+                <a:solidFill>
+                  <a:schemeClr val="tx1"/>
+                </a:solidFill>
+                <a:latin typeface="Levenim MT" panose="02010502060101010101" pitchFamily="2" charset="-79"/>
+                <a:cs typeface="Levenim MT" panose="02010502060101010101" pitchFamily="2" charset="-79"/>
               </a:rPr>
-              <a:t>School Name:</a:t>
+              <a:t>SCHOOL NAME:</a:t>
             </a:r>
             <a:r>
-              <a:rPr lang="en-IN" sz="2800" b="1" dirty="0">
-                <a:latin typeface="Candara" panose="020E0502030303020204" pitchFamily="34" charset="0"/>
+              <a:rPr lang="en-IN" sz="2400" b="1" dirty="0" smtClean="0">
+                <a:solidFill>
+                  <a:schemeClr val="tx1"/>
+                </a:solidFill>
+                <a:latin typeface="Levenim MT" panose="02010502060101010101" pitchFamily="2" charset="-79"/>
+                <a:cs typeface="Levenim MT" panose="02010502060101010101" pitchFamily="2" charset="-79"/>
               </a:rPr>
               <a:t> </a:t>
             </a:r>
             <a:r>
-              <a:rPr lang="en-IN" sz="2800" dirty="0">
-                <a:latin typeface="Candara" panose="020E0502030303020204" pitchFamily="34" charset="0"/>
+              <a:rPr lang="en-IN" sz="2400" dirty="0" smtClean="0">
+                <a:solidFill>
+                  <a:schemeClr val="tx1"/>
+                </a:solidFill>
+                <a:latin typeface="Levenim MT" panose="02010502060101010101" pitchFamily="2" charset="-79"/>
+                <a:cs typeface="Levenim MT" panose="02010502060101010101" pitchFamily="2" charset="-79"/>
               </a:rPr>
-              <a:t>National Public School Koramangala</a:t>
+              <a:t>National </a:t>
+            </a:r>
+            <a:r>
+              <a:rPr lang="en-IN" sz="2400" dirty="0">
+                <a:solidFill>
+                  <a:schemeClr val="tx1"/>
+                </a:solidFill>
+                <a:latin typeface="Levenim MT" panose="02010502060101010101" pitchFamily="2" charset="-79"/>
+                <a:cs typeface="Levenim MT" panose="02010502060101010101" pitchFamily="2" charset="-79"/>
+              </a:rPr>
+              <a:t>Public School Koramangala</a:t>
             </a:r>
           </a:p>
           <a:p>
             <a:r>
-              <a:rPr lang="en-IN" sz="2800" b="1" u="sng" dirty="0">
-                <a:latin typeface="Candara" panose="020E0502030303020204" pitchFamily="34" charset="0"/>
+              <a:rPr lang="en-IN" sz="2400" b="1" u="sng" dirty="0" smtClean="0">
+                <a:solidFill>
+                  <a:schemeClr val="tx1"/>
+                </a:solidFill>
+                <a:latin typeface="Levenim MT" panose="02010502060101010101" pitchFamily="2" charset="-79"/>
+                <a:cs typeface="Levenim MT" panose="02010502060101010101" pitchFamily="2" charset="-79"/>
               </a:rPr>
-              <a:t>Project Name:</a:t>
+              <a:t>PROJECT NAME</a:t>
             </a:r>
             <a:r>
-              <a:rPr lang="en-IN" sz="2800" b="1" dirty="0">
-                <a:latin typeface="Candara" panose="020E0502030303020204" pitchFamily="34" charset="0"/>
+              <a:rPr lang="en-IN" sz="2400" b="1" u="sng" dirty="0" smtClean="0">
+                <a:solidFill>
+                  <a:schemeClr val="tx1"/>
+                </a:solidFill>
+                <a:latin typeface="Levenim MT" panose="02010502060101010101" pitchFamily="2" charset="-79"/>
+                <a:cs typeface="Levenim MT" panose="02010502060101010101" pitchFamily="2" charset="-79"/>
+              </a:rPr>
+              <a:t>:</a:t>
+            </a:r>
+            <a:r>
+              <a:rPr lang="en-IN" sz="2400" b="1" dirty="0" smtClean="0">
+                <a:solidFill>
+                  <a:schemeClr val="tx1"/>
+                </a:solidFill>
+                <a:latin typeface="Levenim MT" panose="02010502060101010101" pitchFamily="2" charset="-79"/>
+                <a:cs typeface="Levenim MT" panose="02010502060101010101" pitchFamily="2" charset="-79"/>
+              </a:rPr>
+              <a:t> AMBULANE</a:t>
+            </a:r>
+          </a:p>
+          <a:p>
+            <a:r>
+              <a:rPr lang="en-IN" sz="2400" b="1" u="sng" dirty="0" smtClean="0">
+                <a:solidFill>
+                  <a:schemeClr val="tx1"/>
+                </a:solidFill>
+                <a:latin typeface="Levenim MT" panose="02010502060101010101" pitchFamily="2" charset="-79"/>
+                <a:cs typeface="Levenim MT" panose="02010502060101010101" pitchFamily="2" charset="-79"/>
+              </a:rPr>
+              <a:t>PROJECT STATEMENT:</a:t>
+            </a:r>
+            <a:r>
+              <a:rPr lang="en-IN" sz="2400" b="1" dirty="0" smtClean="0">
+                <a:solidFill>
+                  <a:schemeClr val="tx1"/>
+                </a:solidFill>
+                <a:latin typeface="Levenim MT" panose="02010502060101010101" pitchFamily="2" charset="-79"/>
+                <a:cs typeface="Levenim MT" panose="02010502060101010101" pitchFamily="2" charset="-79"/>
               </a:rPr>
               <a:t> </a:t>
             </a:r>
             <a:r>
-              <a:rPr lang="en-IN" sz="2800" dirty="0">
-                <a:latin typeface="Candara" panose="020E0502030303020204" pitchFamily="34" charset="0"/>
+              <a:rPr lang="en-IN" sz="2400" dirty="0" smtClean="0">
+                <a:solidFill>
+                  <a:schemeClr val="tx1"/>
+                </a:solidFill>
+                <a:latin typeface="Levenim MT" panose="02010502060101010101" pitchFamily="2" charset="-79"/>
+                <a:cs typeface="Levenim MT" panose="02010502060101010101" pitchFamily="2" charset="-79"/>
               </a:rPr>
-              <a:t>Ambulane</a:t>
+              <a:t>An </a:t>
+            </a:r>
+            <a:r>
+              <a:rPr lang="en-IN" sz="2400" dirty="0">
+                <a:solidFill>
+                  <a:schemeClr val="tx1"/>
+                </a:solidFill>
+                <a:latin typeface="Levenim MT" panose="02010502060101010101" pitchFamily="2" charset="-79"/>
+                <a:cs typeface="Levenim MT" panose="02010502060101010101" pitchFamily="2" charset="-79"/>
+              </a:rPr>
+              <a:t>app to reduce Ambulance Response Time through early notification.</a:t>
             </a:r>
           </a:p>
           <a:p>
             <a:r>
-              <a:rPr lang="en-IN" sz="2800" b="1" u="sng" dirty="0">
-                <a:latin typeface="Candara" panose="020E0502030303020204" pitchFamily="34" charset="0"/>
+              <a:rPr lang="en-IN" sz="2400" b="1" u="sng" dirty="0" smtClean="0">
+                <a:solidFill>
+                  <a:schemeClr val="tx1"/>
+                </a:solidFill>
+                <a:latin typeface="Levenim MT" panose="02010502060101010101" pitchFamily="2" charset="-79"/>
+                <a:cs typeface="Levenim MT" panose="02010502060101010101" pitchFamily="2" charset="-79"/>
               </a:rPr>
-              <a:t>Project Statement:</a:t>
+              <a:t>TEAM MEMBERS:</a:t>
             </a:r>
             <a:r>
-              <a:rPr lang="en-IN" sz="2800" b="1" dirty="0">
-                <a:latin typeface="Candara" panose="020E0502030303020204" pitchFamily="34" charset="0"/>
+              <a:rPr lang="en-IN" sz="2400" b="1" dirty="0" smtClean="0">
+                <a:solidFill>
+                  <a:schemeClr val="tx1"/>
+                </a:solidFill>
+                <a:latin typeface="Levenim MT" panose="02010502060101010101" pitchFamily="2" charset="-79"/>
+                <a:cs typeface="Levenim MT" panose="02010502060101010101" pitchFamily="2" charset="-79"/>
               </a:rPr>
               <a:t> </a:t>
             </a:r>
             <a:r>
-              <a:rPr lang="en-IN" sz="2800" dirty="0">
-                <a:latin typeface="Candara" panose="020E0502030303020204" pitchFamily="34" charset="0"/>
+              <a:rPr lang="en-IN" sz="2400" dirty="0" smtClean="0">
+                <a:solidFill>
+                  <a:schemeClr val="tx1"/>
+                </a:solidFill>
+                <a:latin typeface="Levenim MT" panose="02010502060101010101" pitchFamily="2" charset="-79"/>
+                <a:cs typeface="Levenim MT" panose="02010502060101010101" pitchFamily="2" charset="-79"/>
               </a:rPr>
-              <a:t>An app to reduce Ambulance Response Time through early notification.</a:t>
-            </a:r>
-          </a:p>
-          <a:p>
-            <a:r>
-              <a:rPr lang="en-IN" sz="2800" b="1" u="sng" dirty="0">
-                <a:latin typeface="Candara" panose="020E0502030303020204" pitchFamily="34" charset="0"/>
-              </a:rPr>
-              <a:t>Team Members:</a:t>
+              <a:t>Rajdeep Nag, Aniket </a:t>
             </a:r>
             <a:r>
-              <a:rPr lang="en-IN" sz="2800" b="1" dirty="0">
-                <a:latin typeface="Candara" panose="020E0502030303020204" pitchFamily="34" charset="0"/>
+              <a:rPr lang="en-IN" sz="2400" dirty="0" smtClean="0">
+                <a:solidFill>
+                  <a:schemeClr val="tx1"/>
+                </a:solidFill>
+                <a:latin typeface="Levenim MT" panose="02010502060101010101" pitchFamily="2" charset="-79"/>
+                <a:cs typeface="Levenim MT" panose="02010502060101010101" pitchFamily="2" charset="-79"/>
               </a:rPr>
-              <a:t> </a:t>
+              <a:t>Sanghi</a:t>
             </a:r>
             <a:r>
-              <a:rPr lang="en-IN" sz="2800" dirty="0">
-                <a:latin typeface="Candara" panose="020E0502030303020204" pitchFamily="34" charset="0"/>
+              <a:rPr lang="en-IN" sz="2400" dirty="0">
+                <a:solidFill>
+                  <a:schemeClr val="tx1"/>
+                </a:solidFill>
+                <a:latin typeface="Levenim MT" panose="02010502060101010101" pitchFamily="2" charset="-79"/>
+                <a:cs typeface="Levenim MT" panose="02010502060101010101" pitchFamily="2" charset="-79"/>
               </a:rPr>
-              <a:t>Aniket Sanghi, Rajat Agarwal, Ayush Agarwal, Aditya Naidu, Kaustubh Roy, Rajdeep Nag</a:t>
+              <a:t>, Rajat Agarwal, Ayush </a:t>
             </a:r>
+            <a:r>
+              <a:rPr lang="en-IN" sz="2400" dirty="0" smtClean="0">
+                <a:solidFill>
+                  <a:schemeClr val="tx1"/>
+                </a:solidFill>
+                <a:latin typeface="Levenim MT" panose="02010502060101010101" pitchFamily="2" charset="-79"/>
+                <a:cs typeface="Levenim MT" panose="02010502060101010101" pitchFamily="2" charset="-79"/>
+              </a:rPr>
+              <a:t>Agrawal, Kaustubh </a:t>
+            </a:r>
+            <a:r>
+              <a:rPr lang="en-IN" sz="2400" dirty="0">
+                <a:solidFill>
+                  <a:schemeClr val="tx1"/>
+                </a:solidFill>
+                <a:latin typeface="Levenim MT" panose="02010502060101010101" pitchFamily="2" charset="-79"/>
+                <a:cs typeface="Levenim MT" panose="02010502060101010101" pitchFamily="2" charset="-79"/>
+              </a:rPr>
+              <a:t>Roy, </a:t>
+            </a:r>
+            <a:r>
+              <a:rPr lang="en-IN" sz="2400" dirty="0" smtClean="0">
+                <a:solidFill>
+                  <a:schemeClr val="tx1"/>
+                </a:solidFill>
+                <a:latin typeface="Levenim MT" panose="02010502060101010101" pitchFamily="2" charset="-79"/>
+                <a:cs typeface="Levenim MT" panose="02010502060101010101" pitchFamily="2" charset="-79"/>
+              </a:rPr>
+              <a:t>Aditya </a:t>
+            </a:r>
+            <a:r>
+              <a:rPr lang="en-IN" sz="2400" dirty="0">
+                <a:solidFill>
+                  <a:schemeClr val="tx1"/>
+                </a:solidFill>
+                <a:latin typeface="Levenim MT" panose="02010502060101010101" pitchFamily="2" charset="-79"/>
+                <a:cs typeface="Levenim MT" panose="02010502060101010101" pitchFamily="2" charset="-79"/>
+              </a:rPr>
+              <a:t>Naidu</a:t>
+            </a:r>
+            <a:endParaRPr lang="en-IN" sz="2400" dirty="0">
+              <a:solidFill>
+                <a:schemeClr val="tx1"/>
+              </a:solidFill>
+              <a:latin typeface="Levenim MT" panose="02010502060101010101" pitchFamily="2" charset="-79"/>
+              <a:cs typeface="Levenim MT" panose="02010502060101010101" pitchFamily="2" charset="-79"/>
+            </a:endParaRPr>
           </a:p>
         </p:txBody>
       </p:sp>
@@ -5475,6 +5253,13 @@
   <p:clrMapOvr>
     <a:masterClrMapping/>
   </p:clrMapOvr>
+  <p:timing>
+    <p:tnLst>
+      <p:par>
+        <p:cTn id="1" dur="indefinite" restart="never" nodeType="tmRoot"/>
+      </p:par>
+    </p:tnLst>
+  </p:timing>
 </p:sld>
 </file>
 
@@ -5848,401 +5633,17 @@
   <p:clrMapOvr>
     <a:masterClrMapping/>
   </p:clrMapOvr>
+  <p:timing>
+    <p:tnLst>
+      <p:par>
+        <p:cTn id="1" dur="indefinite" restart="never" nodeType="tmRoot"/>
+      </p:par>
+    </p:tnLst>
+  </p:timing>
 </p:sld>
 </file>
 
 <file path=ppt/slides/slide4.xml><?xml version="1.0" encoding="utf-8"?>
-<p:sld xmlns:a="http://schemas.openxmlformats.org/drawingml/2006/main" xmlns:r="http://schemas.openxmlformats.org/officeDocument/2006/relationships" xmlns:p="http://schemas.openxmlformats.org/presentationml/2006/main">
-  <p:cSld>
-    <p:spTree>
-      <p:nvGrpSpPr>
-        <p:cNvPr id="1" name="Shape 67"/>
-        <p:cNvGrpSpPr/>
-        <p:nvPr/>
-      </p:nvGrpSpPr>
-      <p:grpSpPr>
-        <a:xfrm>
-          <a:off x="0" y="0"/>
-          <a:ext cx="0" cy="0"/>
-          <a:chOff x="0" y="0"/>
-          <a:chExt cx="0" cy="0"/>
-        </a:xfrm>
-      </p:grpSpPr>
-      <p:sp>
-        <p:nvSpPr>
-          <p:cNvPr id="68" name="Shape 68"/>
-          <p:cNvSpPr txBox="1">
-            <a:spLocks noGrp="1"/>
-          </p:cNvSpPr>
-          <p:nvPr>
-            <p:ph type="title"/>
-          </p:nvPr>
-        </p:nvSpPr>
-        <p:spPr>
-          <a:xfrm>
-            <a:off x="-531633" y="102658"/>
-            <a:ext cx="10271051" cy="572700"/>
-          </a:xfrm>
-          <a:prstGeom prst="rect">
-            <a:avLst/>
-          </a:prstGeom>
-        </p:spPr>
-        <p:txBody>
-          <a:bodyPr wrap="square" lIns="91425" tIns="91425" rIns="91425" bIns="91425" anchor="t" anchorCtr="0">
-            <a:noAutofit/>
-          </a:bodyPr>
-          <a:lstStyle/>
-          <a:p>
-            <a:pPr marL="0" lvl="0" indent="0" algn="ctr" rtl="0">
-              <a:lnSpc>
-                <a:spcPct val="115000"/>
-              </a:lnSpc>
-              <a:spcBef>
-                <a:spcPts val="0"/>
-              </a:spcBef>
-              <a:spcAft>
-                <a:spcPts val="0"/>
-              </a:spcAft>
-              <a:buNone/>
-            </a:pPr>
-            <a:r>
-              <a:rPr lang="en" sz="3200" b="1" u="sng" dirty="0">
-                <a:latin typeface="Oswald"/>
-                <a:ea typeface="Oswald"/>
-                <a:cs typeface="Oswald"/>
-                <a:sym typeface="Oswald"/>
-              </a:rPr>
-              <a:t>CHALLENGES IN EMERGENCY MEDICAL SERVICES</a:t>
-            </a:r>
-            <a:endParaRPr sz="3200" b="1" u="sng" dirty="0">
-              <a:latin typeface="Oswald"/>
-              <a:ea typeface="Oswald"/>
-              <a:cs typeface="Oswald"/>
-              <a:sym typeface="Oswald"/>
-            </a:endParaRPr>
-          </a:p>
-          <a:p>
-            <a:pPr marL="0" lvl="0" indent="0" algn="ctr">
-              <a:spcBef>
-                <a:spcPts val="1200"/>
-              </a:spcBef>
-              <a:spcAft>
-                <a:spcPts val="0"/>
-              </a:spcAft>
-              <a:buClr>
-                <a:schemeClr val="dk1"/>
-              </a:buClr>
-              <a:buSzPts val="1100"/>
-              <a:buFont typeface="Arial"/>
-              <a:buNone/>
-            </a:pPr>
-            <a:endParaRPr sz="3600" b="1" u="sng" dirty="0"/>
-          </a:p>
-        </p:txBody>
-      </p:sp>
-      <p:sp>
-        <p:nvSpPr>
-          <p:cNvPr id="69" name="Shape 69"/>
-          <p:cNvSpPr txBox="1">
-            <a:spLocks noGrp="1"/>
-          </p:cNvSpPr>
-          <p:nvPr>
-            <p:ph type="body" idx="1"/>
-          </p:nvPr>
-        </p:nvSpPr>
-        <p:spPr>
-          <a:xfrm>
-            <a:off x="200425" y="1152475"/>
-            <a:ext cx="4383300" cy="3559500"/>
-          </a:xfrm>
-          <a:prstGeom prst="rect">
-            <a:avLst/>
-          </a:prstGeom>
-          <a:solidFill>
-            <a:srgbClr val="CFE2F3"/>
-          </a:solidFill>
-        </p:spPr>
-        <p:txBody>
-          <a:bodyPr wrap="square" lIns="91425" tIns="91425" rIns="91425" bIns="91425" anchor="t" anchorCtr="0">
-            <a:noAutofit/>
-          </a:bodyPr>
-          <a:lstStyle/>
-          <a:p>
-            <a:pPr marL="0" lvl="0" indent="0" algn="ctr">
-              <a:spcBef>
-                <a:spcPts val="0"/>
-              </a:spcBef>
-              <a:spcAft>
-                <a:spcPts val="0"/>
-              </a:spcAft>
-              <a:buClr>
-                <a:schemeClr val="dk1"/>
-              </a:buClr>
-              <a:buSzPts val="1100"/>
-              <a:buFont typeface="Arial"/>
-              <a:buNone/>
-            </a:pPr>
-            <a:r>
-              <a:rPr lang="en" sz="2400" b="1" u="sng" dirty="0">
-                <a:solidFill>
-                  <a:schemeClr val="dk1"/>
-                </a:solidFill>
-                <a:latin typeface="Droid Serif"/>
-                <a:ea typeface="Droid Serif"/>
-                <a:cs typeface="Droid Serif"/>
-                <a:sym typeface="Droid Serif"/>
-              </a:rPr>
-              <a:t>Ambulance Response Time (ART)</a:t>
-            </a:r>
-            <a:endParaRPr sz="2400" b="1" u="sng" dirty="0">
-              <a:solidFill>
-                <a:schemeClr val="dk1"/>
-              </a:solidFill>
-              <a:latin typeface="Droid Serif"/>
-              <a:ea typeface="Droid Serif"/>
-              <a:cs typeface="Droid Serif"/>
-              <a:sym typeface="Droid Serif"/>
-            </a:endParaRPr>
-          </a:p>
-          <a:p>
-            <a:pPr marL="0" lvl="0" indent="0" rtl="0">
-              <a:spcBef>
-                <a:spcPts val="1600"/>
-              </a:spcBef>
-              <a:spcAft>
-                <a:spcPts val="0"/>
-              </a:spcAft>
-              <a:buClr>
-                <a:schemeClr val="dk1"/>
-              </a:buClr>
-              <a:buSzPts val="1100"/>
-              <a:buFont typeface="Arial"/>
-              <a:buNone/>
-            </a:pPr>
-            <a:r>
-              <a:rPr lang="en" sz="2400" dirty="0">
-                <a:solidFill>
-                  <a:schemeClr val="dk1"/>
-                </a:solidFill>
-                <a:latin typeface="Comfortaa"/>
-                <a:ea typeface="Comfortaa"/>
-                <a:cs typeface="Comfortaa"/>
-                <a:sym typeface="Comfortaa"/>
-              </a:rPr>
-              <a:t>While the average ART in the world amounts to 9.33 minutes, India falls way below the average with an ART of 18 minutes.</a:t>
-            </a:r>
-            <a:endParaRPr sz="2400" dirty="0">
-              <a:solidFill>
-                <a:schemeClr val="dk1"/>
-              </a:solidFill>
-              <a:latin typeface="Comfortaa"/>
-              <a:ea typeface="Comfortaa"/>
-              <a:cs typeface="Comfortaa"/>
-              <a:sym typeface="Comfortaa"/>
-            </a:endParaRPr>
-          </a:p>
-          <a:p>
-            <a:pPr marL="0" lvl="0" indent="0" rtl="0">
-              <a:spcBef>
-                <a:spcPts val="1200"/>
-              </a:spcBef>
-              <a:spcAft>
-                <a:spcPts val="0"/>
-              </a:spcAft>
-              <a:buClr>
-                <a:schemeClr val="dk1"/>
-              </a:buClr>
-              <a:buSzPts val="1100"/>
-              <a:buFont typeface="Arial"/>
-              <a:buNone/>
-            </a:pPr>
-            <a:endParaRPr sz="1800" dirty="0"/>
-          </a:p>
-          <a:p>
-            <a:pPr marL="0" lvl="0" indent="0">
-              <a:spcBef>
-                <a:spcPts val="1200"/>
-              </a:spcBef>
-              <a:spcAft>
-                <a:spcPts val="1200"/>
-              </a:spcAft>
-              <a:buNone/>
-            </a:pPr>
-            <a:endParaRPr sz="2100" b="1" dirty="0">
-              <a:solidFill>
-                <a:schemeClr val="dk1"/>
-              </a:solidFill>
-              <a:latin typeface="Trebuchet MS"/>
-              <a:ea typeface="Trebuchet MS"/>
-              <a:cs typeface="Trebuchet MS"/>
-              <a:sym typeface="Trebuchet MS"/>
-            </a:endParaRPr>
-          </a:p>
-        </p:txBody>
-      </p:sp>
-      <p:sp>
-        <p:nvSpPr>
-          <p:cNvPr id="70" name="Shape 70"/>
-          <p:cNvSpPr txBox="1">
-            <a:spLocks noGrp="1"/>
-          </p:cNvSpPr>
-          <p:nvPr>
-            <p:ph type="body" idx="2"/>
-          </p:nvPr>
-        </p:nvSpPr>
-        <p:spPr>
-          <a:xfrm>
-            <a:off x="4832400" y="1175875"/>
-            <a:ext cx="3999900" cy="3512700"/>
-          </a:xfrm>
-          <a:prstGeom prst="rect">
-            <a:avLst/>
-          </a:prstGeom>
-          <a:solidFill>
-            <a:srgbClr val="FFF2CC"/>
-          </a:solidFill>
-        </p:spPr>
-        <p:txBody>
-          <a:bodyPr wrap="square" lIns="91425" tIns="91425" rIns="91425" bIns="91425" anchor="t" anchorCtr="0">
-            <a:noAutofit/>
-          </a:bodyPr>
-          <a:lstStyle/>
-          <a:p>
-            <a:pPr marL="0" lvl="0" indent="0" algn="ctr" rtl="0">
-              <a:spcBef>
-                <a:spcPts val="0"/>
-              </a:spcBef>
-              <a:spcAft>
-                <a:spcPts val="0"/>
-              </a:spcAft>
-              <a:buClr>
-                <a:schemeClr val="dk1"/>
-              </a:buClr>
-              <a:buSzPts val="1100"/>
-              <a:buFont typeface="Arial"/>
-              <a:buNone/>
-            </a:pPr>
-            <a:r>
-              <a:rPr lang="en" sz="2400" b="1" u="sng" dirty="0">
-                <a:solidFill>
-                  <a:schemeClr val="dk1"/>
-                </a:solidFill>
-                <a:latin typeface="Droid Serif"/>
-                <a:ea typeface="Droid Serif"/>
-                <a:cs typeface="Droid Serif"/>
-                <a:sym typeface="Droid Serif"/>
-              </a:rPr>
-              <a:t>Metropolitan Cities</a:t>
-            </a:r>
-            <a:endParaRPr sz="2400" b="1" u="sng" dirty="0">
-              <a:solidFill>
-                <a:schemeClr val="dk1"/>
-              </a:solidFill>
-              <a:latin typeface="Droid Serif"/>
-              <a:ea typeface="Droid Serif"/>
-              <a:cs typeface="Droid Serif"/>
-              <a:sym typeface="Droid Serif"/>
-            </a:endParaRPr>
-          </a:p>
-          <a:p>
-            <a:pPr marL="0" lvl="0" indent="0" rtl="0">
-              <a:spcBef>
-                <a:spcPts val="1600"/>
-              </a:spcBef>
-              <a:spcAft>
-                <a:spcPts val="0"/>
-              </a:spcAft>
-              <a:buClr>
-                <a:schemeClr val="dk1"/>
-              </a:buClr>
-              <a:buSzPts val="1100"/>
-              <a:buFont typeface="Arial"/>
-              <a:buNone/>
-            </a:pPr>
-            <a:r>
-              <a:rPr lang="en" sz="2400" dirty="0">
-                <a:solidFill>
-                  <a:schemeClr val="dk1"/>
-                </a:solidFill>
-                <a:latin typeface="Comfortaa"/>
-                <a:ea typeface="Comfortaa"/>
-                <a:cs typeface="Comfortaa"/>
-                <a:sym typeface="Comfortaa"/>
-              </a:rPr>
-              <a:t>With increase of traffic in metropolitan cities, it is next to impossible to clear a path for the ambulances.</a:t>
-            </a:r>
-            <a:endParaRPr sz="2400" dirty="0">
-              <a:solidFill>
-                <a:schemeClr val="dk1"/>
-              </a:solidFill>
-              <a:latin typeface="Comfortaa"/>
-              <a:ea typeface="Comfortaa"/>
-              <a:cs typeface="Comfortaa"/>
-              <a:sym typeface="Comfortaa"/>
-            </a:endParaRPr>
-          </a:p>
-          <a:p>
-            <a:pPr marL="0" marR="0" lvl="0" indent="0" algn="l" rtl="0">
-              <a:lnSpc>
-                <a:spcPct val="115000"/>
-              </a:lnSpc>
-              <a:spcBef>
-                <a:spcPts val="1200"/>
-              </a:spcBef>
-              <a:spcAft>
-                <a:spcPts val="1200"/>
-              </a:spcAft>
-              <a:buNone/>
-            </a:pPr>
-            <a:endParaRPr sz="2400" u="sng" dirty="0">
-              <a:solidFill>
-                <a:schemeClr val="dk1"/>
-              </a:solidFill>
-              <a:latin typeface="Trebuchet MS"/>
-              <a:ea typeface="Trebuchet MS"/>
-              <a:cs typeface="Trebuchet MS"/>
-              <a:sym typeface="Trebuchet MS"/>
-            </a:endParaRPr>
-          </a:p>
-        </p:txBody>
-      </p:sp>
-      <p:pic>
-        <p:nvPicPr>
-          <p:cNvPr id="71" name="Shape 71" descr="Picture1.png"/>
-          <p:cNvPicPr preferRelativeResize="0"/>
-          <p:nvPr/>
-        </p:nvPicPr>
-        <p:blipFill>
-          <a:blip r:embed="rId3">
-            <a:alphaModFix amt="18000"/>
-          </a:blip>
-          <a:stretch>
-            <a:fillRect/>
-          </a:stretch>
-        </p:blipFill>
-        <p:spPr>
-          <a:xfrm>
-            <a:off x="2526739" y="1025187"/>
-            <a:ext cx="3814075" cy="3814075"/>
-          </a:xfrm>
-          <a:prstGeom prst="rect">
-            <a:avLst/>
-          </a:prstGeom>
-          <a:noFill/>
-          <a:ln>
-            <a:noFill/>
-          </a:ln>
-        </p:spPr>
-      </p:pic>
-    </p:spTree>
-  </p:cSld>
-  <p:clrMapOvr>
-    <a:masterClrMapping/>
-  </p:clrMapOvr>
-</p:sld>
-</file>
-
-<file path=ppt/slides/slide5.xml><?xml version="1.0" encoding="utf-8"?>
 <p:sld xmlns:a="http://schemas.openxmlformats.org/drawingml/2006/main" xmlns:r="http://schemas.openxmlformats.org/officeDocument/2006/relationships" xmlns:p="http://schemas.openxmlformats.org/presentationml/2006/main">
   <p:cSld>
     <p:spTree>
@@ -6401,49 +5802,22 @@
           </a:ln>
         </p:spPr>
       </p:pic>
-      <p:pic>
-        <p:nvPicPr>
-          <p:cNvPr id="6" name="Shape 79" descr="Picture1.png">
-            <a:extLst>
-              <a:ext uri="{FF2B5EF4-FFF2-40B4-BE49-F238E27FC236}">
-                <a16:creationId xmlns:a16="http://schemas.microsoft.com/office/drawing/2014/main" id="{B949DA9E-C64D-4B4D-B4BC-CE948CCE0720}"/>
-              </a:ext>
-            </a:extLst>
-          </p:cNvPr>
-          <p:cNvPicPr preferRelativeResize="0"/>
-          <p:nvPr/>
-        </p:nvPicPr>
-        <p:blipFill>
-          <a:blip r:embed="rId4">
-            <a:alphaModFix amt="18000"/>
-          </a:blip>
-          <a:stretch>
-            <a:fillRect/>
-          </a:stretch>
-        </p:blipFill>
-        <p:spPr>
-          <a:xfrm>
-            <a:off x="2048276" y="1017725"/>
-            <a:ext cx="3814075" cy="3814075"/>
-          </a:xfrm>
-          <a:prstGeom prst="rect">
-            <a:avLst/>
-          </a:prstGeom>
-          <a:noFill/>
-          <a:ln>
-            <a:noFill/>
-          </a:ln>
-        </p:spPr>
-      </p:pic>
     </p:spTree>
   </p:cSld>
   <p:clrMapOvr>
     <a:masterClrMapping/>
   </p:clrMapOvr>
+  <p:timing>
+    <p:tnLst>
+      <p:par>
+        <p:cTn id="1" dur="indefinite" restart="never" nodeType="tmRoot"/>
+      </p:par>
+    </p:tnLst>
+  </p:timing>
 </p:sld>
 </file>
 
-<file path=ppt/slides/slide6.xml><?xml version="1.0" encoding="utf-8"?>
+<file path=ppt/slides/slide5.xml><?xml version="1.0" encoding="utf-8"?>
 <p:sld xmlns:a="http://schemas.openxmlformats.org/drawingml/2006/main" xmlns:r="http://schemas.openxmlformats.org/officeDocument/2006/relationships" xmlns:p="http://schemas.openxmlformats.org/presentationml/2006/main">
   <p:cSld>
     <p:spTree>
@@ -6495,36 +5869,18 @@
               <a:buNone/>
             </a:pPr>
             <a:r>
-              <a:rPr lang="en" sz="4800" b="1" u="sng" dirty="0">
-                <a:latin typeface="Oswald"/>
+              <a:rPr lang="en-US" sz="4800" b="1" u="sng" dirty="0" smtClean="0">
+                <a:latin typeface="Levenim MT" panose="02010502060101010101" pitchFamily="2" charset="-79"/>
                 <a:ea typeface="Oswald"/>
-                <a:cs typeface="Oswald"/>
+                <a:cs typeface="Levenim MT" panose="02010502060101010101" pitchFamily="2" charset="-79"/>
                 <a:sym typeface="Oswald"/>
               </a:rPr>
-              <a:t>W</a:t>
-            </a:r>
-            <a:r>
-              <a:rPr lang="en-IN" sz="4800" b="1" u="sng" dirty="0">
-                <a:latin typeface="Oswald"/>
-                <a:ea typeface="Oswald"/>
-                <a:cs typeface="Oswald"/>
-                <a:sym typeface="Oswald"/>
-              </a:rPr>
-              <a:t>ORKING IN A NUTSHELL</a:t>
-            </a:r>
-            <a:r>
-              <a:rPr lang="en" sz="4800" b="1" u="sng" dirty="0">
-                <a:latin typeface="Oswald"/>
-                <a:ea typeface="Oswald"/>
-                <a:cs typeface="Oswald"/>
-                <a:sym typeface="Oswald"/>
-              </a:rPr>
-              <a:t> </a:t>
+              <a:t>OUR SOLUTION</a:t>
             </a:r>
             <a:endParaRPr sz="4800" b="1" u="sng" dirty="0">
-              <a:latin typeface="Oswald"/>
+              <a:latin typeface="Levenim MT" panose="02010502060101010101" pitchFamily="2" charset="-79"/>
               <a:ea typeface="Oswald"/>
-              <a:cs typeface="Oswald"/>
+              <a:cs typeface="Levenim MT" panose="02010502060101010101" pitchFamily="2" charset="-79"/>
               <a:sym typeface="Oswald"/>
             </a:endParaRPr>
           </a:p>
@@ -6946,7 +6302,7 @@
           <p:cNvPr id="11" name="Shape 79" descr="Picture1.png">
             <a:extLst>
               <a:ext uri="{FF2B5EF4-FFF2-40B4-BE49-F238E27FC236}">
-                <a16:creationId xmlns:a16="http://schemas.microsoft.com/office/drawing/2014/main" id="{2D5E4C5A-748F-41B2-BCFC-DC6271DF0492}"/>
+                <a16:creationId xmlns:a16="http://schemas.microsoft.com/office/drawing/2014/main" xmlns="" id="{2D5E4C5A-748F-41B2-BCFC-DC6271DF0492}"/>
               </a:ext>
             </a:extLst>
           </p:cNvPr>
@@ -7001,7 +6357,7 @@
                             </p:stCondLst>
                             <p:childTnLst>
                               <p:par>
-                                <p:cTn id="5" presetID="22" presetClass="entr" presetSubtype="8" fill="hold" nodeType="clickEffect">
+                                <p:cTn id="5" presetID="1" presetClass="entr" presetSubtype="0" fill="hold" nodeType="clickEffect">
                                   <p:stCondLst>
                                     <p:cond delay="0"/>
                                   </p:stCondLst>
@@ -7024,14 +6380,6 @@
                                         <p:strVal val="visible"/>
                                       </p:to>
                                     </p:set>
-                                    <p:animEffect transition="in" filter="wipe(left)">
-                                      <p:cBhvr>
-                                        <p:cTn id="7" dur="500"/>
-                                        <p:tgtEl>
-                                          <p:spTgt spid="93"/>
-                                        </p:tgtEl>
-                                      </p:cBhvr>
-                                    </p:animEffect>
                                   </p:childTnLst>
                                 </p:cTn>
                               </p:par>
@@ -7042,26 +6390,26 @@
                     </p:cTn>
                   </p:par>
                   <p:par>
-                    <p:cTn id="8" fill="hold">
+                    <p:cTn id="7" fill="hold">
                       <p:stCondLst>
                         <p:cond delay="indefinite"/>
                       </p:stCondLst>
                       <p:childTnLst>
                         <p:par>
-                          <p:cTn id="9" fill="hold">
+                          <p:cTn id="8" fill="hold">
                             <p:stCondLst>
                               <p:cond delay="0"/>
                             </p:stCondLst>
                             <p:childTnLst>
                               <p:par>
-                                <p:cTn id="10" presetID="22" presetClass="entr" presetSubtype="8" fill="hold" nodeType="clickEffect">
+                                <p:cTn id="9" presetID="1" presetClass="entr" presetSubtype="0" fill="hold" nodeType="clickEffect">
                                   <p:stCondLst>
                                     <p:cond delay="0"/>
                                   </p:stCondLst>
                                   <p:childTnLst>
                                     <p:set>
                                       <p:cBhvr>
-                                        <p:cTn id="11" dur="1" fill="hold">
+                                        <p:cTn id="10" dur="1" fill="hold">
                                           <p:stCondLst>
                                             <p:cond delay="0"/>
                                           </p:stCondLst>
@@ -7077,14 +6425,6 @@
                                         <p:strVal val="visible"/>
                                       </p:to>
                                     </p:set>
-                                    <p:animEffect transition="in" filter="wipe(left)">
-                                      <p:cBhvr>
-                                        <p:cTn id="12" dur="500"/>
-                                        <p:tgtEl>
-                                          <p:spTgt spid="96"/>
-                                        </p:tgtEl>
-                                      </p:cBhvr>
-                                    </p:animEffect>
                                   </p:childTnLst>
                                 </p:cTn>
                               </p:par>
@@ -7095,26 +6435,26 @@
                     </p:cTn>
                   </p:par>
                   <p:par>
-                    <p:cTn id="13" fill="hold">
+                    <p:cTn id="11" fill="hold">
                       <p:stCondLst>
                         <p:cond delay="indefinite"/>
                       </p:stCondLst>
                       <p:childTnLst>
                         <p:par>
-                          <p:cTn id="14" fill="hold">
+                          <p:cTn id="12" fill="hold">
                             <p:stCondLst>
                               <p:cond delay="0"/>
                             </p:stCondLst>
                             <p:childTnLst>
                               <p:par>
-                                <p:cTn id="15" presetID="22" presetClass="entr" presetSubtype="8" fill="hold" grpId="0" nodeType="clickEffect">
+                                <p:cTn id="13" presetID="1" presetClass="entr" presetSubtype="0" fill="hold" grpId="0" nodeType="clickEffect">
                                   <p:stCondLst>
                                     <p:cond delay="0"/>
                                   </p:stCondLst>
                                   <p:childTnLst>
                                     <p:set>
                                       <p:cBhvr>
-                                        <p:cTn id="16" dur="1" fill="hold">
+                                        <p:cTn id="14" dur="1" fill="hold">
                                           <p:stCondLst>
                                             <p:cond delay="0"/>
                                           </p:stCondLst>
@@ -7130,26 +6470,18 @@
                                         <p:strVal val="visible"/>
                                       </p:to>
                                     </p:set>
-                                    <p:animEffect transition="in" filter="wipe(left)">
-                                      <p:cBhvr>
-                                        <p:cTn id="17" dur="500"/>
-                                        <p:tgtEl>
-                                          <p:spTgt spid="99"/>
-                                        </p:tgtEl>
-                                      </p:cBhvr>
-                                    </p:animEffect>
                                   </p:childTnLst>
                                 </p:cTn>
                               </p:par>
                               <p:par>
-                                <p:cTn id="18" presetID="22" presetClass="entr" presetSubtype="8" fill="hold" grpId="0" nodeType="withEffect">
+                                <p:cTn id="15" presetID="1" presetClass="entr" presetSubtype="0" fill="hold" grpId="0" nodeType="withEffect">
                                   <p:stCondLst>
                                     <p:cond delay="0"/>
                                   </p:stCondLst>
                                   <p:childTnLst>
                                     <p:set>
                                       <p:cBhvr>
-                                        <p:cTn id="19" dur="1" fill="hold">
+                                        <p:cTn id="16" dur="1" fill="hold">
                                           <p:stCondLst>
                                             <p:cond delay="0"/>
                                           </p:stCondLst>
@@ -7165,14 +6497,6 @@
                                         <p:strVal val="visible"/>
                                       </p:to>
                                     </p:set>
-                                    <p:animEffect transition="in" filter="wipe(left)">
-                                      <p:cBhvr>
-                                        <p:cTn id="20" dur="500"/>
-                                        <p:tgtEl>
-                                          <p:spTgt spid="100"/>
-                                        </p:tgtEl>
-                                      </p:cBhvr>
-                                    </p:animEffect>
                                   </p:childTnLst>
                                 </p:cTn>
                               </p:par>
@@ -7211,12 +6535,12 @@
 </p:sld>
 </file>
 
-<file path=ppt/slides/slide7.xml><?xml version="1.0" encoding="utf-8"?>
+<file path=ppt/slides/slide6.xml><?xml version="1.0" encoding="utf-8"?>
 <p:sld xmlns:a="http://schemas.openxmlformats.org/drawingml/2006/main" xmlns:r="http://schemas.openxmlformats.org/officeDocument/2006/relationships" xmlns:p="http://schemas.openxmlformats.org/presentationml/2006/main">
   <p:cSld>
     <p:spTree>
       <p:nvGrpSpPr>
-        <p:cNvPr id="1" name="Shape 104"/>
+        <p:cNvPr id="1" name=""/>
         <p:cNvGrpSpPr/>
         <p:nvPr/>
       </p:nvGrpSpPr>
@@ -7230,372 +6554,75 @@
       </p:grpSpPr>
       <p:sp>
         <p:nvSpPr>
-          <p:cNvPr id="105" name="Shape 105"/>
-          <p:cNvSpPr txBox="1">
+          <p:cNvPr id="2" name="Title 1"/>
+          <p:cNvSpPr>
             <a:spLocks noGrp="1"/>
           </p:cNvSpPr>
           <p:nvPr>
-            <p:ph type="title"/>
+            <p:ph type="ctrTitle"/>
           </p:nvPr>
         </p:nvSpPr>
         <p:spPr>
           <a:xfrm>
-            <a:off x="67144" y="297967"/>
-            <a:ext cx="8520600" cy="841800"/>
+            <a:off x="300824" y="-242533"/>
+            <a:ext cx="8520600" cy="2052600"/>
           </a:xfrm>
-          <a:prstGeom prst="rect">
-            <a:avLst/>
-          </a:prstGeom>
         </p:spPr>
         <p:txBody>
-          <a:bodyPr wrap="square" lIns="91425" tIns="91425" rIns="91425" bIns="91425" anchor="ctr" anchorCtr="0">
-            <a:noAutofit/>
-          </a:bodyPr>
+          <a:bodyPr/>
           <a:lstStyle/>
           <a:p>
-            <a:pPr marL="0" marR="0" lvl="0" indent="0" algn="l" rtl="0">
-              <a:lnSpc>
-                <a:spcPct val="100000"/>
-              </a:lnSpc>
-              <a:spcBef>
-                <a:spcPts val="0"/>
-              </a:spcBef>
-              <a:spcAft>
-                <a:spcPts val="0"/>
-              </a:spcAft>
-              <a:buNone/>
-            </a:pPr>
             <a:r>
-              <a:rPr lang="en" sz="4800" b="1" dirty="0">
-                <a:latin typeface="Oswald"/>
-                <a:ea typeface="Oswald"/>
-                <a:cs typeface="Oswald"/>
-                <a:sym typeface="Oswald"/>
+              <a:rPr lang="en-US" sz="11500" b="1" dirty="0" smtClean="0">
+                <a:latin typeface="Candara" panose="020E0502030303020204" pitchFamily="34" charset="0"/>
               </a:rPr>
-              <a:t>              </a:t>
+              <a:t>DEMO</a:t>
             </a:r>
-            <a:r>
-              <a:rPr lang="en" sz="4800" b="1" u="sng" dirty="0">
-                <a:latin typeface="Oswald"/>
-                <a:ea typeface="Oswald"/>
-                <a:cs typeface="Oswald"/>
-                <a:sym typeface="Oswald"/>
-              </a:rPr>
-              <a:t>PROOF OF </a:t>
-            </a:r>
-            <a:r>
-              <a:rPr lang="en" sz="4800" b="1" u="sng" spc="-150" dirty="0">
-                <a:latin typeface="Oswald"/>
-                <a:ea typeface="Oswald"/>
-                <a:cs typeface="Oswald"/>
-                <a:sym typeface="Oswald"/>
-              </a:rPr>
-              <a:t>CONCEPT</a:t>
-            </a:r>
-            <a:endParaRPr sz="4800" b="1" u="sng" spc="-150" dirty="0">
-              <a:latin typeface="Oswald"/>
-              <a:ea typeface="Oswald"/>
-              <a:cs typeface="Oswald"/>
-              <a:sym typeface="Oswald"/>
+            <a:endParaRPr lang="en-US" sz="11500" b="1" dirty="0">
+              <a:latin typeface="Candara" panose="020E0502030303020204" pitchFamily="34" charset="0"/>
             </a:endParaRPr>
           </a:p>
         </p:txBody>
       </p:sp>
       <p:pic>
         <p:nvPicPr>
-          <p:cNvPr id="107" name="Shape 107"/>
+          <p:cNvPr id="5" name="Shape 55" descr="logo2.png">
+            <a:extLst>
+              <a:ext uri="{FF2B5EF4-FFF2-40B4-BE49-F238E27FC236}">
+                <a16:creationId xmlns:a16="http://schemas.microsoft.com/office/drawing/2014/main" xmlns="" id="{97ECB9DF-0EF5-4061-BB37-5EC021BC250C}"/>
+              </a:ext>
+            </a:extLst>
+          </p:cNvPr>
           <p:cNvPicPr preferRelativeResize="0"/>
           <p:nvPr/>
         </p:nvPicPr>
-        <p:blipFill>
-          <a:blip r:embed="rId3">
+        <p:blipFill rotWithShape="1">
+          <a:blip r:embed="rId2">
             <a:alphaModFix/>
           </a:blip>
-          <a:stretch>
-            <a:fillRect/>
-          </a:stretch>
+          <a:srcRect l="6364" t="5381" r="5602" b="7347"/>
+          <a:stretch/>
         </p:blipFill>
         <p:spPr>
           <a:xfrm>
-            <a:off x="688674" y="1621362"/>
-            <a:ext cx="2185252" cy="3325799"/>
-          </a:xfrm>
-          <a:prstGeom prst="rect">
-            <a:avLst/>
-          </a:prstGeom>
-          <a:ln>
-            <a:noFill/>
-          </a:ln>
-          <a:effectLst>
-            <a:outerShdw blurRad="190500" algn="tl" rotWithShape="0">
-              <a:srgbClr val="000000">
-                <a:alpha val="70000"/>
-              </a:srgbClr>
-            </a:outerShdw>
-          </a:effectLst>
-        </p:spPr>
-      </p:pic>
-      <p:pic>
-        <p:nvPicPr>
-          <p:cNvPr id="108" name="Shape 108"/>
-          <p:cNvPicPr preferRelativeResize="0"/>
-          <p:nvPr/>
-        </p:nvPicPr>
-        <p:blipFill>
-          <a:blip r:embed="rId4">
-            <a:alphaModFix/>
-          </a:blip>
-          <a:stretch>
-            <a:fillRect/>
-          </a:stretch>
-        </p:blipFill>
-        <p:spPr>
-          <a:xfrm>
-            <a:off x="6270074" y="1648563"/>
-            <a:ext cx="2185252" cy="3298599"/>
-          </a:xfrm>
-          <a:prstGeom prst="rect">
-            <a:avLst/>
-          </a:prstGeom>
-          <a:ln>
-            <a:noFill/>
-          </a:ln>
-          <a:effectLst>
-            <a:outerShdw blurRad="190500" algn="tl" rotWithShape="0">
-              <a:srgbClr val="000000">
-                <a:alpha val="70000"/>
-              </a:srgbClr>
-            </a:outerShdw>
-          </a:effectLst>
-        </p:spPr>
-      </p:pic>
-      <p:sp>
-        <p:nvSpPr>
-          <p:cNvPr id="2" name="TextBox 1">
-            <a:extLst>
-              <a:ext uri="{FF2B5EF4-FFF2-40B4-BE49-F238E27FC236}">
-                <a16:creationId xmlns:a16="http://schemas.microsoft.com/office/drawing/2014/main" id="{F42EEA8D-54DE-4C9D-9255-40BF4B9130BA}"/>
-              </a:ext>
-            </a:extLst>
-          </p:cNvPr>
-          <p:cNvSpPr txBox="1"/>
-          <p:nvPr/>
-        </p:nvSpPr>
-        <p:spPr>
-          <a:xfrm>
-            <a:off x="656775" y="1195899"/>
-            <a:ext cx="2418702" cy="369332"/>
+            <a:off x="2845360" y="1603238"/>
+            <a:ext cx="3322675" cy="3213691"/>
           </a:xfrm>
           <a:prstGeom prst="rect">
             <a:avLst/>
           </a:prstGeom>
           <a:noFill/>
+          <a:ln>
+            <a:noFill/>
+          </a:ln>
         </p:spPr>
-        <p:txBody>
-          <a:bodyPr wrap="square" rtlCol="0">
-            <a:spAutoFit/>
-          </a:bodyPr>
-          <a:lstStyle/>
-          <a:p>
-            <a:r>
-              <a:rPr lang="en-IN" sz="1800" b="1" dirty="0"/>
-              <a:t>User End Snapshot</a:t>
-            </a:r>
-          </a:p>
-        </p:txBody>
-      </p:sp>
-      <p:sp>
-        <p:nvSpPr>
-          <p:cNvPr id="3" name="TextBox 2">
-            <a:extLst>
-              <a:ext uri="{FF2B5EF4-FFF2-40B4-BE49-F238E27FC236}">
-                <a16:creationId xmlns:a16="http://schemas.microsoft.com/office/drawing/2014/main" id="{924D49C2-5331-4C9F-9F28-9ADF65F7F579}"/>
-              </a:ext>
-            </a:extLst>
-          </p:cNvPr>
-          <p:cNvSpPr txBox="1"/>
-          <p:nvPr/>
-        </p:nvSpPr>
-        <p:spPr>
-          <a:xfrm>
-            <a:off x="6129323" y="1209499"/>
-            <a:ext cx="2466754" cy="369332"/>
-          </a:xfrm>
-          <a:prstGeom prst="rect">
-            <a:avLst/>
-          </a:prstGeom>
-          <a:noFill/>
-        </p:spPr>
-        <p:txBody>
-          <a:bodyPr wrap="square" rtlCol="0">
-            <a:spAutoFit/>
-          </a:bodyPr>
-          <a:lstStyle/>
-          <a:p>
-            <a:r>
-              <a:rPr lang="en-IN" sz="1800" b="1" dirty="0"/>
-              <a:t>Driver End Snapshot</a:t>
-            </a:r>
-          </a:p>
-        </p:txBody>
-      </p:sp>
-      <p:sp>
-        <p:nvSpPr>
-          <p:cNvPr id="11" name="TextBox 10">
-            <a:extLst>
-              <a:ext uri="{FF2B5EF4-FFF2-40B4-BE49-F238E27FC236}">
-                <a16:creationId xmlns:a16="http://schemas.microsoft.com/office/drawing/2014/main" id="{F0D6DD49-E160-4EAE-80C9-389DED7A46F5}"/>
-              </a:ext>
-            </a:extLst>
-          </p:cNvPr>
-          <p:cNvSpPr txBox="1"/>
-          <p:nvPr/>
-        </p:nvSpPr>
-        <p:spPr>
-          <a:xfrm>
-            <a:off x="3350179" y="1206532"/>
-            <a:ext cx="2736274" cy="369332"/>
-          </a:xfrm>
-          <a:prstGeom prst="rect">
-            <a:avLst/>
-          </a:prstGeom>
-          <a:noFill/>
-        </p:spPr>
-        <p:txBody>
-          <a:bodyPr wrap="square" rtlCol="0">
-            <a:spAutoFit/>
-          </a:bodyPr>
-          <a:lstStyle/>
-          <a:p>
-            <a:r>
-              <a:rPr lang="en-IN" sz="1800" b="1" dirty="0"/>
-              <a:t>Notification Snapshot</a:t>
-            </a:r>
-          </a:p>
-        </p:txBody>
-      </p:sp>
-      <p:grpSp>
-        <p:nvGrpSpPr>
-          <p:cNvPr id="6" name="Group 5">
-            <a:extLst>
-              <a:ext uri="{FF2B5EF4-FFF2-40B4-BE49-F238E27FC236}">
-                <a16:creationId xmlns:a16="http://schemas.microsoft.com/office/drawing/2014/main" id="{826674BF-9B27-41C8-AB12-373A58316ED8}"/>
-              </a:ext>
-            </a:extLst>
-          </p:cNvPr>
-          <p:cNvGrpSpPr/>
-          <p:nvPr/>
-        </p:nvGrpSpPr>
-        <p:grpSpPr>
-          <a:xfrm>
-            <a:off x="3557392" y="1648563"/>
-            <a:ext cx="2029215" cy="3390093"/>
-            <a:chOff x="3557392" y="1648563"/>
-            <a:chExt cx="2029215" cy="3390093"/>
-          </a:xfrm>
-        </p:grpSpPr>
-        <p:pic>
-          <p:nvPicPr>
-            <p:cNvPr id="4" name="Picture 3">
-              <a:extLst>
-                <a:ext uri="{FF2B5EF4-FFF2-40B4-BE49-F238E27FC236}">
-                  <a16:creationId xmlns:a16="http://schemas.microsoft.com/office/drawing/2014/main" id="{5346EC9E-2685-4634-A663-9068309D05E2}"/>
-                </a:ext>
-              </a:extLst>
-            </p:cNvPr>
-            <p:cNvPicPr>
-              <a:picLocks noChangeAspect="1"/>
-            </p:cNvPicPr>
-            <p:nvPr/>
-          </p:nvPicPr>
-          <p:blipFill>
-            <a:blip r:embed="rId5"/>
-            <a:stretch>
-              <a:fillRect/>
-            </a:stretch>
-          </p:blipFill>
-          <p:spPr>
-            <a:xfrm>
-              <a:off x="3557392" y="1648563"/>
-              <a:ext cx="2029215" cy="3390093"/>
-            </a:xfrm>
-            <a:prstGeom prst="rect">
-              <a:avLst/>
-            </a:prstGeom>
-            <a:ln>
-              <a:noFill/>
-            </a:ln>
-            <a:effectLst>
-              <a:outerShdw blurRad="190500" algn="tl" rotWithShape="0">
-                <a:srgbClr val="000000">
-                  <a:alpha val="70000"/>
-                </a:srgbClr>
-              </a:outerShdw>
-            </a:effectLst>
-          </p:spPr>
-        </p:pic>
-        <p:sp>
-          <p:nvSpPr>
-            <p:cNvPr id="5" name="Oval 4">
-              <a:extLst>
-                <a:ext uri="{FF2B5EF4-FFF2-40B4-BE49-F238E27FC236}">
-                  <a16:creationId xmlns:a16="http://schemas.microsoft.com/office/drawing/2014/main" id="{9367241A-F32E-477F-9A7A-F6BD1DDBE31E}"/>
-                </a:ext>
-              </a:extLst>
-            </p:cNvPr>
-            <p:cNvSpPr/>
-            <p:nvPr/>
-          </p:nvSpPr>
-          <p:spPr>
-            <a:xfrm>
-              <a:off x="3557392" y="3687102"/>
-              <a:ext cx="1320976" cy="499731"/>
-            </a:xfrm>
-            <a:prstGeom prst="ellipse">
-              <a:avLst/>
-            </a:prstGeom>
-            <a:noFill/>
-            <a:ln w="9525" cap="flat" cmpd="sng" algn="ctr">
-              <a:solidFill>
-                <a:schemeClr val="dk1"/>
-              </a:solidFill>
-              <a:prstDash val="solid"/>
-              <a:round/>
-              <a:headEnd type="none" w="med" len="med"/>
-              <a:tailEnd type="none" w="med" len="med"/>
-            </a:ln>
-          </p:spPr>
-          <p:style>
-            <a:lnRef idx="0">
-              <a:scrgbClr r="0" g="0" b="0"/>
-            </a:lnRef>
-            <a:fillRef idx="0">
-              <a:scrgbClr r="0" g="0" b="0"/>
-            </a:fillRef>
-            <a:effectRef idx="0">
-              <a:scrgbClr r="0" g="0" b="0"/>
-            </a:effectRef>
-            <a:fontRef idx="minor">
-              <a:schemeClr val="dk1"/>
-            </a:fontRef>
-          </p:style>
-          <p:txBody>
-            <a:bodyPr rtlCol="0" anchor="ctr"/>
-            <a:lstStyle/>
-            <a:p>
-              <a:pPr algn="ctr"/>
-              <a:endParaRPr lang="en-IN" b="1" dirty="0">
-                <a:ln>
-                  <a:solidFill>
-                    <a:sysClr val="windowText" lastClr="000000"/>
-                  </a:solidFill>
-                </a:ln>
-              </a:endParaRPr>
-            </a:p>
-          </p:txBody>
-        </p:sp>
-      </p:grpSp>
+      </p:pic>
     </p:spTree>
+    <p:extLst>
+      <p:ext uri="{BB962C8B-B14F-4D97-AF65-F5344CB8AC3E}">
+        <p14:creationId xmlns:p14="http://schemas.microsoft.com/office/powerpoint/2010/main" val="2397117170"/>
+      </p:ext>
+    </p:extLst>
   </p:cSld>
   <p:clrMapOvr>
     <a:masterClrMapping/>
@@ -7603,196 +6630,14 @@
   <p:timing>
     <p:tnLst>
       <p:par>
-        <p:cTn id="1" dur="indefinite" restart="never" nodeType="tmRoot">
-          <p:childTnLst>
-            <p:seq concurrent="1" nextAc="seek">
-              <p:cTn id="2" dur="indefinite" nodeType="mainSeq">
-                <p:childTnLst>
-                  <p:par>
-                    <p:cTn id="3" fill="hold">
-                      <p:stCondLst>
-                        <p:cond delay="indefinite"/>
-                      </p:stCondLst>
-                      <p:childTnLst>
-                        <p:par>
-                          <p:cTn id="4" fill="hold">
-                            <p:stCondLst>
-                              <p:cond delay="0"/>
-                            </p:stCondLst>
-                            <p:childTnLst>
-                              <p:par>
-                                <p:cTn id="5" presetID="6" presetClass="entr" presetSubtype="16" fill="hold" nodeType="clickEffect">
-                                  <p:stCondLst>
-                                    <p:cond delay="0"/>
-                                  </p:stCondLst>
-                                  <p:childTnLst>
-                                    <p:set>
-                                      <p:cBhvr>
-                                        <p:cTn id="6" dur="1" fill="hold">
-                                          <p:stCondLst>
-                                            <p:cond delay="0"/>
-                                          </p:stCondLst>
-                                        </p:cTn>
-                                        <p:tgtEl>
-                                          <p:spTgt spid="107"/>
-                                        </p:tgtEl>
-                                        <p:attrNameLst>
-                                          <p:attrName>style.visibility</p:attrName>
-                                        </p:attrNameLst>
-                                      </p:cBhvr>
-                                      <p:to>
-                                        <p:strVal val="visible"/>
-                                      </p:to>
-                                    </p:set>
-                                    <p:animEffect transition="in" filter="circle(in)">
-                                      <p:cBhvr>
-                                        <p:cTn id="7" dur="1000"/>
-                                        <p:tgtEl>
-                                          <p:spTgt spid="107"/>
-                                        </p:tgtEl>
-                                      </p:cBhvr>
-                                    </p:animEffect>
-                                  </p:childTnLst>
-                                </p:cTn>
-                              </p:par>
-                            </p:childTnLst>
-                          </p:cTn>
-                        </p:par>
-                      </p:childTnLst>
-                    </p:cTn>
-                  </p:par>
-                  <p:par>
-                    <p:cTn id="8" fill="hold">
-                      <p:stCondLst>
-                        <p:cond delay="indefinite"/>
-                      </p:stCondLst>
-                      <p:childTnLst>
-                        <p:par>
-                          <p:cTn id="9" fill="hold">
-                            <p:stCondLst>
-                              <p:cond delay="0"/>
-                            </p:stCondLst>
-                            <p:childTnLst>
-                              <p:par>
-                                <p:cTn id="10" presetID="6" presetClass="entr" presetSubtype="16" fill="hold" nodeType="clickEffect">
-                                  <p:stCondLst>
-                                    <p:cond delay="0"/>
-                                  </p:stCondLst>
-                                  <p:childTnLst>
-                                    <p:set>
-                                      <p:cBhvr>
-                                        <p:cTn id="11" dur="1" fill="hold">
-                                          <p:stCondLst>
-                                            <p:cond delay="0"/>
-                                          </p:stCondLst>
-                                        </p:cTn>
-                                        <p:tgtEl>
-                                          <p:spTgt spid="6"/>
-                                        </p:tgtEl>
-                                        <p:attrNameLst>
-                                          <p:attrName>style.visibility</p:attrName>
-                                        </p:attrNameLst>
-                                      </p:cBhvr>
-                                      <p:to>
-                                        <p:strVal val="visible"/>
-                                      </p:to>
-                                    </p:set>
-                                    <p:animEffect transition="in" filter="circle(in)">
-                                      <p:cBhvr>
-                                        <p:cTn id="12" dur="1000"/>
-                                        <p:tgtEl>
-                                          <p:spTgt spid="6"/>
-                                        </p:tgtEl>
-                                      </p:cBhvr>
-                                    </p:animEffect>
-                                  </p:childTnLst>
-                                </p:cTn>
-                              </p:par>
-                            </p:childTnLst>
-                          </p:cTn>
-                        </p:par>
-                      </p:childTnLst>
-                    </p:cTn>
-                  </p:par>
-                  <p:par>
-                    <p:cTn id="13" fill="hold">
-                      <p:stCondLst>
-                        <p:cond delay="indefinite"/>
-                      </p:stCondLst>
-                      <p:childTnLst>
-                        <p:par>
-                          <p:cTn id="14" fill="hold">
-                            <p:stCondLst>
-                              <p:cond delay="0"/>
-                            </p:stCondLst>
-                            <p:childTnLst>
-                              <p:par>
-                                <p:cTn id="15" presetID="6" presetClass="entr" presetSubtype="16" fill="hold" nodeType="clickEffect">
-                                  <p:stCondLst>
-                                    <p:cond delay="0"/>
-                                  </p:stCondLst>
-                                  <p:childTnLst>
-                                    <p:set>
-                                      <p:cBhvr>
-                                        <p:cTn id="16" dur="1" fill="hold">
-                                          <p:stCondLst>
-                                            <p:cond delay="0"/>
-                                          </p:stCondLst>
-                                        </p:cTn>
-                                        <p:tgtEl>
-                                          <p:spTgt spid="108"/>
-                                        </p:tgtEl>
-                                        <p:attrNameLst>
-                                          <p:attrName>style.visibility</p:attrName>
-                                        </p:attrNameLst>
-                                      </p:cBhvr>
-                                      <p:to>
-                                        <p:strVal val="visible"/>
-                                      </p:to>
-                                    </p:set>
-                                    <p:animEffect transition="in" filter="circle(in)">
-                                      <p:cBhvr>
-                                        <p:cTn id="17" dur="1000"/>
-                                        <p:tgtEl>
-                                          <p:spTgt spid="108"/>
-                                        </p:tgtEl>
-                                      </p:cBhvr>
-                                    </p:animEffect>
-                                  </p:childTnLst>
-                                </p:cTn>
-                              </p:par>
-                            </p:childTnLst>
-                          </p:cTn>
-                        </p:par>
-                      </p:childTnLst>
-                    </p:cTn>
-                  </p:par>
-                </p:childTnLst>
-              </p:cTn>
-              <p:prevCondLst>
-                <p:cond evt="onPrev" delay="0">
-                  <p:tgtEl>
-                    <p:sldTgt/>
-                  </p:tgtEl>
-                </p:cond>
-              </p:prevCondLst>
-              <p:nextCondLst>
-                <p:cond evt="onNext" delay="0">
-                  <p:tgtEl>
-                    <p:sldTgt/>
-                  </p:tgtEl>
-                </p:cond>
-              </p:nextCondLst>
-            </p:seq>
-          </p:childTnLst>
-        </p:cTn>
+        <p:cTn id="1" dur="indefinite" restart="never" nodeType="tmRoot"/>
       </p:par>
     </p:tnLst>
   </p:timing>
 </p:sld>
 </file>
 
-<file path=ppt/slides/slide8.xml><?xml version="1.0" encoding="utf-8"?>
+<file path=ppt/slides/slide7.xml><?xml version="1.0" encoding="utf-8"?>
 <p:sld xmlns:a="http://schemas.openxmlformats.org/drawingml/2006/main" xmlns:r="http://schemas.openxmlformats.org/officeDocument/2006/relationships" xmlns:p="http://schemas.openxmlformats.org/presentationml/2006/main">
   <p:cSld>
     <p:spTree>
@@ -7814,7 +6659,7 @@
           <p:cNvPr id="2" name="Title 1">
             <a:extLst>
               <a:ext uri="{FF2B5EF4-FFF2-40B4-BE49-F238E27FC236}">
-                <a16:creationId xmlns:a16="http://schemas.microsoft.com/office/drawing/2014/main" id="{AEADE8CC-03F1-49FE-B9E7-F122CCFF350D}"/>
+                <a16:creationId xmlns:a16="http://schemas.microsoft.com/office/drawing/2014/main" xmlns="" id="{AEADE8CC-03F1-49FE-B9E7-F122CCFF350D}"/>
               </a:ext>
             </a:extLst>
           </p:cNvPr>
@@ -7836,11 +6681,16 @@
           <a:lstStyle/>
           <a:p>
             <a:r>
-              <a:rPr lang="en-IN" b="1" u="sng" dirty="0">
-                <a:latin typeface="Candara" panose="020E0502030303020204" pitchFamily="34" charset="0"/>
+              <a:rPr lang="en-IN" b="1" u="sng" dirty="0" smtClean="0">
+                <a:latin typeface="Levenim MT" panose="02010502060101010101" pitchFamily="2" charset="-79"/>
+                <a:cs typeface="Levenim MT" panose="02010502060101010101" pitchFamily="2" charset="-79"/>
               </a:rPr>
-              <a:t>Learning, Benefits and Value Addition</a:t>
+              <a:t>LEARNING, BENEFITS AND VALUE ADDITION</a:t>
             </a:r>
+            <a:endParaRPr lang="en-IN" b="1" u="sng" dirty="0">
+              <a:latin typeface="Levenim MT" panose="02010502060101010101" pitchFamily="2" charset="-79"/>
+              <a:cs typeface="Levenim MT" panose="02010502060101010101" pitchFamily="2" charset="-79"/>
+            </a:endParaRPr>
           </a:p>
         </p:txBody>
       </p:sp>
@@ -7849,7 +6699,7 @@
           <p:cNvPr id="3" name="Text Placeholder 2">
             <a:extLst>
               <a:ext uri="{FF2B5EF4-FFF2-40B4-BE49-F238E27FC236}">
-                <a16:creationId xmlns:a16="http://schemas.microsoft.com/office/drawing/2014/main" id="{8784485D-F6FE-4412-BF34-B45BE974DFF8}"/>
+                <a16:creationId xmlns:a16="http://schemas.microsoft.com/office/drawing/2014/main" xmlns="" id="{8784485D-F6FE-4412-BF34-B45BE974DFF8}"/>
               </a:ext>
             </a:extLst>
           </p:cNvPr>
@@ -7871,90 +6721,192 @@
           <a:lstStyle/>
           <a:p>
             <a:r>
-              <a:rPr lang="en-IN" sz="2400" b="1" u="sng" dirty="0">
-                <a:latin typeface="Candara" panose="020E0502030303020204" pitchFamily="34" charset="0"/>
+              <a:rPr lang="en-IN" sz="2400" b="1" u="sng" dirty="0" smtClean="0">
+                <a:solidFill>
+                  <a:schemeClr val="tx1"/>
+                </a:solidFill>
+                <a:latin typeface="Levenim MT" panose="02010502060101010101" pitchFamily="2" charset="-79"/>
+                <a:cs typeface="Levenim MT" panose="02010502060101010101" pitchFamily="2" charset="-79"/>
               </a:rPr>
-              <a:t>Teamwork</a:t>
+              <a:t>TEAMWORK</a:t>
+            </a:r>
+            <a:r>
+              <a:rPr lang="en-IN" sz="2400" dirty="0" smtClean="0">
+                <a:solidFill>
+                  <a:schemeClr val="tx1"/>
+                </a:solidFill>
+                <a:latin typeface="Levenim MT" panose="02010502060101010101" pitchFamily="2" charset="-79"/>
+                <a:cs typeface="Levenim MT" panose="02010502060101010101" pitchFamily="2" charset="-79"/>
+              </a:rPr>
+              <a:t> – </a:t>
             </a:r>
             <a:r>
               <a:rPr lang="en-IN" sz="2400" dirty="0">
-                <a:latin typeface="Candara" panose="020E0502030303020204" pitchFamily="34" charset="0"/>
+                <a:solidFill>
+                  <a:schemeClr val="tx1"/>
+                </a:solidFill>
+                <a:latin typeface="Levenim MT" panose="02010502060101010101" pitchFamily="2" charset="-79"/>
+                <a:cs typeface="Levenim MT" panose="02010502060101010101" pitchFamily="2" charset="-79"/>
               </a:rPr>
-              <a:t> – Learnt to effectively plan with a team</a:t>
+              <a:t>Learnt to effectively plan with a team</a:t>
             </a:r>
           </a:p>
           <a:p>
             <a:r>
-              <a:rPr lang="en-IN" sz="2400" b="1" u="sng" dirty="0">
-                <a:latin typeface="Candara" panose="020E0502030303020204" pitchFamily="34" charset="0"/>
+              <a:rPr lang="en-IN" sz="2400" b="1" u="sng" dirty="0" smtClean="0">
+                <a:solidFill>
+                  <a:schemeClr val="tx1"/>
+                </a:solidFill>
+                <a:latin typeface="Levenim MT" panose="02010502060101010101" pitchFamily="2" charset="-79"/>
+                <a:cs typeface="Levenim MT" panose="02010502060101010101" pitchFamily="2" charset="-79"/>
               </a:rPr>
-              <a:t>Project organization</a:t>
+              <a:t>PROJECT ORGANIZATION</a:t>
             </a:r>
             <a:r>
-              <a:rPr lang="en-IN" sz="2400" b="1" dirty="0">
-                <a:latin typeface="Candara" panose="020E0502030303020204" pitchFamily="34" charset="0"/>
+              <a:rPr lang="en-IN" sz="2400" b="1" dirty="0" smtClean="0">
+                <a:solidFill>
+                  <a:schemeClr val="tx1"/>
+                </a:solidFill>
+                <a:latin typeface="Levenim MT" panose="02010502060101010101" pitchFamily="2" charset="-79"/>
+                <a:cs typeface="Levenim MT" panose="02010502060101010101" pitchFamily="2" charset="-79"/>
               </a:rPr>
               <a:t> </a:t>
             </a:r>
             <a:r>
+              <a:rPr lang="en-IN" sz="2400" dirty="0" smtClean="0">
+                <a:solidFill>
+                  <a:schemeClr val="tx1"/>
+                </a:solidFill>
+                <a:latin typeface="Levenim MT" panose="02010502060101010101" pitchFamily="2" charset="-79"/>
+                <a:cs typeface="Levenim MT" panose="02010502060101010101" pitchFamily="2" charset="-79"/>
+              </a:rPr>
+              <a:t>– </a:t>
+            </a:r>
+            <a:r>
               <a:rPr lang="en-IN" sz="2400" dirty="0">
-                <a:latin typeface="Candara" panose="020E0502030303020204" pitchFamily="34" charset="0"/>
+                <a:solidFill>
+                  <a:schemeClr val="tx1"/>
+                </a:solidFill>
+                <a:latin typeface="Levenim MT" panose="02010502060101010101" pitchFamily="2" charset="-79"/>
+                <a:cs typeface="Levenim MT" panose="02010502060101010101" pitchFamily="2" charset="-79"/>
               </a:rPr>
-              <a:t>– Learnt the sequential steps in the process of development</a:t>
+              <a:t>Learnt the sequential steps in the process of development</a:t>
             </a:r>
           </a:p>
           <a:p>
             <a:r>
-              <a:rPr lang="en-IN" sz="2400" b="1" u="sng" dirty="0">
-                <a:latin typeface="Candara" panose="020E0502030303020204" pitchFamily="34" charset="0"/>
+              <a:rPr lang="en-IN" sz="2400" b="1" u="sng" dirty="0" smtClean="0">
+                <a:solidFill>
+                  <a:schemeClr val="tx1"/>
+                </a:solidFill>
+                <a:latin typeface="Levenim MT" panose="02010502060101010101" pitchFamily="2" charset="-79"/>
+                <a:cs typeface="Levenim MT" panose="02010502060101010101" pitchFamily="2" charset="-79"/>
               </a:rPr>
-              <a:t>Industry working</a:t>
+              <a:t>INDUSTRY WORKING</a:t>
             </a:r>
             <a:r>
-              <a:rPr lang="en-IN" sz="2400" b="1" dirty="0">
-                <a:latin typeface="Candara" panose="020E0502030303020204" pitchFamily="34" charset="0"/>
+              <a:rPr lang="en-IN" sz="2400" b="1" dirty="0" smtClean="0">
+                <a:solidFill>
+                  <a:schemeClr val="tx1"/>
+                </a:solidFill>
+                <a:latin typeface="Levenim MT" panose="02010502060101010101" pitchFamily="2" charset="-79"/>
+                <a:cs typeface="Levenim MT" panose="02010502060101010101" pitchFamily="2" charset="-79"/>
               </a:rPr>
               <a:t> </a:t>
             </a:r>
             <a:r>
+              <a:rPr lang="en-IN" sz="2400" dirty="0" smtClean="0">
+                <a:solidFill>
+                  <a:schemeClr val="tx1"/>
+                </a:solidFill>
+                <a:latin typeface="Levenim MT" panose="02010502060101010101" pitchFamily="2" charset="-79"/>
+                <a:cs typeface="Levenim MT" panose="02010502060101010101" pitchFamily="2" charset="-79"/>
+              </a:rPr>
+              <a:t>– </a:t>
+            </a:r>
+            <a:r>
               <a:rPr lang="en-IN" sz="2400" dirty="0">
-                <a:latin typeface="Candara" panose="020E0502030303020204" pitchFamily="34" charset="0"/>
+                <a:solidFill>
+                  <a:schemeClr val="tx1"/>
+                </a:solidFill>
+                <a:latin typeface="Levenim MT" panose="02010502060101010101" pitchFamily="2" charset="-79"/>
+                <a:cs typeface="Levenim MT" panose="02010502060101010101" pitchFamily="2" charset="-79"/>
               </a:rPr>
-              <a:t>– Worked with Cisco mentors who work hands-on in the IT industry</a:t>
+              <a:t>Worked with Cisco mentors who work hands-on in the IT industry</a:t>
             </a:r>
           </a:p>
           <a:p>
             <a:r>
-              <a:rPr lang="en-IN" sz="2400" b="1" u="sng" dirty="0">
-                <a:latin typeface="Candara" panose="020E0502030303020204" pitchFamily="34" charset="0"/>
+              <a:rPr lang="en-IN" sz="2400" b="1" u="sng" dirty="0" smtClean="0">
+                <a:solidFill>
+                  <a:schemeClr val="tx1"/>
+                </a:solidFill>
+                <a:latin typeface="Levenim MT" panose="02010502060101010101" pitchFamily="2" charset="-79"/>
+                <a:cs typeface="Levenim MT" panose="02010502060101010101" pitchFamily="2" charset="-79"/>
               </a:rPr>
-              <a:t>Problem solving</a:t>
+              <a:t>PROBLEM SOLVING</a:t>
             </a:r>
             <a:r>
-              <a:rPr lang="en-IN" sz="2400" b="1" dirty="0">
-                <a:latin typeface="Candara" panose="020E0502030303020204" pitchFamily="34" charset="0"/>
+              <a:rPr lang="en-IN" sz="2400" b="1" dirty="0" smtClean="0">
+                <a:solidFill>
+                  <a:schemeClr val="tx1"/>
+                </a:solidFill>
+                <a:latin typeface="Levenim MT" panose="02010502060101010101" pitchFamily="2" charset="-79"/>
+                <a:cs typeface="Levenim MT" panose="02010502060101010101" pitchFamily="2" charset="-79"/>
               </a:rPr>
               <a:t> </a:t>
             </a:r>
             <a:r>
+              <a:rPr lang="en-IN" sz="2400" dirty="0" smtClean="0">
+                <a:solidFill>
+                  <a:schemeClr val="tx1"/>
+                </a:solidFill>
+                <a:latin typeface="Levenim MT" panose="02010502060101010101" pitchFamily="2" charset="-79"/>
+                <a:cs typeface="Levenim MT" panose="02010502060101010101" pitchFamily="2" charset="-79"/>
+              </a:rPr>
+              <a:t>– </a:t>
+            </a:r>
+            <a:r>
               <a:rPr lang="en-IN" sz="2400" dirty="0">
-                <a:latin typeface="Candara" panose="020E0502030303020204" pitchFamily="34" charset="0"/>
+                <a:solidFill>
+                  <a:schemeClr val="tx1"/>
+                </a:solidFill>
+                <a:latin typeface="Levenim MT" panose="02010502060101010101" pitchFamily="2" charset="-79"/>
+                <a:cs typeface="Levenim MT" panose="02010502060101010101" pitchFamily="2" charset="-79"/>
               </a:rPr>
-              <a:t>– Brainstorming solutions to a community level problem</a:t>
+              <a:t>Brainstorming solutions to a community level problem</a:t>
             </a:r>
           </a:p>
           <a:p>
             <a:r>
-              <a:rPr lang="en-IN" sz="2400" b="1" u="sng" dirty="0">
-                <a:latin typeface="Candara" panose="020E0502030303020204" pitchFamily="34" charset="0"/>
+              <a:rPr lang="en-IN" sz="2400" b="1" u="sng" dirty="0" smtClean="0">
+                <a:solidFill>
+                  <a:schemeClr val="tx1"/>
+                </a:solidFill>
+                <a:latin typeface="Levenim MT" panose="02010502060101010101" pitchFamily="2" charset="-79"/>
+                <a:cs typeface="Levenim MT" panose="02010502060101010101" pitchFamily="2" charset="-79"/>
               </a:rPr>
-              <a:t>Crisis management</a:t>
+              <a:t>CRISIS MANAGEMENT</a:t>
+            </a:r>
+            <a:r>
+              <a:rPr lang="en-IN" sz="2400" dirty="0" smtClean="0">
+                <a:solidFill>
+                  <a:schemeClr val="tx1"/>
+                </a:solidFill>
+                <a:latin typeface="Levenim MT" panose="02010502060101010101" pitchFamily="2" charset="-79"/>
+                <a:cs typeface="Levenim MT" panose="02010502060101010101" pitchFamily="2" charset="-79"/>
+              </a:rPr>
+              <a:t> – </a:t>
             </a:r>
             <a:r>
               <a:rPr lang="en-IN" sz="2400" dirty="0">
-                <a:latin typeface="Candara" panose="020E0502030303020204" pitchFamily="34" charset="0"/>
+                <a:solidFill>
+                  <a:schemeClr val="tx1"/>
+                </a:solidFill>
+                <a:latin typeface="Levenim MT" panose="02010502060101010101" pitchFamily="2" charset="-79"/>
+                <a:cs typeface="Levenim MT" panose="02010502060101010101" pitchFamily="2" charset="-79"/>
               </a:rPr>
-              <a:t> – Program error crisis situation management during demos.</a:t>
+              <a:t>Program error crisis situation management during demos.</a:t>
             </a:r>
           </a:p>
           <a:p>
@@ -7962,11 +6914,17 @@
               <a:buNone/>
             </a:pPr>
             <a:endParaRPr lang="en-IN" b="1" dirty="0">
+              <a:solidFill>
+                <a:schemeClr val="tx1"/>
+              </a:solidFill>
               <a:latin typeface="Candara" panose="020E0502030303020204" pitchFamily="34" charset="0"/>
             </a:endParaRPr>
           </a:p>
           <a:p>
             <a:endParaRPr lang="en-IN" dirty="0">
+              <a:solidFill>
+                <a:schemeClr val="tx1"/>
+              </a:solidFill>
               <a:latin typeface="Candara" panose="020E0502030303020204" pitchFamily="34" charset="0"/>
             </a:endParaRPr>
           </a:p>
@@ -7977,7 +6935,7 @@
           <p:cNvPr id="4" name="Shape 79" descr="Picture1.png">
             <a:extLst>
               <a:ext uri="{FF2B5EF4-FFF2-40B4-BE49-F238E27FC236}">
-                <a16:creationId xmlns:a16="http://schemas.microsoft.com/office/drawing/2014/main" id="{D76F5189-4229-400F-96F0-A03232C05CBB}"/>
+                <a16:creationId xmlns:a16="http://schemas.microsoft.com/office/drawing/2014/main" xmlns="" id="{D76F5189-4229-400F-96F0-A03232C05CBB}"/>
               </a:ext>
             </a:extLst>
           </p:cNvPr>
@@ -8016,10 +6974,17 @@
   <p:clrMapOvr>
     <a:masterClrMapping/>
   </p:clrMapOvr>
+  <p:timing>
+    <p:tnLst>
+      <p:par>
+        <p:cTn id="1" dur="indefinite" restart="never" nodeType="tmRoot"/>
+      </p:par>
+    </p:tnLst>
+  </p:timing>
 </p:sld>
 </file>
 
-<file path=ppt/slides/slide9.xml><?xml version="1.0" encoding="utf-8"?>
+<file path=ppt/slides/slide8.xml><?xml version="1.0" encoding="utf-8"?>
 <p:sld xmlns:a="http://schemas.openxmlformats.org/drawingml/2006/main" xmlns:r="http://schemas.openxmlformats.org/officeDocument/2006/relationships" xmlns:p="http://schemas.openxmlformats.org/presentationml/2006/main">
   <p:cSld>
     <p:spTree>
@@ -8038,10 +7003,53 @@
       </p:grpSpPr>
       <p:sp>
         <p:nvSpPr>
+          <p:cNvPr id="2" name="Rectangle 1"/>
+          <p:cNvSpPr/>
+          <p:nvPr/>
+        </p:nvSpPr>
+        <p:spPr>
+          <a:xfrm>
+            <a:off x="0" y="0"/>
+            <a:ext cx="9144000" cy="5143500"/>
+          </a:xfrm>
+          <a:prstGeom prst="rect">
+            <a:avLst/>
+          </a:prstGeom>
+          <a:solidFill>
+            <a:schemeClr val="tx1"/>
+          </a:solidFill>
+        </p:spPr>
+        <p:style>
+          <a:lnRef idx="2">
+            <a:schemeClr val="accent1">
+              <a:shade val="50000"/>
+            </a:schemeClr>
+          </a:lnRef>
+          <a:fillRef idx="1">
+            <a:schemeClr val="accent1"/>
+          </a:fillRef>
+          <a:effectRef idx="0">
+            <a:schemeClr val="accent1"/>
+          </a:effectRef>
+          <a:fontRef idx="minor">
+            <a:schemeClr val="lt1"/>
+          </a:fontRef>
+        </p:style>
+        <p:txBody>
+          <a:bodyPr rtlCol="0" anchor="ctr"/>
+          <a:lstStyle/>
+          <a:p>
+            <a:pPr algn="ctr"/>
+            <a:endParaRPr lang="en-US"/>
+          </a:p>
+        </p:txBody>
+      </p:sp>
+      <p:sp>
+        <p:nvSpPr>
           <p:cNvPr id="3" name="Text Placeholder 2">
             <a:extLst>
               <a:ext uri="{FF2B5EF4-FFF2-40B4-BE49-F238E27FC236}">
-                <a16:creationId xmlns:a16="http://schemas.microsoft.com/office/drawing/2014/main" id="{68E325C0-4586-4773-ADC1-EBC0D8040A3A}"/>
+                <a16:creationId xmlns:a16="http://schemas.microsoft.com/office/drawing/2014/main" xmlns="" id="{68E325C0-4586-4773-ADC1-EBC0D8040A3A}"/>
               </a:ext>
             </a:extLst>
           </p:cNvPr>
@@ -8062,13 +7070,22 @@
           <a:bodyPr/>
           <a:lstStyle/>
           <a:p>
-            <a:pPr marL="114300" indent="0">
+            <a:pPr marL="114300" indent="0" algn="ctr">
               <a:buNone/>
             </a:pPr>
             <a:r>
-              <a:rPr lang="en-IN" sz="8800" b="1" dirty="0"/>
-              <a:t>Thank You!</a:t>
+              <a:rPr lang="en-IN" sz="8000" b="1" dirty="0" smtClean="0">
+                <a:solidFill>
+                  <a:schemeClr val="bg1"/>
+                </a:solidFill>
+              </a:rPr>
+              <a:t>THANK YOU</a:t>
             </a:r>
+            <a:endParaRPr lang="en-IN" sz="8000" b="1" dirty="0">
+              <a:solidFill>
+                <a:schemeClr val="bg1"/>
+              </a:solidFill>
+            </a:endParaRPr>
           </a:p>
         </p:txBody>
       </p:sp>
@@ -8077,7 +7094,7 @@
           <p:cNvPr id="4" name="Shape 55" descr="logo2.png">
             <a:extLst>
               <a:ext uri="{FF2B5EF4-FFF2-40B4-BE49-F238E27FC236}">
-                <a16:creationId xmlns:a16="http://schemas.microsoft.com/office/drawing/2014/main" id="{97ECB9DF-0EF5-4061-BB37-5EC021BC250C}"/>
+                <a16:creationId xmlns:a16="http://schemas.microsoft.com/office/drawing/2014/main" xmlns="" id="{97ECB9DF-0EF5-4061-BB37-5EC021BC250C}"/>
               </a:ext>
             </a:extLst>
           </p:cNvPr>
@@ -8087,13 +7104,26 @@
         <p:blipFill rotWithShape="1">
           <a:blip r:embed="rId2">
             <a:alphaModFix/>
+            <a:extLst>
+              <a:ext uri="{BEBA8EAE-BF5A-486C-A8C5-ECC9F3942E4B}">
+                <a14:imgProps xmlns:a14="http://schemas.microsoft.com/office/drawing/2010/main">
+                  <a14:imgLayer r:embed="rId3">
+                    <a14:imgEffect>
+                      <a14:backgroundRemoval t="5682" b="93409" l="6591" r="94318">
+                        <a14:foregroundMark x1="35455" y1="39318" x2="35455" y2="39318"/>
+                      </a14:backgroundRemoval>
+                    </a14:imgEffect>
+                  </a14:imgLayer>
+                </a14:imgProps>
+              </a:ext>
+            </a:extLst>
           </a:blip>
           <a:srcRect l="6364" t="5381" r="5602" b="7347"/>
           <a:stretch/>
         </p:blipFill>
         <p:spPr>
           <a:xfrm>
-            <a:off x="2910662" y="1656021"/>
+            <a:off x="2910661" y="1623364"/>
             <a:ext cx="3322675" cy="3213691"/>
           </a:xfrm>
           <a:prstGeom prst="rect">
@@ -8115,6 +7145,13 @@
   <p:clrMapOvr>
     <a:masterClrMapping/>
   </p:clrMapOvr>
+  <p:timing>
+    <p:tnLst>
+      <p:par>
+        <p:cTn id="1" dur="indefinite" restart="never" nodeType="tmRoot"/>
+      </p:par>
+    </p:tnLst>
+  </p:timing>
 </p:sld>
 </file>
 

--- a/Status report.pptx
+++ b/Status report.pptx
@@ -5,30 +5,33 @@
     <p:sldMasterId id="2147483659" r:id="rId1"/>
   </p:sldMasterIdLst>
   <p:notesMasterIdLst>
-    <p:notesMasterId r:id="rId10"/>
+    <p:notesMasterId r:id="rId6"/>
   </p:notesMasterIdLst>
   <p:sldIdLst>
-    <p:sldId id="256" r:id="rId2"/>
-    <p:sldId id="269" r:id="rId3"/>
-    <p:sldId id="257" r:id="rId4"/>
-    <p:sldId id="260" r:id="rId5"/>
-    <p:sldId id="261" r:id="rId6"/>
-    <p:sldId id="272" r:id="rId7"/>
-    <p:sldId id="270" r:id="rId8"/>
-    <p:sldId id="271" r:id="rId9"/>
+    <p:sldId id="269" r:id="rId2"/>
+    <p:sldId id="261" r:id="rId3"/>
+    <p:sldId id="272" r:id="rId4"/>
+    <p:sldId id="270" r:id="rId5"/>
   </p:sldIdLst>
   <p:sldSz cx="9144000" cy="5143500" type="screen16x9"/>
   <p:notesSz cx="6858000" cy="9144000"/>
   <p:embeddedFontLst>
     <p:embeddedFont>
+      <p:font typeface="Oswald"/>
+      <p:regular r:id="rId7"/>
+      <p:bold r:id="rId8"/>
+    </p:embeddedFont>
+    <p:embeddedFont>
       <p:font typeface="Comfortaa" panose="020B0604020202020204" charset="0"/>
+      <p:regular r:id="rId9"/>
+      <p:bold r:id="rId10"/>
+    </p:embeddedFont>
+    <p:embeddedFont>
+      <p:font typeface="Lato" panose="020B0604020202020204" charset="0"/>
       <p:regular r:id="rId11"/>
       <p:bold r:id="rId12"/>
-    </p:embeddedFont>
-    <p:embeddedFont>
-      <p:font typeface="Oswald"/>
-      <p:regular r:id="rId13"/>
-      <p:bold r:id="rId14"/>
+      <p:italic r:id="rId13"/>
+      <p:boldItalic r:id="rId14"/>
     </p:embeddedFont>
     <p:embeddedFont>
       <p:font typeface="Trebuchet MS" panose="020B0603020202020204" pitchFamily="34" charset="0"/>
@@ -45,21 +48,9 @@
       <p:boldItalic r:id="rId22"/>
     </p:embeddedFont>
     <p:embeddedFont>
-      <p:font typeface="Lato" panose="020B0604020202020204" charset="0"/>
+      <p:font typeface="Levenim MT" panose="02010502060101010101" pitchFamily="2" charset="-79"/>
       <p:regular r:id="rId23"/>
       <p:bold r:id="rId24"/>
-      <p:italic r:id="rId25"/>
-      <p:boldItalic r:id="rId26"/>
-    </p:embeddedFont>
-    <p:embeddedFont>
-      <p:font typeface="Lato Black" panose="020B0604020202020204" charset="0"/>
-      <p:bold r:id="rId27"/>
-      <p:boldItalic r:id="rId28"/>
-    </p:embeddedFont>
-    <p:embeddedFont>
-      <p:font typeface="Levenim MT" panose="02010502060101010101" pitchFamily="2" charset="-79"/>
-      <p:regular r:id="rId29"/>
-      <p:bold r:id="rId30"/>
     </p:embeddedFont>
   </p:embeddedFontLst>
   <p:defaultTextStyle>
@@ -588,333 +579,6 @@
   <p:cSld>
     <p:spTree>
       <p:nvGrpSpPr>
-        <p:cNvPr id="1" name="Shape 50"/>
-        <p:cNvGrpSpPr/>
-        <p:nvPr/>
-      </p:nvGrpSpPr>
-      <p:grpSpPr>
-        <a:xfrm>
-          <a:off x="0" y="0"/>
-          <a:ext cx="0" cy="0"/>
-          <a:chOff x="0" y="0"/>
-          <a:chExt cx="0" cy="0"/>
-        </a:xfrm>
-      </p:grpSpPr>
-      <p:sp>
-        <p:nvSpPr>
-          <p:cNvPr id="51" name="Shape 51"/>
-          <p:cNvSpPr>
-            <a:spLocks noGrp="1" noRot="1" noChangeAspect="1"/>
-          </p:cNvSpPr>
-          <p:nvPr>
-            <p:ph type="sldImg" idx="2"/>
-          </p:nvPr>
-        </p:nvSpPr>
-        <p:spPr>
-          <a:xfrm>
-            <a:off x="381000" y="685800"/>
-            <a:ext cx="6096000" cy="3429000"/>
-          </a:xfrm>
-          <a:custGeom>
-            <a:avLst/>
-            <a:gdLst/>
-            <a:ahLst/>
-            <a:cxnLst/>
-            <a:rect l="0" t="0" r="0" b="0"/>
-            <a:pathLst>
-              <a:path w="120000" h="120000" extrusionOk="0">
-                <a:moveTo>
-                  <a:pt x="0" y="0"/>
-                </a:moveTo>
-                <a:lnTo>
-                  <a:pt x="120000" y="0"/>
-                </a:lnTo>
-                <a:lnTo>
-                  <a:pt x="120000" y="120000"/>
-                </a:lnTo>
-                <a:lnTo>
-                  <a:pt x="0" y="120000"/>
-                </a:lnTo>
-                <a:close/>
-              </a:path>
-            </a:pathLst>
-          </a:custGeom>
-        </p:spPr>
-      </p:sp>
-      <p:sp>
-        <p:nvSpPr>
-          <p:cNvPr id="52" name="Shape 52"/>
-          <p:cNvSpPr txBox="1">
-            <a:spLocks noGrp="1"/>
-          </p:cNvSpPr>
-          <p:nvPr>
-            <p:ph type="body" idx="1"/>
-          </p:nvPr>
-        </p:nvSpPr>
-        <p:spPr>
-          <a:xfrm>
-            <a:off x="685800" y="4343400"/>
-            <a:ext cx="5486400" cy="4114800"/>
-          </a:xfrm>
-          <a:prstGeom prst="rect">
-            <a:avLst/>
-          </a:prstGeom>
-        </p:spPr>
-        <p:txBody>
-          <a:bodyPr wrap="square" lIns="91425" tIns="91425" rIns="91425" bIns="91425" anchor="t" anchorCtr="0">
-            <a:noAutofit/>
-          </a:bodyPr>
-          <a:lstStyle/>
-          <a:p>
-            <a:pPr marL="0" lvl="0" indent="0">
-              <a:spcBef>
-                <a:spcPts val="0"/>
-              </a:spcBef>
-              <a:spcAft>
-                <a:spcPts val="0"/>
-              </a:spcAft>
-              <a:buNone/>
-            </a:pPr>
-            <a:endParaRPr/>
-          </a:p>
-        </p:txBody>
-      </p:sp>
-    </p:spTree>
-    <p:extLst>
-      <p:ext uri="{BB962C8B-B14F-4D97-AF65-F5344CB8AC3E}">
-        <p14:creationId xmlns:p14="http://schemas.microsoft.com/office/powerpoint/2010/main" val="1985634994"/>
-      </p:ext>
-    </p:extLst>
-  </p:cSld>
-  <p:clrMapOvr>
-    <a:masterClrMapping/>
-  </p:clrMapOvr>
-</p:notes>
-</file>
-
-<file path=ppt/notesSlides/notesSlide2.xml><?xml version="1.0" encoding="utf-8"?>
-<p:notes xmlns:a="http://schemas.openxmlformats.org/drawingml/2006/main" xmlns:r="http://schemas.openxmlformats.org/officeDocument/2006/relationships" xmlns:p="http://schemas.openxmlformats.org/presentationml/2006/main" showMasterSp="0" showMasterPhAnim="0">
-  <p:cSld>
-    <p:spTree>
-      <p:nvGrpSpPr>
-        <p:cNvPr id="1" name="Shape 57"/>
-        <p:cNvGrpSpPr/>
-        <p:nvPr/>
-      </p:nvGrpSpPr>
-      <p:grpSpPr>
-        <a:xfrm>
-          <a:off x="0" y="0"/>
-          <a:ext cx="0" cy="0"/>
-          <a:chOff x="0" y="0"/>
-          <a:chExt cx="0" cy="0"/>
-        </a:xfrm>
-      </p:grpSpPr>
-      <p:sp>
-        <p:nvSpPr>
-          <p:cNvPr id="58" name="Shape 58"/>
-          <p:cNvSpPr>
-            <a:spLocks noGrp="1" noRot="1" noChangeAspect="1"/>
-          </p:cNvSpPr>
-          <p:nvPr>
-            <p:ph type="sldImg" idx="2"/>
-          </p:nvPr>
-        </p:nvSpPr>
-        <p:spPr>
-          <a:xfrm>
-            <a:off x="381000" y="685800"/>
-            <a:ext cx="6096000" cy="3429000"/>
-          </a:xfrm>
-          <a:custGeom>
-            <a:avLst/>
-            <a:gdLst/>
-            <a:ahLst/>
-            <a:cxnLst/>
-            <a:rect l="0" t="0" r="0" b="0"/>
-            <a:pathLst>
-              <a:path w="120000" h="120000" extrusionOk="0">
-                <a:moveTo>
-                  <a:pt x="0" y="0"/>
-                </a:moveTo>
-                <a:lnTo>
-                  <a:pt x="120000" y="0"/>
-                </a:lnTo>
-                <a:lnTo>
-                  <a:pt x="120000" y="120000"/>
-                </a:lnTo>
-                <a:lnTo>
-                  <a:pt x="0" y="120000"/>
-                </a:lnTo>
-                <a:close/>
-              </a:path>
-            </a:pathLst>
-          </a:custGeom>
-        </p:spPr>
-      </p:sp>
-      <p:sp>
-        <p:nvSpPr>
-          <p:cNvPr id="59" name="Shape 59"/>
-          <p:cNvSpPr txBox="1">
-            <a:spLocks noGrp="1"/>
-          </p:cNvSpPr>
-          <p:nvPr>
-            <p:ph type="body" idx="1"/>
-          </p:nvPr>
-        </p:nvSpPr>
-        <p:spPr>
-          <a:xfrm>
-            <a:off x="685800" y="4343400"/>
-            <a:ext cx="5486400" cy="4114800"/>
-          </a:xfrm>
-          <a:prstGeom prst="rect">
-            <a:avLst/>
-          </a:prstGeom>
-        </p:spPr>
-        <p:txBody>
-          <a:bodyPr wrap="square" lIns="91425" tIns="91425" rIns="91425" bIns="91425" anchor="t" anchorCtr="0">
-            <a:noAutofit/>
-          </a:bodyPr>
-          <a:lstStyle/>
-          <a:p>
-            <a:pPr marL="0" lvl="0" indent="0" rtl="0">
-              <a:spcBef>
-                <a:spcPts val="0"/>
-              </a:spcBef>
-              <a:spcAft>
-                <a:spcPts val="0"/>
-              </a:spcAft>
-              <a:buNone/>
-            </a:pPr>
-            <a:endParaRPr/>
-          </a:p>
-        </p:txBody>
-      </p:sp>
-    </p:spTree>
-    <p:extLst>
-      <p:ext uri="{BB962C8B-B14F-4D97-AF65-F5344CB8AC3E}">
-        <p14:creationId xmlns:p14="http://schemas.microsoft.com/office/powerpoint/2010/main" val="3734422515"/>
-      </p:ext>
-    </p:extLst>
-  </p:cSld>
-  <p:clrMapOvr>
-    <a:masterClrMapping/>
-  </p:clrMapOvr>
-</p:notes>
-</file>
-
-<file path=ppt/notesSlides/notesSlide3.xml><?xml version="1.0" encoding="utf-8"?>
-<p:notes xmlns:a="http://schemas.openxmlformats.org/drawingml/2006/main" xmlns:r="http://schemas.openxmlformats.org/officeDocument/2006/relationships" xmlns:p="http://schemas.openxmlformats.org/presentationml/2006/main" showMasterSp="0" showMasterPhAnim="0">
-  <p:cSld>
-    <p:spTree>
-      <p:nvGrpSpPr>
-        <p:cNvPr id="1" name="Shape 80"/>
-        <p:cNvGrpSpPr/>
-        <p:nvPr/>
-      </p:nvGrpSpPr>
-      <p:grpSpPr>
-        <a:xfrm>
-          <a:off x="0" y="0"/>
-          <a:ext cx="0" cy="0"/>
-          <a:chOff x="0" y="0"/>
-          <a:chExt cx="0" cy="0"/>
-        </a:xfrm>
-      </p:grpSpPr>
-      <p:sp>
-        <p:nvSpPr>
-          <p:cNvPr id="81" name="Shape 81"/>
-          <p:cNvSpPr>
-            <a:spLocks noGrp="1" noRot="1" noChangeAspect="1"/>
-          </p:cNvSpPr>
-          <p:nvPr>
-            <p:ph type="sldImg" idx="2"/>
-          </p:nvPr>
-        </p:nvSpPr>
-        <p:spPr>
-          <a:xfrm>
-            <a:off x="381000" y="685800"/>
-            <a:ext cx="6096000" cy="3429000"/>
-          </a:xfrm>
-          <a:custGeom>
-            <a:avLst/>
-            <a:gdLst/>
-            <a:ahLst/>
-            <a:cxnLst/>
-            <a:rect l="0" t="0" r="0" b="0"/>
-            <a:pathLst>
-              <a:path w="120000" h="120000" extrusionOk="0">
-                <a:moveTo>
-                  <a:pt x="0" y="0"/>
-                </a:moveTo>
-                <a:lnTo>
-                  <a:pt x="120000" y="0"/>
-                </a:lnTo>
-                <a:lnTo>
-                  <a:pt x="120000" y="120000"/>
-                </a:lnTo>
-                <a:lnTo>
-                  <a:pt x="0" y="120000"/>
-                </a:lnTo>
-                <a:close/>
-              </a:path>
-            </a:pathLst>
-          </a:custGeom>
-        </p:spPr>
-      </p:sp>
-      <p:sp>
-        <p:nvSpPr>
-          <p:cNvPr id="82" name="Shape 82"/>
-          <p:cNvSpPr txBox="1">
-            <a:spLocks noGrp="1"/>
-          </p:cNvSpPr>
-          <p:nvPr>
-            <p:ph type="body" idx="1"/>
-          </p:nvPr>
-        </p:nvSpPr>
-        <p:spPr>
-          <a:xfrm>
-            <a:off x="685800" y="4343400"/>
-            <a:ext cx="5486400" cy="4114800"/>
-          </a:xfrm>
-          <a:prstGeom prst="rect">
-            <a:avLst/>
-          </a:prstGeom>
-        </p:spPr>
-        <p:txBody>
-          <a:bodyPr wrap="square" lIns="91425" tIns="91425" rIns="91425" bIns="91425" anchor="t" anchorCtr="0">
-            <a:noAutofit/>
-          </a:bodyPr>
-          <a:lstStyle/>
-          <a:p>
-            <a:pPr marL="0" lvl="0" indent="0">
-              <a:spcBef>
-                <a:spcPts val="0"/>
-              </a:spcBef>
-              <a:spcAft>
-                <a:spcPts val="0"/>
-              </a:spcAft>
-              <a:buNone/>
-            </a:pPr>
-            <a:endParaRPr/>
-          </a:p>
-        </p:txBody>
-      </p:sp>
-    </p:spTree>
-    <p:extLst>
-      <p:ext uri="{BB962C8B-B14F-4D97-AF65-F5344CB8AC3E}">
-        <p14:creationId xmlns:p14="http://schemas.microsoft.com/office/powerpoint/2010/main" val="848466967"/>
-      </p:ext>
-    </p:extLst>
-  </p:cSld>
-  <p:clrMapOvr>
-    <a:masterClrMapping/>
-  </p:clrMapOvr>
-</p:notes>
-</file>
-
-<file path=ppt/notesSlides/notesSlide4.xml><?xml version="1.0" encoding="utf-8"?>
-<p:notes xmlns:a="http://schemas.openxmlformats.org/drawingml/2006/main" xmlns:r="http://schemas.openxmlformats.org/officeDocument/2006/relationships" xmlns:p="http://schemas.openxmlformats.org/presentationml/2006/main" showMasterSp="0" showMasterPhAnim="0">
-  <p:cSld>
-    <p:spTree>
-      <p:nvGrpSpPr>
         <p:cNvPr id="1" name="Shape 88"/>
         <p:cNvGrpSpPr/>
         <p:nvPr/>
@@ -993,6 +657,73 @@
           </a:bodyPr>
           <a:lstStyle/>
           <a:p>
+            <a:pPr marL="0" lvl="0" indent="0" rtl="0">
+              <a:spcBef>
+                <a:spcPts val="1600"/>
+              </a:spcBef>
+              <a:spcAft>
+                <a:spcPts val="0"/>
+              </a:spcAft>
+              <a:buNone/>
+            </a:pPr>
+            <a:r>
+              <a:rPr lang="en-US" sz="1200" b="1" dirty="0" smtClean="0">
+                <a:solidFill>
+                  <a:srgbClr val="000000"/>
+                </a:solidFill>
+                <a:latin typeface="Candara" panose="020E0502030303020204" pitchFamily="34" charset="0"/>
+                <a:ea typeface="Trebuchet MS"/>
+                <a:cs typeface="Trebuchet MS"/>
+                <a:sym typeface="Trebuchet MS"/>
+              </a:rPr>
+              <a:t>AMBULANE</a:t>
+            </a:r>
+            <a:r>
+              <a:rPr lang="en-US" sz="1100" b="1" dirty="0" smtClean="0">
+                <a:solidFill>
+                  <a:srgbClr val="000000"/>
+                </a:solidFill>
+                <a:latin typeface="Candara" panose="020E0502030303020204" pitchFamily="34" charset="0"/>
+                <a:ea typeface="Comfortaa"/>
+                <a:cs typeface="Comfortaa"/>
+                <a:sym typeface="Comfortaa"/>
+              </a:rPr>
+              <a:t> is a public service app designed to effectively reduce the inconveniences faced by ambulances on Indian roads, thus potentially saving lives.</a:t>
+            </a:r>
+          </a:p>
+          <a:p>
+            <a:pPr marL="0" lvl="0" indent="0" rtl="0">
+              <a:spcBef>
+                <a:spcPts val="1600"/>
+              </a:spcBef>
+              <a:spcAft>
+                <a:spcPts val="0"/>
+              </a:spcAft>
+              <a:buNone/>
+            </a:pPr>
+            <a:endParaRPr lang="en-US" sz="1100" b="1" dirty="0" smtClean="0">
+              <a:solidFill>
+                <a:srgbClr val="000000"/>
+              </a:solidFill>
+              <a:latin typeface="Lato"/>
+              <a:ea typeface="Lato"/>
+              <a:cs typeface="Lato"/>
+              <a:sym typeface="Lato"/>
+            </a:endParaRPr>
+          </a:p>
+          <a:p>
+            <a:pPr marL="0" lvl="0" indent="0" rtl="0">
+              <a:spcBef>
+                <a:spcPts val="1600"/>
+              </a:spcBef>
+              <a:spcAft>
+                <a:spcPts val="0"/>
+              </a:spcAft>
+              <a:buNone/>
+            </a:pPr>
+            <a:endParaRPr lang="en-US" b="1" dirty="0" smtClean="0"/>
+          </a:p>
+          <a:p>
             <a:pPr marL="0" lvl="0" indent="0">
               <a:spcBef>
                 <a:spcPts val="0"/>
@@ -1002,7 +733,7 @@
               </a:spcAft>
               <a:buNone/>
             </a:pPr>
-            <a:endParaRPr/>
+            <a:endParaRPr dirty="0"/>
           </a:p>
         </p:txBody>
       </p:sp>
@@ -2847,521 +2578,6 @@
 
 <file path=ppt/slideLayouts/slideLayout7.xml><?xml version="1.0" encoding="utf-8"?>
 <p:sldLayout xmlns:a="http://schemas.openxmlformats.org/drawingml/2006/main" xmlns:r="http://schemas.openxmlformats.org/officeDocument/2006/relationships" xmlns:p="http://schemas.openxmlformats.org/presentationml/2006/main">
-  <p:cSld name="Section title and description">
-    <p:spTree>
-      <p:nvGrpSpPr>
-        <p:cNvPr id="1" name="Shape 35"/>
-        <p:cNvGrpSpPr/>
-        <p:nvPr/>
-      </p:nvGrpSpPr>
-      <p:grpSpPr>
-        <a:xfrm>
-          <a:off x="0" y="0"/>
-          <a:ext cx="0" cy="0"/>
-          <a:chOff x="0" y="0"/>
-          <a:chExt cx="0" cy="0"/>
-        </a:xfrm>
-      </p:grpSpPr>
-      <p:sp>
-        <p:nvSpPr>
-          <p:cNvPr id="36" name="Shape 36"/>
-          <p:cNvSpPr/>
-          <p:nvPr/>
-        </p:nvSpPr>
-        <p:spPr>
-          <a:xfrm>
-            <a:off x="4572000" y="-125"/>
-            <a:ext cx="4572000" cy="5143500"/>
-          </a:xfrm>
-          <a:prstGeom prst="rect">
-            <a:avLst/>
-          </a:prstGeom>
-          <a:solidFill>
-            <a:schemeClr val="lt2"/>
-          </a:solidFill>
-          <a:ln>
-            <a:noFill/>
-          </a:ln>
-        </p:spPr>
-        <p:txBody>
-          <a:bodyPr wrap="square" lIns="91425" tIns="91425" rIns="91425" bIns="91425" anchor="ctr" anchorCtr="0">
-            <a:noAutofit/>
-          </a:bodyPr>
-          <a:lstStyle/>
-          <a:p>
-            <a:pPr marL="0" lvl="0" indent="0">
-              <a:spcBef>
-                <a:spcPts val="0"/>
-              </a:spcBef>
-              <a:spcAft>
-                <a:spcPts val="0"/>
-              </a:spcAft>
-              <a:buNone/>
-            </a:pPr>
-            <a:endParaRPr/>
-          </a:p>
-        </p:txBody>
-      </p:sp>
-      <p:sp>
-        <p:nvSpPr>
-          <p:cNvPr id="37" name="Shape 37"/>
-          <p:cNvSpPr txBox="1">
-            <a:spLocks noGrp="1"/>
-          </p:cNvSpPr>
-          <p:nvPr>
-            <p:ph type="title"/>
-          </p:nvPr>
-        </p:nvSpPr>
-        <p:spPr>
-          <a:xfrm>
-            <a:off x="265500" y="1233175"/>
-            <a:ext cx="4045200" cy="1482300"/>
-          </a:xfrm>
-          <a:prstGeom prst="rect">
-            <a:avLst/>
-          </a:prstGeom>
-        </p:spPr>
-        <p:txBody>
-          <a:bodyPr wrap="square" lIns="91425" tIns="91425" rIns="91425" bIns="91425" anchor="b" anchorCtr="0"/>
-          <a:lstStyle>
-            <a:lvl1pPr lvl="0" algn="ctr">
-              <a:spcBef>
-                <a:spcPts val="0"/>
-              </a:spcBef>
-              <a:spcAft>
-                <a:spcPts val="0"/>
-              </a:spcAft>
-              <a:buSzPts val="4200"/>
-              <a:buNone/>
-              <a:defRPr sz="4200"/>
-            </a:lvl1pPr>
-            <a:lvl2pPr lvl="1" algn="ctr">
-              <a:spcBef>
-                <a:spcPts val="0"/>
-              </a:spcBef>
-              <a:spcAft>
-                <a:spcPts val="0"/>
-              </a:spcAft>
-              <a:buSzPts val="4200"/>
-              <a:buNone/>
-              <a:defRPr sz="4200"/>
-            </a:lvl2pPr>
-            <a:lvl3pPr lvl="2" algn="ctr">
-              <a:spcBef>
-                <a:spcPts val="0"/>
-              </a:spcBef>
-              <a:spcAft>
-                <a:spcPts val="0"/>
-              </a:spcAft>
-              <a:buSzPts val="4200"/>
-              <a:buNone/>
-              <a:defRPr sz="4200"/>
-            </a:lvl3pPr>
-            <a:lvl4pPr lvl="3" algn="ctr">
-              <a:spcBef>
-                <a:spcPts val="0"/>
-              </a:spcBef>
-              <a:spcAft>
-                <a:spcPts val="0"/>
-              </a:spcAft>
-              <a:buSzPts val="4200"/>
-              <a:buNone/>
-              <a:defRPr sz="4200"/>
-            </a:lvl4pPr>
-            <a:lvl5pPr lvl="4" algn="ctr">
-              <a:spcBef>
-                <a:spcPts val="0"/>
-              </a:spcBef>
-              <a:spcAft>
-                <a:spcPts val="0"/>
-              </a:spcAft>
-              <a:buSzPts val="4200"/>
-              <a:buNone/>
-              <a:defRPr sz="4200"/>
-            </a:lvl5pPr>
-            <a:lvl6pPr lvl="5" algn="ctr">
-              <a:spcBef>
-                <a:spcPts val="0"/>
-              </a:spcBef>
-              <a:spcAft>
-                <a:spcPts val="0"/>
-              </a:spcAft>
-              <a:buSzPts val="4200"/>
-              <a:buNone/>
-              <a:defRPr sz="4200"/>
-            </a:lvl6pPr>
-            <a:lvl7pPr lvl="6" algn="ctr">
-              <a:spcBef>
-                <a:spcPts val="0"/>
-              </a:spcBef>
-              <a:spcAft>
-                <a:spcPts val="0"/>
-              </a:spcAft>
-              <a:buSzPts val="4200"/>
-              <a:buNone/>
-              <a:defRPr sz="4200"/>
-            </a:lvl7pPr>
-            <a:lvl8pPr lvl="7" algn="ctr">
-              <a:spcBef>
-                <a:spcPts val="0"/>
-              </a:spcBef>
-              <a:spcAft>
-                <a:spcPts val="0"/>
-              </a:spcAft>
-              <a:buSzPts val="4200"/>
-              <a:buNone/>
-              <a:defRPr sz="4200"/>
-            </a:lvl8pPr>
-            <a:lvl9pPr lvl="8" algn="ctr">
-              <a:spcBef>
-                <a:spcPts val="0"/>
-              </a:spcBef>
-              <a:spcAft>
-                <a:spcPts val="0"/>
-              </a:spcAft>
-              <a:buSzPts val="4200"/>
-              <a:buNone/>
-              <a:defRPr sz="4200"/>
-            </a:lvl9pPr>
-          </a:lstStyle>
-          <a:p>
-            <a:endParaRPr/>
-          </a:p>
-        </p:txBody>
-      </p:sp>
-      <p:sp>
-        <p:nvSpPr>
-          <p:cNvPr id="38" name="Shape 38"/>
-          <p:cNvSpPr txBox="1">
-            <a:spLocks noGrp="1"/>
-          </p:cNvSpPr>
-          <p:nvPr>
-            <p:ph type="subTitle" idx="1"/>
-          </p:nvPr>
-        </p:nvSpPr>
-        <p:spPr>
-          <a:xfrm>
-            <a:off x="265500" y="2803075"/>
-            <a:ext cx="4045200" cy="1235100"/>
-          </a:xfrm>
-          <a:prstGeom prst="rect">
-            <a:avLst/>
-          </a:prstGeom>
-        </p:spPr>
-        <p:txBody>
-          <a:bodyPr wrap="square" lIns="91425" tIns="91425" rIns="91425" bIns="91425" anchor="t" anchorCtr="0"/>
-          <a:lstStyle>
-            <a:lvl1pPr lvl="0" algn="ctr">
-              <a:lnSpc>
-                <a:spcPct val="100000"/>
-              </a:lnSpc>
-              <a:spcBef>
-                <a:spcPts val="0"/>
-              </a:spcBef>
-              <a:spcAft>
-                <a:spcPts val="0"/>
-              </a:spcAft>
-              <a:buSzPts val="2100"/>
-              <a:buNone/>
-              <a:defRPr sz="2100"/>
-            </a:lvl1pPr>
-            <a:lvl2pPr lvl="1" algn="ctr">
-              <a:lnSpc>
-                <a:spcPct val="100000"/>
-              </a:lnSpc>
-              <a:spcBef>
-                <a:spcPts val="0"/>
-              </a:spcBef>
-              <a:spcAft>
-                <a:spcPts val="0"/>
-              </a:spcAft>
-              <a:buSzPts val="2100"/>
-              <a:buNone/>
-              <a:defRPr sz="2100"/>
-            </a:lvl2pPr>
-            <a:lvl3pPr lvl="2" algn="ctr">
-              <a:lnSpc>
-                <a:spcPct val="100000"/>
-              </a:lnSpc>
-              <a:spcBef>
-                <a:spcPts val="0"/>
-              </a:spcBef>
-              <a:spcAft>
-                <a:spcPts val="0"/>
-              </a:spcAft>
-              <a:buSzPts val="2100"/>
-              <a:buNone/>
-              <a:defRPr sz="2100"/>
-            </a:lvl3pPr>
-            <a:lvl4pPr lvl="3" algn="ctr">
-              <a:lnSpc>
-                <a:spcPct val="100000"/>
-              </a:lnSpc>
-              <a:spcBef>
-                <a:spcPts val="0"/>
-              </a:spcBef>
-              <a:spcAft>
-                <a:spcPts val="0"/>
-              </a:spcAft>
-              <a:buSzPts val="2100"/>
-              <a:buNone/>
-              <a:defRPr sz="2100"/>
-            </a:lvl4pPr>
-            <a:lvl5pPr lvl="4" algn="ctr">
-              <a:lnSpc>
-                <a:spcPct val="100000"/>
-              </a:lnSpc>
-              <a:spcBef>
-                <a:spcPts val="0"/>
-              </a:spcBef>
-              <a:spcAft>
-                <a:spcPts val="0"/>
-              </a:spcAft>
-              <a:buSzPts val="2100"/>
-              <a:buNone/>
-              <a:defRPr sz="2100"/>
-            </a:lvl5pPr>
-            <a:lvl6pPr lvl="5" algn="ctr">
-              <a:lnSpc>
-                <a:spcPct val="100000"/>
-              </a:lnSpc>
-              <a:spcBef>
-                <a:spcPts val="0"/>
-              </a:spcBef>
-              <a:spcAft>
-                <a:spcPts val="0"/>
-              </a:spcAft>
-              <a:buSzPts val="2100"/>
-              <a:buNone/>
-              <a:defRPr sz="2100"/>
-            </a:lvl6pPr>
-            <a:lvl7pPr lvl="6" algn="ctr">
-              <a:lnSpc>
-                <a:spcPct val="100000"/>
-              </a:lnSpc>
-              <a:spcBef>
-                <a:spcPts val="0"/>
-              </a:spcBef>
-              <a:spcAft>
-                <a:spcPts val="0"/>
-              </a:spcAft>
-              <a:buSzPts val="2100"/>
-              <a:buNone/>
-              <a:defRPr sz="2100"/>
-            </a:lvl7pPr>
-            <a:lvl8pPr lvl="7" algn="ctr">
-              <a:lnSpc>
-                <a:spcPct val="100000"/>
-              </a:lnSpc>
-              <a:spcBef>
-                <a:spcPts val="0"/>
-              </a:spcBef>
-              <a:spcAft>
-                <a:spcPts val="0"/>
-              </a:spcAft>
-              <a:buSzPts val="2100"/>
-              <a:buNone/>
-              <a:defRPr sz="2100"/>
-            </a:lvl8pPr>
-            <a:lvl9pPr lvl="8" algn="ctr">
-              <a:lnSpc>
-                <a:spcPct val="100000"/>
-              </a:lnSpc>
-              <a:spcBef>
-                <a:spcPts val="0"/>
-              </a:spcBef>
-              <a:spcAft>
-                <a:spcPts val="0"/>
-              </a:spcAft>
-              <a:buSzPts val="2100"/>
-              <a:buNone/>
-              <a:defRPr sz="2100"/>
-            </a:lvl9pPr>
-          </a:lstStyle>
-          <a:p>
-            <a:endParaRPr/>
-          </a:p>
-        </p:txBody>
-      </p:sp>
-      <p:sp>
-        <p:nvSpPr>
-          <p:cNvPr id="39" name="Shape 39"/>
-          <p:cNvSpPr txBox="1">
-            <a:spLocks noGrp="1"/>
-          </p:cNvSpPr>
-          <p:nvPr>
-            <p:ph type="body" idx="2"/>
-          </p:nvPr>
-        </p:nvSpPr>
-        <p:spPr>
-          <a:xfrm>
-            <a:off x="4939500" y="724075"/>
-            <a:ext cx="3837000" cy="3695100"/>
-          </a:xfrm>
-          <a:prstGeom prst="rect">
-            <a:avLst/>
-          </a:prstGeom>
-        </p:spPr>
-        <p:txBody>
-          <a:bodyPr wrap="square" lIns="91425" tIns="91425" rIns="91425" bIns="91425" anchor="ctr" anchorCtr="0"/>
-          <a:lstStyle>
-            <a:lvl1pPr marL="457200" lvl="0" indent="-342900">
-              <a:spcBef>
-                <a:spcPts val="0"/>
-              </a:spcBef>
-              <a:spcAft>
-                <a:spcPts val="0"/>
-              </a:spcAft>
-              <a:buSzPts val="1800"/>
-              <a:buChar char="●"/>
-              <a:defRPr/>
-            </a:lvl1pPr>
-            <a:lvl2pPr marL="914400" lvl="1" indent="-317500">
-              <a:spcBef>
-                <a:spcPts val="1600"/>
-              </a:spcBef>
-              <a:spcAft>
-                <a:spcPts val="0"/>
-              </a:spcAft>
-              <a:buSzPts val="1400"/>
-              <a:buChar char="○"/>
-              <a:defRPr/>
-            </a:lvl2pPr>
-            <a:lvl3pPr marL="1371600" lvl="2" indent="-317500">
-              <a:spcBef>
-                <a:spcPts val="1600"/>
-              </a:spcBef>
-              <a:spcAft>
-                <a:spcPts val="0"/>
-              </a:spcAft>
-              <a:buSzPts val="1400"/>
-              <a:buChar char="■"/>
-              <a:defRPr/>
-            </a:lvl3pPr>
-            <a:lvl4pPr marL="1828800" lvl="3" indent="-317500">
-              <a:spcBef>
-                <a:spcPts val="1600"/>
-              </a:spcBef>
-              <a:spcAft>
-                <a:spcPts val="0"/>
-              </a:spcAft>
-              <a:buSzPts val="1400"/>
-              <a:buChar char="●"/>
-              <a:defRPr/>
-            </a:lvl4pPr>
-            <a:lvl5pPr marL="2286000" lvl="4" indent="-317500">
-              <a:spcBef>
-                <a:spcPts val="1600"/>
-              </a:spcBef>
-              <a:spcAft>
-                <a:spcPts val="0"/>
-              </a:spcAft>
-              <a:buSzPts val="1400"/>
-              <a:buChar char="○"/>
-              <a:defRPr/>
-            </a:lvl5pPr>
-            <a:lvl6pPr marL="2743200" lvl="5" indent="-317500">
-              <a:spcBef>
-                <a:spcPts val="1600"/>
-              </a:spcBef>
-              <a:spcAft>
-                <a:spcPts val="0"/>
-              </a:spcAft>
-              <a:buSzPts val="1400"/>
-              <a:buChar char="■"/>
-              <a:defRPr/>
-            </a:lvl6pPr>
-            <a:lvl7pPr marL="3200400" lvl="6" indent="-317500">
-              <a:spcBef>
-                <a:spcPts val="1600"/>
-              </a:spcBef>
-              <a:spcAft>
-                <a:spcPts val="0"/>
-              </a:spcAft>
-              <a:buSzPts val="1400"/>
-              <a:buChar char="●"/>
-              <a:defRPr/>
-            </a:lvl7pPr>
-            <a:lvl8pPr marL="3657600" lvl="7" indent="-317500">
-              <a:spcBef>
-                <a:spcPts val="1600"/>
-              </a:spcBef>
-              <a:spcAft>
-                <a:spcPts val="0"/>
-              </a:spcAft>
-              <a:buSzPts val="1400"/>
-              <a:buChar char="○"/>
-              <a:defRPr/>
-            </a:lvl8pPr>
-            <a:lvl9pPr marL="4114800" lvl="8" indent="-317500">
-              <a:spcBef>
-                <a:spcPts val="1600"/>
-              </a:spcBef>
-              <a:spcAft>
-                <a:spcPts val="1600"/>
-              </a:spcAft>
-              <a:buSzPts val="1400"/>
-              <a:buChar char="■"/>
-              <a:defRPr/>
-            </a:lvl9pPr>
-          </a:lstStyle>
-          <a:p>
-            <a:endParaRPr/>
-          </a:p>
-        </p:txBody>
-      </p:sp>
-      <p:sp>
-        <p:nvSpPr>
-          <p:cNvPr id="40" name="Shape 40"/>
-          <p:cNvSpPr txBox="1">
-            <a:spLocks noGrp="1"/>
-          </p:cNvSpPr>
-          <p:nvPr>
-            <p:ph type="sldNum" idx="12"/>
-          </p:nvPr>
-        </p:nvSpPr>
-        <p:spPr>
-          <a:xfrm>
-            <a:off x="8472458" y="4663217"/>
-            <a:ext cx="548700" cy="393600"/>
-          </a:xfrm>
-          <a:prstGeom prst="rect">
-            <a:avLst/>
-          </a:prstGeom>
-        </p:spPr>
-        <p:txBody>
-          <a:bodyPr wrap="square" lIns="91425" tIns="91425" rIns="91425" bIns="91425" anchor="ctr" anchorCtr="0">
-            <a:noAutofit/>
-          </a:bodyPr>
-          <a:lstStyle/>
-          <a:p>
-            <a:pPr marL="0" lvl="0" indent="0">
-              <a:spcBef>
-                <a:spcPts val="0"/>
-              </a:spcBef>
-              <a:spcAft>
-                <a:spcPts val="0"/>
-              </a:spcAft>
-              <a:buNone/>
-            </a:pPr>
-            <a:fld id="{00000000-1234-1234-1234-123412341234}" type="slidenum">
-              <a:rPr lang="en"/>
-              <a:t>‹#›</a:t>
-            </a:fld>
-            <a:endParaRPr/>
-          </a:p>
-        </p:txBody>
-      </p:sp>
-    </p:spTree>
-  </p:cSld>
-  <p:clrMapOvr>
-    <a:masterClrMapping/>
-  </p:clrMapOvr>
-</p:sldLayout>
-</file>
-
-<file path=ppt/slideLayouts/slideLayout8.xml><?xml version="1.0" encoding="utf-8"?>
-<p:sldLayout xmlns:a="http://schemas.openxmlformats.org/drawingml/2006/main" xmlns:r="http://schemas.openxmlformats.org/officeDocument/2006/relationships" xmlns:p="http://schemas.openxmlformats.org/presentationml/2006/main">
   <p:cSld name="Caption">
     <p:spTree>
       <p:nvGrpSpPr>
@@ -3469,7 +2685,7 @@
 </p:sldLayout>
 </file>
 
-<file path=ppt/slideLayouts/slideLayout9.xml><?xml version="1.0" encoding="utf-8"?>
+<file path=ppt/slideLayouts/slideLayout8.xml><?xml version="1.0" encoding="utf-8"?>
 <p:sldLayout xmlns:a="http://schemas.openxmlformats.org/drawingml/2006/main" xmlns:r="http://schemas.openxmlformats.org/officeDocument/2006/relationships" xmlns:p="http://schemas.openxmlformats.org/presentationml/2006/main">
   <p:cSld name="Big number">
     <p:spTree>
@@ -4294,9 +3510,8 @@
     <p:sldLayoutId id="2147483652" r:id="rId4"/>
     <p:sldLayoutId id="2147483653" r:id="rId5"/>
     <p:sldLayoutId id="2147483654" r:id="rId6"/>
-    <p:sldLayoutId id="2147483655" r:id="rId7"/>
-    <p:sldLayoutId id="2147483656" r:id="rId8"/>
-    <p:sldLayoutId id="2147483657" r:id="rId9"/>
+    <p:sldLayoutId id="2147483656" r:id="rId7"/>
+    <p:sldLayoutId id="2147483657" r:id="rId8"/>
   </p:sldLayoutIdLst>
   <p:hf sldNum="0" hdr="0" ftr="0" dt="0"/>
   <p:txStyles>
@@ -4747,173 +3962,6 @@
   <p:cSld>
     <p:spTree>
       <p:nvGrpSpPr>
-        <p:cNvPr id="1" name="Shape 53"/>
-        <p:cNvGrpSpPr/>
-        <p:nvPr/>
-      </p:nvGrpSpPr>
-      <p:grpSpPr>
-        <a:xfrm>
-          <a:off x="0" y="0"/>
-          <a:ext cx="0" cy="0"/>
-          <a:chOff x="0" y="0"/>
-          <a:chExt cx="0" cy="0"/>
-        </a:xfrm>
-      </p:grpSpPr>
-      <p:sp>
-        <p:nvSpPr>
-          <p:cNvPr id="54" name="Shape 54"/>
-          <p:cNvSpPr txBox="1">
-            <a:spLocks noGrp="1"/>
-          </p:cNvSpPr>
-          <p:nvPr>
-            <p:ph type="ctrTitle"/>
-          </p:nvPr>
-        </p:nvSpPr>
-        <p:spPr>
-          <a:xfrm>
-            <a:off x="311708" y="719850"/>
-            <a:ext cx="8520600" cy="2052600"/>
-          </a:xfrm>
-          <a:prstGeom prst="rect">
-            <a:avLst/>
-          </a:prstGeom>
-        </p:spPr>
-        <p:txBody>
-          <a:bodyPr wrap="square" lIns="91425" tIns="91425" rIns="91425" bIns="91425" anchor="b" anchorCtr="0">
-            <a:noAutofit/>
-          </a:bodyPr>
-          <a:lstStyle/>
-          <a:p>
-            <a:pPr marL="0" lvl="0" indent="0">
-              <a:spcBef>
-                <a:spcPts val="0"/>
-              </a:spcBef>
-              <a:spcAft>
-                <a:spcPts val="0"/>
-              </a:spcAft>
-              <a:buNone/>
-            </a:pPr>
-            <a:r>
-              <a:rPr lang="en" dirty="0"/>
-              <a:t>Status Report:</a:t>
-            </a:r>
-            <a:br>
-              <a:rPr lang="en" dirty="0"/>
-            </a:br>
-            <a:r>
-              <a:rPr lang="en" dirty="0"/>
-              <a:t>Project name</a:t>
-            </a:r>
-            <a:endParaRPr dirty="0"/>
-          </a:p>
-        </p:txBody>
-      </p:sp>
-      <p:pic>
-        <p:nvPicPr>
-          <p:cNvPr id="55" name="Shape 55" descr="logo2.png"/>
-          <p:cNvPicPr preferRelativeResize="0"/>
-          <p:nvPr/>
-        </p:nvPicPr>
-        <p:blipFill>
-          <a:blip r:embed="rId3">
-            <a:alphaModFix/>
-          </a:blip>
-          <a:stretch>
-            <a:fillRect/>
-          </a:stretch>
-        </p:blipFill>
-        <p:spPr>
-          <a:xfrm>
-            <a:off x="2476500" y="0"/>
-            <a:ext cx="4191000" cy="4191000"/>
-          </a:xfrm>
-          <a:prstGeom prst="rect">
-            <a:avLst/>
-          </a:prstGeom>
-          <a:noFill/>
-          <a:ln>
-            <a:noFill/>
-          </a:ln>
-        </p:spPr>
-      </p:pic>
-      <p:sp>
-        <p:nvSpPr>
-          <p:cNvPr id="56" name="Shape 56"/>
-          <p:cNvSpPr txBox="1">
-            <a:spLocks noGrp="1"/>
-          </p:cNvSpPr>
-          <p:nvPr>
-            <p:ph type="subTitle" idx="1"/>
-          </p:nvPr>
-        </p:nvSpPr>
-        <p:spPr>
-          <a:xfrm>
-            <a:off x="311700" y="3823275"/>
-            <a:ext cx="8520600" cy="792600"/>
-          </a:xfrm>
-          <a:prstGeom prst="rect">
-            <a:avLst/>
-          </a:prstGeom>
-        </p:spPr>
-        <p:txBody>
-          <a:bodyPr wrap="square" lIns="91425" tIns="91425" rIns="91425" bIns="91425" anchor="t" anchorCtr="0">
-            <a:noAutofit/>
-          </a:bodyPr>
-          <a:lstStyle/>
-          <a:p>
-            <a:pPr marL="0" lvl="0" indent="0">
-              <a:spcBef>
-                <a:spcPts val="0"/>
-              </a:spcBef>
-              <a:spcAft>
-                <a:spcPts val="0"/>
-              </a:spcAft>
-              <a:buNone/>
-            </a:pPr>
-            <a:r>
-              <a:rPr lang="en" sz="7400" dirty="0">
-                <a:solidFill>
-                  <a:srgbClr val="000000"/>
-                </a:solidFill>
-                <a:latin typeface="Lato Black"/>
-                <a:ea typeface="Lato Black"/>
-                <a:cs typeface="Lato Black"/>
-                <a:sym typeface="Lato Black"/>
-              </a:rPr>
-              <a:t>AMBULANE</a:t>
-            </a:r>
-            <a:endParaRPr sz="7400" dirty="0">
-              <a:solidFill>
-                <a:srgbClr val="000000"/>
-              </a:solidFill>
-              <a:latin typeface="Lato Black"/>
-              <a:ea typeface="Lato Black"/>
-              <a:cs typeface="Lato Black"/>
-              <a:sym typeface="Lato Black"/>
-            </a:endParaRPr>
-          </a:p>
-        </p:txBody>
-      </p:sp>
-    </p:spTree>
-  </p:cSld>
-  <p:clrMapOvr>
-    <a:masterClrMapping/>
-  </p:clrMapOvr>
-  <p:timing>
-    <p:tnLst>
-      <p:par>
-        <p:cTn id="1" dur="indefinite" restart="never" nodeType="tmRoot"/>
-      </p:par>
-    </p:tnLst>
-  </p:timing>
-</p:sld>
-</file>
-
-<file path=ppt/slides/slide2.xml><?xml version="1.0" encoding="utf-8"?>
-<p:sld xmlns:a="http://schemas.openxmlformats.org/drawingml/2006/main" xmlns:r="http://schemas.openxmlformats.org/officeDocument/2006/relationships" xmlns:p="http://schemas.openxmlformats.org/presentationml/2006/main">
-  <p:cSld>
-    <p:spTree>
-      <p:nvGrpSpPr>
         <p:cNvPr id="1" name=""/>
         <p:cNvGrpSpPr/>
         <p:nvPr/>
@@ -4992,7 +4040,7 @@
                 <a:latin typeface="Levenim MT" panose="02010502060101010101" pitchFamily="2" charset="-79"/>
                 <a:cs typeface="Levenim MT" panose="02010502060101010101" pitchFamily="2" charset="-79"/>
               </a:rPr>
-              <a:t>PROJECT INSIGHT</a:t>
+              <a:t>AMBULANE</a:t>
             </a:r>
             <a:endParaRPr lang="en-IN" sz="5400" b="1" u="sng" dirty="0">
               <a:latin typeface="Levenim MT" panose="02010502060101010101" pitchFamily="2" charset="-79"/>
@@ -5065,40 +4113,25 @@
                 <a:latin typeface="Levenim MT" panose="02010502060101010101" pitchFamily="2" charset="-79"/>
                 <a:cs typeface="Levenim MT" panose="02010502060101010101" pitchFamily="2" charset="-79"/>
               </a:rPr>
-              <a:t>Public School Koramangala</a:t>
+              <a:t>Public School </a:t>
             </a:r>
-          </a:p>
-          <a:p>
             <a:r>
-              <a:rPr lang="en-IN" sz="2400" b="1" u="sng" dirty="0" smtClean="0">
+              <a:rPr lang="en-IN" sz="2400" dirty="0" smtClean="0">
                 <a:solidFill>
                   <a:schemeClr val="tx1"/>
                 </a:solidFill>
                 <a:latin typeface="Levenim MT" panose="02010502060101010101" pitchFamily="2" charset="-79"/>
                 <a:cs typeface="Levenim MT" panose="02010502060101010101" pitchFamily="2" charset="-79"/>
               </a:rPr>
-              <a:t>PROJECT NAME</a:t>
+              <a:t>Koramangala</a:t>
             </a:r>
-            <a:r>
-              <a:rPr lang="en-IN" sz="2400" b="1" u="sng" dirty="0" smtClean="0">
-                <a:solidFill>
-                  <a:schemeClr val="tx1"/>
-                </a:solidFill>
-                <a:latin typeface="Levenim MT" panose="02010502060101010101" pitchFamily="2" charset="-79"/>
-                <a:cs typeface="Levenim MT" panose="02010502060101010101" pitchFamily="2" charset="-79"/>
-              </a:rPr>
-              <a:t>:</a:t>
-            </a:r>
-            <a:r>
-              <a:rPr lang="en-IN" sz="2400" b="1" dirty="0" smtClean="0">
-                <a:solidFill>
-                  <a:schemeClr val="tx1"/>
-                </a:solidFill>
-                <a:latin typeface="Levenim MT" panose="02010502060101010101" pitchFamily="2" charset="-79"/>
-                <a:cs typeface="Levenim MT" panose="02010502060101010101" pitchFamily="2" charset="-79"/>
-              </a:rPr>
-              <a:t> AMBULANE</a:t>
-            </a:r>
+            <a:endParaRPr lang="en-IN" sz="2400" b="1" dirty="0" smtClean="0">
+              <a:solidFill>
+                <a:schemeClr val="tx1"/>
+              </a:solidFill>
+              <a:latin typeface="Levenim MT" panose="02010502060101010101" pitchFamily="2" charset="-79"/>
+              <a:cs typeface="Levenim MT" panose="02010502060101010101" pitchFamily="2" charset="-79"/>
+            </a:endParaRPr>
           </a:p>
           <a:p>
             <a:r>
@@ -5171,17 +4204,7 @@
                 <a:latin typeface="Levenim MT" panose="02010502060101010101" pitchFamily="2" charset="-79"/>
                 <a:cs typeface="Levenim MT" panose="02010502060101010101" pitchFamily="2" charset="-79"/>
               </a:rPr>
-              <a:t>Rajdeep Nag, Aniket </a:t>
-            </a:r>
-            <a:r>
-              <a:rPr lang="en-IN" sz="2400" dirty="0" smtClean="0">
-                <a:solidFill>
-                  <a:schemeClr val="tx1"/>
-                </a:solidFill>
-                <a:latin typeface="Levenim MT" panose="02010502060101010101" pitchFamily="2" charset="-79"/>
-                <a:cs typeface="Levenim MT" panose="02010502060101010101" pitchFamily="2" charset="-79"/>
-              </a:rPr>
-              <a:t>Sanghi</a:t>
+              <a:t>Rajdeep Nag, Aniket Sanghi</a:t>
             </a:r>
             <a:r>
               <a:rPr lang="en-IN" sz="2400" dirty="0">
@@ -5233,13 +4256,6 @@
               </a:rPr>
               <a:t>Naidu</a:t>
             </a:r>
-            <a:endParaRPr lang="en-IN" sz="2400" dirty="0">
-              <a:solidFill>
-                <a:schemeClr val="tx1"/>
-              </a:solidFill>
-              <a:latin typeface="Levenim MT" panose="02010502060101010101" pitchFamily="2" charset="-79"/>
-              <a:cs typeface="Levenim MT" panose="02010502060101010101" pitchFamily="2" charset="-79"/>
-            </a:endParaRPr>
           </a:p>
         </p:txBody>
       </p:sp>
@@ -5263,561 +4279,7 @@
 </p:sld>
 </file>
 
-<file path=ppt/slides/slide3.xml><?xml version="1.0" encoding="utf-8"?>
-<p:sld xmlns:a="http://schemas.openxmlformats.org/drawingml/2006/main" xmlns:r="http://schemas.openxmlformats.org/officeDocument/2006/relationships" xmlns:p="http://schemas.openxmlformats.org/presentationml/2006/main">
-  <p:cSld>
-    <p:bg>
-      <p:bgPr>
-        <a:solidFill>
-          <a:srgbClr val="FFFFFF"/>
-        </a:solidFill>
-        <a:effectLst/>
-      </p:bgPr>
-    </p:bg>
-    <p:spTree>
-      <p:nvGrpSpPr>
-        <p:cNvPr id="1" name="Shape 60"/>
-        <p:cNvGrpSpPr/>
-        <p:nvPr/>
-      </p:nvGrpSpPr>
-      <p:grpSpPr>
-        <a:xfrm>
-          <a:off x="0" y="0"/>
-          <a:ext cx="0" cy="0"/>
-          <a:chOff x="0" y="0"/>
-          <a:chExt cx="0" cy="0"/>
-        </a:xfrm>
-      </p:grpSpPr>
-      <p:pic>
-        <p:nvPicPr>
-          <p:cNvPr id="61" name="Shape 61" descr="Picture2.png"/>
-          <p:cNvPicPr preferRelativeResize="0"/>
-          <p:nvPr/>
-        </p:nvPicPr>
-        <p:blipFill>
-          <a:blip r:embed="rId3">
-            <a:alphaModFix/>
-          </a:blip>
-          <a:stretch>
-            <a:fillRect/>
-          </a:stretch>
-        </p:blipFill>
-        <p:spPr>
-          <a:xfrm>
-            <a:off x="2791150" y="863188"/>
-            <a:ext cx="3417125" cy="3417125"/>
-          </a:xfrm>
-          <a:prstGeom prst="rect">
-            <a:avLst/>
-          </a:prstGeom>
-          <a:noFill/>
-          <a:ln>
-            <a:noFill/>
-          </a:ln>
-        </p:spPr>
-      </p:pic>
-      <p:sp>
-        <p:nvSpPr>
-          <p:cNvPr id="62" name="Shape 62"/>
-          <p:cNvSpPr txBox="1">
-            <a:spLocks noGrp="1"/>
-          </p:cNvSpPr>
-          <p:nvPr>
-            <p:ph type="title"/>
-          </p:nvPr>
-        </p:nvSpPr>
-        <p:spPr>
-          <a:xfrm>
-            <a:off x="253299" y="1912650"/>
-            <a:ext cx="4552617" cy="1318200"/>
-          </a:xfrm>
-          <a:prstGeom prst="rect">
-            <a:avLst/>
-          </a:prstGeom>
-        </p:spPr>
-        <p:txBody>
-          <a:bodyPr wrap="square" lIns="91425" tIns="91425" rIns="91425" bIns="91425" anchor="ctr" anchorCtr="0">
-            <a:noAutofit/>
-          </a:bodyPr>
-          <a:lstStyle/>
-          <a:p>
-            <a:pPr marL="0" lvl="0" indent="0" rtl="0">
-              <a:spcBef>
-                <a:spcPts val="0"/>
-              </a:spcBef>
-              <a:spcAft>
-                <a:spcPts val="0"/>
-              </a:spcAft>
-              <a:buNone/>
-            </a:pPr>
-            <a:r>
-              <a:rPr lang="en" sz="6000" b="1" i="1" dirty="0">
-                <a:solidFill>
-                  <a:srgbClr val="000000"/>
-                </a:solidFill>
-                <a:latin typeface="Candara" panose="020E0502030303020204" pitchFamily="34" charset="0"/>
-                <a:ea typeface="Oswald"/>
-                <a:cs typeface="Oswald"/>
-                <a:sym typeface="Oswald"/>
-              </a:rPr>
-              <a:t>WHAT </a:t>
-            </a:r>
-            <a:endParaRPr sz="6000" b="1" i="1" dirty="0">
-              <a:solidFill>
-                <a:srgbClr val="000000"/>
-              </a:solidFill>
-              <a:latin typeface="Candara" panose="020E0502030303020204" pitchFamily="34" charset="0"/>
-              <a:ea typeface="Oswald"/>
-              <a:cs typeface="Oswald"/>
-              <a:sym typeface="Oswald"/>
-            </a:endParaRPr>
-          </a:p>
-          <a:p>
-            <a:pPr marL="0" lvl="0" indent="0" rtl="0">
-              <a:spcBef>
-                <a:spcPts val="0"/>
-              </a:spcBef>
-              <a:spcAft>
-                <a:spcPts val="0"/>
-              </a:spcAft>
-              <a:buNone/>
-            </a:pPr>
-            <a:r>
-              <a:rPr lang="en" sz="6000" b="1" i="1" dirty="0">
-                <a:solidFill>
-                  <a:srgbClr val="000000"/>
-                </a:solidFill>
-                <a:latin typeface="Candara" panose="020E0502030303020204" pitchFamily="34" charset="0"/>
-                <a:ea typeface="Oswald"/>
-                <a:cs typeface="Oswald"/>
-                <a:sym typeface="Oswald"/>
-              </a:rPr>
-              <a:t>IS</a:t>
-            </a:r>
-            <a:endParaRPr sz="6000" b="1" i="1" dirty="0">
-              <a:solidFill>
-                <a:srgbClr val="000000"/>
-              </a:solidFill>
-              <a:latin typeface="Candara" panose="020E0502030303020204" pitchFamily="34" charset="0"/>
-              <a:ea typeface="Oswald"/>
-              <a:cs typeface="Oswald"/>
-              <a:sym typeface="Oswald"/>
-            </a:endParaRPr>
-          </a:p>
-          <a:p>
-            <a:pPr marL="0" lvl="0" indent="0" rtl="0">
-              <a:spcBef>
-                <a:spcPts val="0"/>
-              </a:spcBef>
-              <a:spcAft>
-                <a:spcPts val="0"/>
-              </a:spcAft>
-              <a:buNone/>
-            </a:pPr>
-            <a:r>
-              <a:rPr lang="en" sz="6000" b="1" i="1" dirty="0">
-                <a:solidFill>
-                  <a:srgbClr val="000000"/>
-                </a:solidFill>
-                <a:latin typeface="Candara" panose="020E0502030303020204" pitchFamily="34" charset="0"/>
-                <a:ea typeface="Oswald"/>
-                <a:cs typeface="Oswald"/>
-                <a:sym typeface="Oswald"/>
-              </a:rPr>
-              <a:t>AMBULANE?</a:t>
-            </a:r>
-            <a:endParaRPr sz="6000" b="1" i="1" dirty="0">
-              <a:solidFill>
-                <a:srgbClr val="000000"/>
-              </a:solidFill>
-              <a:latin typeface="Candara" panose="020E0502030303020204" pitchFamily="34" charset="0"/>
-              <a:ea typeface="Oswald"/>
-              <a:cs typeface="Oswald"/>
-              <a:sym typeface="Oswald"/>
-            </a:endParaRPr>
-          </a:p>
-        </p:txBody>
-      </p:sp>
-      <p:sp>
-        <p:nvSpPr>
-          <p:cNvPr id="63" name="Shape 63"/>
-          <p:cNvSpPr txBox="1">
-            <a:spLocks noGrp="1"/>
-          </p:cNvSpPr>
-          <p:nvPr>
-            <p:ph type="body" idx="2"/>
-          </p:nvPr>
-        </p:nvSpPr>
-        <p:spPr>
-          <a:xfrm>
-            <a:off x="4660588" y="739289"/>
-            <a:ext cx="4045200" cy="3695100"/>
-          </a:xfrm>
-          <a:prstGeom prst="rect">
-            <a:avLst/>
-          </a:prstGeom>
-        </p:spPr>
-        <p:txBody>
-          <a:bodyPr wrap="square" lIns="91425" tIns="91425" rIns="91425" bIns="91425" anchor="ctr" anchorCtr="0">
-            <a:noAutofit/>
-          </a:bodyPr>
-          <a:lstStyle/>
-          <a:p>
-            <a:pPr marL="0" lvl="0" indent="0" rtl="0">
-              <a:spcBef>
-                <a:spcPts val="0"/>
-              </a:spcBef>
-              <a:spcAft>
-                <a:spcPts val="0"/>
-              </a:spcAft>
-              <a:buNone/>
-            </a:pPr>
-            <a:endParaRPr b="1" dirty="0"/>
-          </a:p>
-          <a:p>
-            <a:pPr marL="0" lvl="0" indent="0" rtl="0">
-              <a:spcBef>
-                <a:spcPts val="1600"/>
-              </a:spcBef>
-              <a:spcAft>
-                <a:spcPts val="0"/>
-              </a:spcAft>
-              <a:buNone/>
-            </a:pPr>
-            <a:endParaRPr sz="2200" b="1" dirty="0">
-              <a:solidFill>
-                <a:srgbClr val="000000"/>
-              </a:solidFill>
-              <a:latin typeface="Comfortaa"/>
-              <a:ea typeface="Comfortaa"/>
-              <a:cs typeface="Comfortaa"/>
-              <a:sym typeface="Comfortaa"/>
-            </a:endParaRPr>
-          </a:p>
-          <a:p>
-            <a:pPr marL="0" lvl="0" indent="0" rtl="0">
-              <a:spcBef>
-                <a:spcPts val="1600"/>
-              </a:spcBef>
-              <a:spcAft>
-                <a:spcPts val="0"/>
-              </a:spcAft>
-              <a:buNone/>
-            </a:pPr>
-            <a:endParaRPr sz="2200" b="1" dirty="0">
-              <a:solidFill>
-                <a:srgbClr val="000000"/>
-              </a:solidFill>
-              <a:latin typeface="Comfortaa"/>
-              <a:ea typeface="Comfortaa"/>
-              <a:cs typeface="Comfortaa"/>
-              <a:sym typeface="Comfortaa"/>
-            </a:endParaRPr>
-          </a:p>
-          <a:p>
-            <a:pPr marL="0" lvl="0" indent="0" rtl="0">
-              <a:spcBef>
-                <a:spcPts val="1600"/>
-              </a:spcBef>
-              <a:spcAft>
-                <a:spcPts val="0"/>
-              </a:spcAft>
-              <a:buNone/>
-            </a:pPr>
-            <a:r>
-              <a:rPr lang="en" sz="2600" b="1" dirty="0">
-                <a:solidFill>
-                  <a:srgbClr val="000000"/>
-                </a:solidFill>
-                <a:latin typeface="Candara" panose="020E0502030303020204" pitchFamily="34" charset="0"/>
-                <a:ea typeface="Trebuchet MS"/>
-                <a:cs typeface="Trebuchet MS"/>
-                <a:sym typeface="Trebuchet MS"/>
-              </a:rPr>
-              <a:t>AMBULANE</a:t>
-            </a:r>
-            <a:r>
-              <a:rPr lang="en" sz="2200" b="1" dirty="0">
-                <a:solidFill>
-                  <a:srgbClr val="000000"/>
-                </a:solidFill>
-                <a:latin typeface="Candara" panose="020E0502030303020204" pitchFamily="34" charset="0"/>
-                <a:ea typeface="Comfortaa"/>
-                <a:cs typeface="Comfortaa"/>
-                <a:sym typeface="Comfortaa"/>
-              </a:rPr>
-              <a:t> is a public service app designed to effectively reduce the inconveniences faced by ambulances on </a:t>
-            </a:r>
-            <a:r>
-              <a:rPr lang="en-IN" sz="2200" b="1" dirty="0">
-                <a:solidFill>
-                  <a:srgbClr val="000000"/>
-                </a:solidFill>
-                <a:latin typeface="Candara" panose="020E0502030303020204" pitchFamily="34" charset="0"/>
-                <a:ea typeface="Comfortaa"/>
-                <a:cs typeface="Comfortaa"/>
-                <a:sym typeface="Comfortaa"/>
-              </a:rPr>
-              <a:t>I</a:t>
-            </a:r>
-            <a:r>
-              <a:rPr lang="en" sz="2200" b="1" dirty="0">
-                <a:solidFill>
-                  <a:srgbClr val="000000"/>
-                </a:solidFill>
-                <a:latin typeface="Candara" panose="020E0502030303020204" pitchFamily="34" charset="0"/>
-                <a:ea typeface="Comfortaa"/>
-                <a:cs typeface="Comfortaa"/>
-                <a:sym typeface="Comfortaa"/>
-              </a:rPr>
-              <a:t>ndian roads, thus potentially saving lives.</a:t>
-            </a:r>
-            <a:endParaRPr sz="2200" b="1" dirty="0">
-              <a:solidFill>
-                <a:srgbClr val="000000"/>
-              </a:solidFill>
-              <a:latin typeface="Candara" panose="020E0502030303020204" pitchFamily="34" charset="0"/>
-              <a:ea typeface="Comfortaa"/>
-              <a:cs typeface="Comfortaa"/>
-              <a:sym typeface="Comfortaa"/>
-            </a:endParaRPr>
-          </a:p>
-          <a:p>
-            <a:pPr marL="0" lvl="0" indent="0" rtl="0">
-              <a:spcBef>
-                <a:spcPts val="1600"/>
-              </a:spcBef>
-              <a:spcAft>
-                <a:spcPts val="0"/>
-              </a:spcAft>
-              <a:buNone/>
-            </a:pPr>
-            <a:endParaRPr sz="2200" b="1" dirty="0">
-              <a:solidFill>
-                <a:srgbClr val="000000"/>
-              </a:solidFill>
-              <a:latin typeface="Lato"/>
-              <a:ea typeface="Lato"/>
-              <a:cs typeface="Lato"/>
-              <a:sym typeface="Lato"/>
-            </a:endParaRPr>
-          </a:p>
-          <a:p>
-            <a:pPr marL="0" lvl="0" indent="0" rtl="0">
-              <a:spcBef>
-                <a:spcPts val="1600"/>
-              </a:spcBef>
-              <a:spcAft>
-                <a:spcPts val="0"/>
-              </a:spcAft>
-              <a:buNone/>
-            </a:pPr>
-            <a:endParaRPr b="1" dirty="0"/>
-          </a:p>
-          <a:p>
-            <a:pPr marL="0" lvl="0" indent="0" rtl="0">
-              <a:spcBef>
-                <a:spcPts val="1600"/>
-              </a:spcBef>
-              <a:spcAft>
-                <a:spcPts val="1600"/>
-              </a:spcAft>
-              <a:buNone/>
-            </a:pPr>
-            <a:endParaRPr b="1" dirty="0"/>
-          </a:p>
-        </p:txBody>
-      </p:sp>
-    </p:spTree>
-  </p:cSld>
-  <p:clrMapOvr>
-    <a:masterClrMapping/>
-  </p:clrMapOvr>
-  <p:timing>
-    <p:tnLst>
-      <p:par>
-        <p:cTn id="1" dur="indefinite" restart="never" nodeType="tmRoot"/>
-      </p:par>
-    </p:tnLst>
-  </p:timing>
-</p:sld>
-</file>
-
-<file path=ppt/slides/slide4.xml><?xml version="1.0" encoding="utf-8"?>
-<p:sld xmlns:a="http://schemas.openxmlformats.org/drawingml/2006/main" xmlns:r="http://schemas.openxmlformats.org/officeDocument/2006/relationships" xmlns:p="http://schemas.openxmlformats.org/presentationml/2006/main">
-  <p:cSld>
-    <p:spTree>
-      <p:nvGrpSpPr>
-        <p:cNvPr id="1" name="Shape 83"/>
-        <p:cNvGrpSpPr/>
-        <p:nvPr/>
-      </p:nvGrpSpPr>
-      <p:grpSpPr>
-        <a:xfrm>
-          <a:off x="0" y="0"/>
-          <a:ext cx="0" cy="0"/>
-          <a:chOff x="0" y="0"/>
-          <a:chExt cx="0" cy="0"/>
-        </a:xfrm>
-      </p:grpSpPr>
-      <p:sp>
-        <p:nvSpPr>
-          <p:cNvPr id="84" name="Shape 84"/>
-          <p:cNvSpPr txBox="1">
-            <a:spLocks noGrp="1"/>
-          </p:cNvSpPr>
-          <p:nvPr>
-            <p:ph type="title"/>
-          </p:nvPr>
-        </p:nvSpPr>
-        <p:spPr>
-          <a:xfrm>
-            <a:off x="311700" y="445025"/>
-            <a:ext cx="8520600" cy="572700"/>
-          </a:xfrm>
-          <a:prstGeom prst="rect">
-            <a:avLst/>
-          </a:prstGeom>
-        </p:spPr>
-        <p:txBody>
-          <a:bodyPr wrap="square" lIns="91425" tIns="91425" rIns="91425" bIns="91425" anchor="t" anchorCtr="0">
-            <a:noAutofit/>
-          </a:bodyPr>
-          <a:lstStyle/>
-          <a:p>
-            <a:pPr marL="0" lvl="0" indent="0">
-              <a:spcBef>
-                <a:spcPts val="0"/>
-              </a:spcBef>
-              <a:spcAft>
-                <a:spcPts val="0"/>
-              </a:spcAft>
-              <a:buNone/>
-            </a:pPr>
-            <a:endParaRPr/>
-          </a:p>
-        </p:txBody>
-      </p:sp>
-      <p:sp>
-        <p:nvSpPr>
-          <p:cNvPr id="85" name="Shape 85"/>
-          <p:cNvSpPr txBox="1">
-            <a:spLocks noGrp="1"/>
-          </p:cNvSpPr>
-          <p:nvPr>
-            <p:ph type="body" idx="1"/>
-          </p:nvPr>
-        </p:nvSpPr>
-        <p:spPr>
-          <a:xfrm>
-            <a:off x="311700" y="1152475"/>
-            <a:ext cx="3999900" cy="3416400"/>
-          </a:xfrm>
-          <a:prstGeom prst="rect">
-            <a:avLst/>
-          </a:prstGeom>
-        </p:spPr>
-        <p:txBody>
-          <a:bodyPr wrap="square" lIns="91425" tIns="91425" rIns="91425" bIns="91425" anchor="t" anchorCtr="0">
-            <a:noAutofit/>
-          </a:bodyPr>
-          <a:lstStyle/>
-          <a:p>
-            <a:pPr marL="0" lvl="0" indent="0">
-              <a:spcBef>
-                <a:spcPts val="0"/>
-              </a:spcBef>
-              <a:spcAft>
-                <a:spcPts val="1600"/>
-              </a:spcAft>
-              <a:buNone/>
-            </a:pPr>
-            <a:endParaRPr/>
-          </a:p>
-        </p:txBody>
-      </p:sp>
-      <p:sp>
-        <p:nvSpPr>
-          <p:cNvPr id="86" name="Shape 86"/>
-          <p:cNvSpPr txBox="1">
-            <a:spLocks noGrp="1"/>
-          </p:cNvSpPr>
-          <p:nvPr>
-            <p:ph type="body" idx="2"/>
-          </p:nvPr>
-        </p:nvSpPr>
-        <p:spPr>
-          <a:xfrm>
-            <a:off x="4832400" y="1152475"/>
-            <a:ext cx="3999900" cy="3416400"/>
-          </a:xfrm>
-          <a:prstGeom prst="rect">
-            <a:avLst/>
-          </a:prstGeom>
-        </p:spPr>
-        <p:txBody>
-          <a:bodyPr wrap="square" lIns="91425" tIns="91425" rIns="91425" bIns="91425" anchor="t" anchorCtr="0">
-            <a:noAutofit/>
-          </a:bodyPr>
-          <a:lstStyle/>
-          <a:p>
-            <a:pPr marL="0" lvl="0" indent="0">
-              <a:spcBef>
-                <a:spcPts val="0"/>
-              </a:spcBef>
-              <a:spcAft>
-                <a:spcPts val="1600"/>
-              </a:spcAft>
-              <a:buNone/>
-            </a:pPr>
-            <a:endParaRPr/>
-          </a:p>
-        </p:txBody>
-      </p:sp>
-      <p:pic>
-        <p:nvPicPr>
-          <p:cNvPr id="87" name="Shape 87" title="Points scored"/>
-          <p:cNvPicPr preferRelativeResize="0"/>
-          <p:nvPr/>
-        </p:nvPicPr>
-        <p:blipFill>
-          <a:blip r:embed="rId3">
-            <a:alphaModFix/>
-          </a:blip>
-          <a:stretch>
-            <a:fillRect/>
-          </a:stretch>
-        </p:blipFill>
-        <p:spPr>
-          <a:xfrm>
-            <a:off x="0" y="0"/>
-            <a:ext cx="9144000" cy="5216625"/>
-          </a:xfrm>
-          <a:prstGeom prst="rect">
-            <a:avLst/>
-          </a:prstGeom>
-          <a:noFill/>
-          <a:ln>
-            <a:noFill/>
-          </a:ln>
-        </p:spPr>
-      </p:pic>
-    </p:spTree>
-  </p:cSld>
-  <p:clrMapOvr>
-    <a:masterClrMapping/>
-  </p:clrMapOvr>
-  <p:timing>
-    <p:tnLst>
-      <p:par>
-        <p:cTn id="1" dur="indefinite" restart="never" nodeType="tmRoot"/>
-      </p:par>
-    </p:tnLst>
-  </p:timing>
-</p:sld>
-</file>
-
-<file path=ppt/slides/slide5.xml><?xml version="1.0" encoding="utf-8"?>
+<file path=ppt/slides/slide2.xml><?xml version="1.0" encoding="utf-8"?>
 <p:sld xmlns:a="http://schemas.openxmlformats.org/drawingml/2006/main" xmlns:r="http://schemas.openxmlformats.org/officeDocument/2006/relationships" xmlns:p="http://schemas.openxmlformats.org/presentationml/2006/main">
   <p:cSld>
     <p:spTree>
@@ -6003,18 +4465,54 @@
               <a:r>
                 <a:rPr lang="en" sz="1800" b="1" dirty="0">
                   <a:solidFill>
-                    <a:srgbClr val="434343"/>
+                    <a:schemeClr val="tx1"/>
                   </a:solidFill>
                   <a:latin typeface="Comfortaa"/>
                   <a:ea typeface="Comfortaa"/>
                   <a:cs typeface="Comfortaa"/>
                   <a:sym typeface="Comfortaa"/>
                 </a:rPr>
-                <a:t>The ambulance and the client upload their location in the database</a:t>
+                <a:t>The ambulance and the client upload their location </a:t>
+              </a:r>
+              <a:r>
+                <a:rPr lang="en" sz="1800" b="1" dirty="0" smtClean="0">
+                  <a:solidFill>
+                    <a:schemeClr val="tx1"/>
+                  </a:solidFill>
+                  <a:latin typeface="Comfortaa"/>
+                  <a:ea typeface="Comfortaa"/>
+                  <a:cs typeface="Comfortaa"/>
+                  <a:sym typeface="Comfortaa"/>
+                </a:rPr>
+                <a:t>to</a:t>
+              </a:r>
+              <a:r>
+                <a:rPr lang="en" sz="1800" b="1" dirty="0" smtClean="0">
+                  <a:solidFill>
+                    <a:schemeClr val="tx1"/>
+                  </a:solidFill>
+                  <a:latin typeface="Comfortaa"/>
+                  <a:ea typeface="Comfortaa"/>
+                  <a:cs typeface="Comfortaa"/>
+                  <a:sym typeface="Comfortaa"/>
+                </a:rPr>
+                <a:t> </a:t>
+              </a:r>
+              <a:r>
+                <a:rPr lang="en" sz="1800" b="1" dirty="0">
+                  <a:solidFill>
+                    <a:schemeClr val="tx1"/>
+                  </a:solidFill>
+                  <a:latin typeface="Comfortaa"/>
+                  <a:ea typeface="Comfortaa"/>
+                  <a:cs typeface="Comfortaa"/>
+                  <a:sym typeface="Comfortaa"/>
+                </a:rPr>
+                <a:t>the database</a:t>
               </a:r>
               <a:endParaRPr sz="1800" b="1" dirty="0">
                 <a:solidFill>
-                  <a:srgbClr val="434343"/>
+                  <a:schemeClr val="tx1"/>
                 </a:solidFill>
                 <a:latin typeface="Comfortaa"/>
                 <a:ea typeface="Comfortaa"/>
@@ -6111,7 +4609,7 @@
           <p:spPr>
             <a:xfrm>
               <a:off x="1695737" y="2237899"/>
-              <a:ext cx="1966419" cy="2350500"/>
+              <a:ext cx="2137119" cy="2350500"/>
             </a:xfrm>
             <a:prstGeom prst="rect">
               <a:avLst/>
@@ -6142,18 +4640,78 @@
               <a:r>
                 <a:rPr lang="en" sz="1800" b="1" dirty="0">
                   <a:solidFill>
-                    <a:srgbClr val="434343"/>
+                    <a:schemeClr val="tx1"/>
                   </a:solidFill>
                   <a:latin typeface="Comfortaa"/>
                   <a:ea typeface="Comfortaa"/>
                   <a:cs typeface="Comfortaa"/>
                   <a:sym typeface="Comfortaa"/>
                 </a:rPr>
-                <a:t>The data is processed at the server end and a list of clients to which the notifications are to be sent is prepared  </a:t>
+                <a:t>The data is processed </a:t>
+              </a:r>
+              <a:r>
+                <a:rPr lang="en" sz="1800" b="1" dirty="0" smtClean="0">
+                  <a:solidFill>
+                    <a:schemeClr val="tx1"/>
+                  </a:solidFill>
+                  <a:latin typeface="Comfortaa"/>
+                  <a:ea typeface="Comfortaa"/>
+                  <a:cs typeface="Comfortaa"/>
+                  <a:sym typeface="Comfortaa"/>
+                </a:rPr>
+                <a:t>in</a:t>
+              </a:r>
+              <a:r>
+                <a:rPr lang="en" sz="1800" b="1" dirty="0" smtClean="0">
+                  <a:solidFill>
+                    <a:schemeClr val="tx1"/>
+                  </a:solidFill>
+                  <a:latin typeface="Comfortaa"/>
+                  <a:ea typeface="Comfortaa"/>
+                  <a:cs typeface="Comfortaa"/>
+                  <a:sym typeface="Comfortaa"/>
+                </a:rPr>
+                <a:t> </a:t>
+              </a:r>
+              <a:r>
+                <a:rPr lang="en" sz="1800" b="1" dirty="0">
+                  <a:solidFill>
+                    <a:schemeClr val="tx1"/>
+                  </a:solidFill>
+                  <a:latin typeface="Comfortaa"/>
+                  <a:ea typeface="Comfortaa"/>
+                  <a:cs typeface="Comfortaa"/>
+                  <a:sym typeface="Comfortaa"/>
+                </a:rPr>
+                <a:t>the </a:t>
+              </a:r>
+              <a:r>
+                <a:rPr lang="en" sz="1800" b="1" dirty="0" smtClean="0">
+                  <a:solidFill>
+                    <a:schemeClr val="tx1"/>
+                  </a:solidFill>
+                  <a:latin typeface="Comfortaa"/>
+                  <a:ea typeface="Comfortaa"/>
+                  <a:cs typeface="Comfortaa"/>
+                  <a:sym typeface="Comfortaa"/>
+                </a:rPr>
+                <a:t>server </a:t>
+              </a:r>
+              <a:r>
+                <a:rPr lang="en" sz="1800" b="1" dirty="0">
+                  <a:solidFill>
+                    <a:schemeClr val="tx1"/>
+                  </a:solidFill>
+                  <a:latin typeface="Comfortaa"/>
+                  <a:ea typeface="Comfortaa"/>
+                  <a:cs typeface="Comfortaa"/>
+                  <a:sym typeface="Comfortaa"/>
+                </a:rPr>
+                <a:t>and a list of clients to which the notifications are to be sent is prepared  </a:t>
               </a:r>
               <a:endParaRPr sz="1800" b="1" dirty="0">
                 <a:solidFill>
-                  <a:srgbClr val="434343"/>
+                  <a:schemeClr val="tx1"/>
                 </a:solidFill>
                 <a:latin typeface="Comfortaa"/>
                 <a:ea typeface="Comfortaa"/>
@@ -6172,8 +4730,8 @@
         </p:nvSpPr>
         <p:spPr>
           <a:xfrm>
-            <a:off x="5966726" y="1341508"/>
-            <a:ext cx="2367307" cy="732899"/>
+            <a:off x="5966727" y="1341509"/>
+            <a:ext cx="2367306" cy="710340"/>
           </a:xfrm>
           <a:prstGeom prst="chevron">
             <a:avLst>
@@ -6264,7 +4822,7 @@
             <a:r>
               <a:rPr lang="en" sz="1800" b="1" dirty="0">
                 <a:solidFill>
-                  <a:srgbClr val="434343"/>
+                  <a:schemeClr val="tx1"/>
                 </a:solidFill>
                 <a:latin typeface="Comfortaa"/>
                 <a:ea typeface="Comfortaa"/>
@@ -6276,7 +4834,7 @@
             <a:r>
               <a:rPr lang="en-IN" sz="1800" b="1" dirty="0">
                 <a:solidFill>
-                  <a:srgbClr val="434343"/>
+                  <a:schemeClr val="tx1"/>
                 </a:solidFill>
                 <a:latin typeface="Comfortaa"/>
                 <a:ea typeface="Comfortaa"/>
@@ -6287,7 +4845,7 @@
             </a:r>
             <a:endParaRPr sz="1800" b="1" dirty="0">
               <a:solidFill>
-                <a:srgbClr val="434343"/>
+                <a:schemeClr val="tx1"/>
               </a:solidFill>
               <a:latin typeface="Comfortaa"/>
               <a:ea typeface="Comfortaa"/>
@@ -6319,7 +4877,7 @@
         </p:blipFill>
         <p:spPr>
           <a:xfrm>
-            <a:off x="2664962" y="934814"/>
+            <a:off x="2664962" y="1154557"/>
             <a:ext cx="3814075" cy="3814075"/>
           </a:xfrm>
           <a:prstGeom prst="rect">
@@ -6535,7 +5093,7 @@
 </p:sld>
 </file>
 
-<file path=ppt/slides/slide6.xml><?xml version="1.0" encoding="utf-8"?>
+<file path=ppt/slides/slide3.xml><?xml version="1.0" encoding="utf-8"?>
 <p:sld xmlns:a="http://schemas.openxmlformats.org/drawingml/2006/main" xmlns:r="http://schemas.openxmlformats.org/officeDocument/2006/relationships" xmlns:p="http://schemas.openxmlformats.org/presentationml/2006/main">
   <p:cSld>
     <p:spTree>
@@ -6637,7 +5195,7 @@
 </p:sld>
 </file>
 
-<file path=ppt/slides/slide7.xml><?xml version="1.0" encoding="utf-8"?>
+<file path=ppt/slides/slide4.xml><?xml version="1.0" encoding="utf-8"?>
 <p:sld xmlns:a="http://schemas.openxmlformats.org/drawingml/2006/main" xmlns:r="http://schemas.openxmlformats.org/officeDocument/2006/relationships" xmlns:p="http://schemas.openxmlformats.org/presentationml/2006/main">
   <p:cSld>
     <p:spTree>
@@ -6968,177 +5526,6 @@
     <p:extLst>
       <p:ext uri="{BB962C8B-B14F-4D97-AF65-F5344CB8AC3E}">
         <p14:creationId xmlns:p14="http://schemas.microsoft.com/office/powerpoint/2010/main" val="3569762369"/>
-      </p:ext>
-    </p:extLst>
-  </p:cSld>
-  <p:clrMapOvr>
-    <a:masterClrMapping/>
-  </p:clrMapOvr>
-  <p:timing>
-    <p:tnLst>
-      <p:par>
-        <p:cTn id="1" dur="indefinite" restart="never" nodeType="tmRoot"/>
-      </p:par>
-    </p:tnLst>
-  </p:timing>
-</p:sld>
-</file>
-
-<file path=ppt/slides/slide8.xml><?xml version="1.0" encoding="utf-8"?>
-<p:sld xmlns:a="http://schemas.openxmlformats.org/drawingml/2006/main" xmlns:r="http://schemas.openxmlformats.org/officeDocument/2006/relationships" xmlns:p="http://schemas.openxmlformats.org/presentationml/2006/main">
-  <p:cSld>
-    <p:spTree>
-      <p:nvGrpSpPr>
-        <p:cNvPr id="1" name=""/>
-        <p:cNvGrpSpPr/>
-        <p:nvPr/>
-      </p:nvGrpSpPr>
-      <p:grpSpPr>
-        <a:xfrm>
-          <a:off x="0" y="0"/>
-          <a:ext cx="0" cy="0"/>
-          <a:chOff x="0" y="0"/>
-          <a:chExt cx="0" cy="0"/>
-        </a:xfrm>
-      </p:grpSpPr>
-      <p:sp>
-        <p:nvSpPr>
-          <p:cNvPr id="2" name="Rectangle 1"/>
-          <p:cNvSpPr/>
-          <p:nvPr/>
-        </p:nvSpPr>
-        <p:spPr>
-          <a:xfrm>
-            <a:off x="0" y="0"/>
-            <a:ext cx="9144000" cy="5143500"/>
-          </a:xfrm>
-          <a:prstGeom prst="rect">
-            <a:avLst/>
-          </a:prstGeom>
-          <a:solidFill>
-            <a:schemeClr val="tx1"/>
-          </a:solidFill>
-        </p:spPr>
-        <p:style>
-          <a:lnRef idx="2">
-            <a:schemeClr val="accent1">
-              <a:shade val="50000"/>
-            </a:schemeClr>
-          </a:lnRef>
-          <a:fillRef idx="1">
-            <a:schemeClr val="accent1"/>
-          </a:fillRef>
-          <a:effectRef idx="0">
-            <a:schemeClr val="accent1"/>
-          </a:effectRef>
-          <a:fontRef idx="minor">
-            <a:schemeClr val="lt1"/>
-          </a:fontRef>
-        </p:style>
-        <p:txBody>
-          <a:bodyPr rtlCol="0" anchor="ctr"/>
-          <a:lstStyle/>
-          <a:p>
-            <a:pPr algn="ctr"/>
-            <a:endParaRPr lang="en-US"/>
-          </a:p>
-        </p:txBody>
-      </p:sp>
-      <p:sp>
-        <p:nvSpPr>
-          <p:cNvPr id="3" name="Text Placeholder 2">
-            <a:extLst>
-              <a:ext uri="{FF2B5EF4-FFF2-40B4-BE49-F238E27FC236}">
-                <a16:creationId xmlns:a16="http://schemas.microsoft.com/office/drawing/2014/main" xmlns="" id="{68E325C0-4586-4773-ADC1-EBC0D8040A3A}"/>
-              </a:ext>
-            </a:extLst>
-          </p:cNvPr>
-          <p:cNvSpPr>
-            <a:spLocks noGrp="1"/>
-          </p:cNvSpPr>
-          <p:nvPr>
-            <p:ph type="body" idx="1"/>
-          </p:nvPr>
-        </p:nvSpPr>
-        <p:spPr>
-          <a:xfrm>
-            <a:off x="1144677" y="116958"/>
-            <a:ext cx="6854644" cy="612530"/>
-          </a:xfrm>
-        </p:spPr>
-        <p:txBody>
-          <a:bodyPr/>
-          <a:lstStyle/>
-          <a:p>
-            <a:pPr marL="114300" indent="0" algn="ctr">
-              <a:buNone/>
-            </a:pPr>
-            <a:r>
-              <a:rPr lang="en-IN" sz="8000" b="1" dirty="0" smtClean="0">
-                <a:solidFill>
-                  <a:schemeClr val="bg1"/>
-                </a:solidFill>
-              </a:rPr>
-              <a:t>THANK YOU</a:t>
-            </a:r>
-            <a:endParaRPr lang="en-IN" sz="8000" b="1" dirty="0">
-              <a:solidFill>
-                <a:schemeClr val="bg1"/>
-              </a:solidFill>
-            </a:endParaRPr>
-          </a:p>
-        </p:txBody>
-      </p:sp>
-      <p:pic>
-        <p:nvPicPr>
-          <p:cNvPr id="4" name="Shape 55" descr="logo2.png">
-            <a:extLst>
-              <a:ext uri="{FF2B5EF4-FFF2-40B4-BE49-F238E27FC236}">
-                <a16:creationId xmlns:a16="http://schemas.microsoft.com/office/drawing/2014/main" xmlns="" id="{97ECB9DF-0EF5-4061-BB37-5EC021BC250C}"/>
-              </a:ext>
-            </a:extLst>
-          </p:cNvPr>
-          <p:cNvPicPr preferRelativeResize="0"/>
-          <p:nvPr/>
-        </p:nvPicPr>
-        <p:blipFill rotWithShape="1">
-          <a:blip r:embed="rId2">
-            <a:alphaModFix/>
-            <a:extLst>
-              <a:ext uri="{BEBA8EAE-BF5A-486C-A8C5-ECC9F3942E4B}">
-                <a14:imgProps xmlns:a14="http://schemas.microsoft.com/office/drawing/2010/main">
-                  <a14:imgLayer r:embed="rId3">
-                    <a14:imgEffect>
-                      <a14:backgroundRemoval t="5682" b="93409" l="6591" r="94318">
-                        <a14:foregroundMark x1="35455" y1="39318" x2="35455" y2="39318"/>
-                      </a14:backgroundRemoval>
-                    </a14:imgEffect>
-                  </a14:imgLayer>
-                </a14:imgProps>
-              </a:ext>
-            </a:extLst>
-          </a:blip>
-          <a:srcRect l="6364" t="5381" r="5602" b="7347"/>
-          <a:stretch/>
-        </p:blipFill>
-        <p:spPr>
-          <a:xfrm>
-            <a:off x="2910661" y="1623364"/>
-            <a:ext cx="3322675" cy="3213691"/>
-          </a:xfrm>
-          <a:prstGeom prst="rect">
-            <a:avLst/>
-          </a:prstGeom>
-          <a:noFill/>
-          <a:ln>
-            <a:noFill/>
-          </a:ln>
-        </p:spPr>
-      </p:pic>
-    </p:spTree>
-    <p:extLst>
-      <p:ext uri="{BB962C8B-B14F-4D97-AF65-F5344CB8AC3E}">
-        <p14:creationId xmlns:p14="http://schemas.microsoft.com/office/powerpoint/2010/main" val="2356462892"/>
       </p:ext>
     </p:extLst>
   </p:cSld>
